--- a/PPTs/Class 1.pptx
+++ b/PPTs/Class 1.pptx
@@ -323,7 +323,7 @@
             <a:fld id="{F417509E-4BD3-494B-9309-53CF9A45C23B}" type="datetimeFigureOut">
               <a:rPr lang="en-US" smtClean="0"/>
               <a:pPr/>
-              <a:t>30-Apr-24</a:t>
+              <a:t>02-May-24</a:t>
             </a:fld>
             <a:endParaRPr lang="en-US"/>
           </a:p>
@@ -488,7 +488,7 @@
             <a:fld id="{F417509E-4BD3-494B-9309-53CF9A45C23B}" type="datetimeFigureOut">
               <a:rPr lang="en-US" smtClean="0"/>
               <a:pPr/>
-              <a:t>30-Apr-24</a:t>
+              <a:t>02-May-24</a:t>
             </a:fld>
             <a:endParaRPr lang="en-US"/>
           </a:p>
@@ -663,7 +663,7 @@
             <a:fld id="{F417509E-4BD3-494B-9309-53CF9A45C23B}" type="datetimeFigureOut">
               <a:rPr lang="en-US" smtClean="0"/>
               <a:pPr/>
-              <a:t>30-Apr-24</a:t>
+              <a:t>02-May-24</a:t>
             </a:fld>
             <a:endParaRPr lang="en-US"/>
           </a:p>
@@ -828,7 +828,7 @@
             <a:fld id="{F417509E-4BD3-494B-9309-53CF9A45C23B}" type="datetimeFigureOut">
               <a:rPr lang="en-US" smtClean="0"/>
               <a:pPr/>
-              <a:t>30-Apr-24</a:t>
+              <a:t>02-May-24</a:t>
             </a:fld>
             <a:endParaRPr lang="en-US"/>
           </a:p>
@@ -1070,7 +1070,7 @@
             <a:fld id="{F417509E-4BD3-494B-9309-53CF9A45C23B}" type="datetimeFigureOut">
               <a:rPr lang="en-US" smtClean="0"/>
               <a:pPr/>
-              <a:t>30-Apr-24</a:t>
+              <a:t>02-May-24</a:t>
             </a:fld>
             <a:endParaRPr lang="en-US"/>
           </a:p>
@@ -1352,7 +1352,7 @@
             <a:fld id="{F417509E-4BD3-494B-9309-53CF9A45C23B}" type="datetimeFigureOut">
               <a:rPr lang="en-US" smtClean="0"/>
               <a:pPr/>
-              <a:t>30-Apr-24</a:t>
+              <a:t>02-May-24</a:t>
             </a:fld>
             <a:endParaRPr lang="en-US"/>
           </a:p>
@@ -1768,7 +1768,7 @@
             <a:fld id="{F417509E-4BD3-494B-9309-53CF9A45C23B}" type="datetimeFigureOut">
               <a:rPr lang="en-US" smtClean="0"/>
               <a:pPr/>
-              <a:t>30-Apr-24</a:t>
+              <a:t>02-May-24</a:t>
             </a:fld>
             <a:endParaRPr lang="en-US"/>
           </a:p>
@@ -1882,7 +1882,7 @@
             <a:fld id="{F417509E-4BD3-494B-9309-53CF9A45C23B}" type="datetimeFigureOut">
               <a:rPr lang="en-US" smtClean="0"/>
               <a:pPr/>
-              <a:t>30-Apr-24</a:t>
+              <a:t>02-May-24</a:t>
             </a:fld>
             <a:endParaRPr lang="en-US"/>
           </a:p>
@@ -1974,7 +1974,7 @@
             <a:fld id="{F417509E-4BD3-494B-9309-53CF9A45C23B}" type="datetimeFigureOut">
               <a:rPr lang="en-US" smtClean="0"/>
               <a:pPr/>
-              <a:t>30-Apr-24</a:t>
+              <a:t>02-May-24</a:t>
             </a:fld>
             <a:endParaRPr lang="en-US"/>
           </a:p>
@@ -2246,7 +2246,7 @@
             <a:fld id="{F417509E-4BD3-494B-9309-53CF9A45C23B}" type="datetimeFigureOut">
               <a:rPr lang="en-US" smtClean="0"/>
               <a:pPr/>
-              <a:t>30-Apr-24</a:t>
+              <a:t>02-May-24</a:t>
             </a:fld>
             <a:endParaRPr lang="en-US"/>
           </a:p>
@@ -2495,7 +2495,7 @@
             <a:fld id="{F417509E-4BD3-494B-9309-53CF9A45C23B}" type="datetimeFigureOut">
               <a:rPr lang="en-US" smtClean="0"/>
               <a:pPr/>
-              <a:t>30-Apr-24</a:t>
+              <a:t>02-May-24</a:t>
             </a:fld>
             <a:endParaRPr lang="en-US"/>
           </a:p>
@@ -2703,7 +2703,7 @@
             <a:fld id="{F417509E-4BD3-494B-9309-53CF9A45C23B}" type="datetimeFigureOut">
               <a:rPr lang="en-US" smtClean="0"/>
               <a:pPr/>
-              <a:t>30-Apr-24</a:t>
+              <a:t>02-May-24</a:t>
             </a:fld>
             <a:endParaRPr lang="en-US"/>
           </a:p>
@@ -3108,7 +3108,10 @@
               <a:rPr lang="en-US" dirty="0" err="1"/>
               <a:t>JnanaMarga</a:t>
             </a:r>
-            <a:endParaRPr lang="en-US" dirty="0"/>
+            <a:r>
+              <a:rPr lang="en-US" dirty="0"/>
+              <a:t> Internship Program</a:t>
+            </a:r>
           </a:p>
         </p:txBody>
       </p:sp>
@@ -3128,12 +3131,105 @@
             <p:ph type="subTitle" idx="1"/>
           </p:nvPr>
         </p:nvSpPr>
-        <p:spPr/>
+        <p:spPr>
+          <a:xfrm>
+            <a:off x="1170495" y="1600200"/>
+            <a:ext cx="7315200" cy="762000"/>
+          </a:xfrm>
+        </p:spPr>
         <p:txBody>
           <a:bodyPr/>
           <a:lstStyle/>
           <a:p>
-            <a:endParaRPr lang="en-US"/>
+            <a:r>
+              <a:rPr lang="en-US" dirty="0"/>
+              <a:t>Few Things to keep in mind</a:t>
+            </a:r>
+          </a:p>
+          <a:p>
+            <a:endParaRPr lang="en-US" dirty="0"/>
+          </a:p>
+          <a:p>
+            <a:endParaRPr lang="en-US" dirty="0"/>
+          </a:p>
+        </p:txBody>
+      </p:sp>
+      <p:sp>
+        <p:nvSpPr>
+          <p:cNvPr id="4" name="TextBox 3">
+            <a:extLst>
+              <a:ext uri="{FF2B5EF4-FFF2-40B4-BE49-F238E27FC236}">
+                <a16:creationId xmlns:a16="http://schemas.microsoft.com/office/drawing/2014/main" id="{BAA3DF3B-DE86-CB0F-CE9E-0414E600930A}"/>
+              </a:ext>
+            </a:extLst>
+          </p:cNvPr>
+          <p:cNvSpPr txBox="1"/>
+          <p:nvPr/>
+        </p:nvSpPr>
+        <p:spPr>
+          <a:xfrm>
+            <a:off x="685800" y="2971800"/>
+            <a:ext cx="8229600" cy="2246769"/>
+          </a:xfrm>
+          <a:prstGeom prst="rect">
+            <a:avLst/>
+          </a:prstGeom>
+          <a:noFill/>
+        </p:spPr>
+        <p:txBody>
+          <a:bodyPr wrap="square" rtlCol="0">
+            <a:spAutoFit/>
+          </a:bodyPr>
+          <a:lstStyle/>
+          <a:p>
+            <a:pPr marL="457200" indent="-457200">
+              <a:buFont typeface="Arial" panose="020B0604020202020204" pitchFamily="34" charset="0"/>
+              <a:buChar char="•"/>
+            </a:pPr>
+            <a:r>
+              <a:rPr lang="en-US" sz="2800" dirty="0"/>
+              <a:t>Have a Learning attitude</a:t>
+            </a:r>
+          </a:p>
+          <a:p>
+            <a:pPr marL="457200" indent="-457200">
+              <a:buFont typeface="Arial" panose="020B0604020202020204" pitchFamily="34" charset="0"/>
+              <a:buChar char="•"/>
+            </a:pPr>
+            <a:r>
+              <a:rPr lang="en-US" sz="2800" dirty="0"/>
+              <a:t>Communicate your problems and difficulties</a:t>
+            </a:r>
+          </a:p>
+          <a:p>
+            <a:pPr marL="457200" indent="-457200">
+              <a:buFont typeface="Arial" panose="020B0604020202020204" pitchFamily="34" charset="0"/>
+              <a:buChar char="•"/>
+            </a:pPr>
+            <a:r>
+              <a:rPr lang="en-US" sz="2800" dirty="0"/>
+              <a:t>Help each other</a:t>
+            </a:r>
+          </a:p>
+          <a:p>
+            <a:pPr marL="457200" indent="-457200">
+              <a:buFont typeface="Arial" panose="020B0604020202020204" pitchFamily="34" charset="0"/>
+              <a:buChar char="•"/>
+            </a:pPr>
+            <a:r>
+              <a:rPr lang="en-US" sz="2800" dirty="0"/>
+              <a:t>While Learning something new do not use AI</a:t>
+            </a:r>
+          </a:p>
+          <a:p>
+            <a:pPr marL="457200" indent="-457200">
+              <a:buFont typeface="Arial" panose="020B0604020202020204" pitchFamily="34" charset="0"/>
+              <a:buChar char="•"/>
+            </a:pPr>
+            <a:r>
+              <a:rPr lang="en-US" sz="2800" dirty="0"/>
+              <a:t>Google is your best friend!!</a:t>
+            </a:r>
           </a:p>
         </p:txBody>
       </p:sp>

--- a/PPTs/Class 1.pptx
+++ b/PPTs/Class 1.pptx
@@ -5,27 +5,30 @@
     <p:sldMasterId id="2147483648" r:id="rId1"/>
   </p:sldMasterIdLst>
   <p:sldIdLst>
-    <p:sldId id="304" r:id="rId2"/>
-    <p:sldId id="258" r:id="rId3"/>
-    <p:sldId id="260" r:id="rId4"/>
-    <p:sldId id="297" r:id="rId5"/>
-    <p:sldId id="257" r:id="rId6"/>
-    <p:sldId id="299" r:id="rId7"/>
-    <p:sldId id="273" r:id="rId8"/>
-    <p:sldId id="295" r:id="rId9"/>
-    <p:sldId id="289" r:id="rId10"/>
-    <p:sldId id="290" r:id="rId11"/>
-    <p:sldId id="296" r:id="rId12"/>
-    <p:sldId id="259" r:id="rId13"/>
-    <p:sldId id="300" r:id="rId14"/>
-    <p:sldId id="262" r:id="rId15"/>
-    <p:sldId id="263" r:id="rId16"/>
-    <p:sldId id="266" r:id="rId17"/>
-    <p:sldId id="268" r:id="rId18"/>
-    <p:sldId id="301" r:id="rId19"/>
-    <p:sldId id="302" r:id="rId20"/>
-    <p:sldId id="277" r:id="rId21"/>
-    <p:sldId id="303" r:id="rId22"/>
+    <p:sldId id="307" r:id="rId2"/>
+    <p:sldId id="304" r:id="rId3"/>
+    <p:sldId id="306" r:id="rId4"/>
+    <p:sldId id="258" r:id="rId5"/>
+    <p:sldId id="260" r:id="rId6"/>
+    <p:sldId id="297" r:id="rId7"/>
+    <p:sldId id="257" r:id="rId8"/>
+    <p:sldId id="299" r:id="rId9"/>
+    <p:sldId id="273" r:id="rId10"/>
+    <p:sldId id="295" r:id="rId11"/>
+    <p:sldId id="289" r:id="rId12"/>
+    <p:sldId id="290" r:id="rId13"/>
+    <p:sldId id="296" r:id="rId14"/>
+    <p:sldId id="259" r:id="rId15"/>
+    <p:sldId id="300" r:id="rId16"/>
+    <p:sldId id="262" r:id="rId17"/>
+    <p:sldId id="263" r:id="rId18"/>
+    <p:sldId id="266" r:id="rId19"/>
+    <p:sldId id="268" r:id="rId20"/>
+    <p:sldId id="301" r:id="rId21"/>
+    <p:sldId id="302" r:id="rId22"/>
+    <p:sldId id="277" r:id="rId23"/>
+    <p:sldId id="305" r:id="rId24"/>
+    <p:sldId id="303" r:id="rId25"/>
   </p:sldIdLst>
   <p:sldSz cx="9144000" cy="6858000" type="screen4x3"/>
   <p:notesSz cx="6858000" cy="9144000"/>
@@ -3079,7 +3082,7 @@
           <p:cNvPr id="2" name="Title 1">
             <a:extLst>
               <a:ext uri="{FF2B5EF4-FFF2-40B4-BE49-F238E27FC236}">
-                <a16:creationId xmlns:a16="http://schemas.microsoft.com/office/drawing/2014/main" id="{596BCA5B-5FD7-C381-E8F6-9DF4DF176B8A}"/>
+                <a16:creationId xmlns:a16="http://schemas.microsoft.com/office/drawing/2014/main" id="{F7E465B3-EA38-2C89-AFA5-46A5A671BEBC}"/>
               </a:ext>
             </a:extLst>
           </p:cNvPr>
@@ -3092,8 +3095,8 @@
         </p:nvSpPr>
         <p:spPr>
           <a:xfrm>
-            <a:off x="685800" y="0"/>
-            <a:ext cx="7772400" cy="1470025"/>
+            <a:off x="533400" y="1466424"/>
+            <a:ext cx="8001000" cy="3105576"/>
           </a:xfrm>
         </p:spPr>
         <p:txBody>
@@ -3111,124 +3114,6 @@
             <a:r>
               <a:rPr lang="en-US" dirty="0"/>
               <a:t> Internship Program</a:t>
-            </a:r>
-          </a:p>
-        </p:txBody>
-      </p:sp>
-      <p:sp>
-        <p:nvSpPr>
-          <p:cNvPr id="3" name="Subtitle 2">
-            <a:extLst>
-              <a:ext uri="{FF2B5EF4-FFF2-40B4-BE49-F238E27FC236}">
-                <a16:creationId xmlns:a16="http://schemas.microsoft.com/office/drawing/2014/main" id="{BF943D4F-7B6C-9601-0703-67909501C7FD}"/>
-              </a:ext>
-            </a:extLst>
-          </p:cNvPr>
-          <p:cNvSpPr>
-            <a:spLocks noGrp="1"/>
-          </p:cNvSpPr>
-          <p:nvPr>
-            <p:ph type="subTitle" idx="1"/>
-          </p:nvPr>
-        </p:nvSpPr>
-        <p:spPr>
-          <a:xfrm>
-            <a:off x="1170495" y="1600200"/>
-            <a:ext cx="7315200" cy="762000"/>
-          </a:xfrm>
-        </p:spPr>
-        <p:txBody>
-          <a:bodyPr/>
-          <a:lstStyle/>
-          <a:p>
-            <a:r>
-              <a:rPr lang="en-US" dirty="0"/>
-              <a:t>Few Things to keep in mind</a:t>
-            </a:r>
-          </a:p>
-          <a:p>
-            <a:endParaRPr lang="en-US" dirty="0"/>
-          </a:p>
-          <a:p>
-            <a:endParaRPr lang="en-US" dirty="0"/>
-          </a:p>
-        </p:txBody>
-      </p:sp>
-      <p:sp>
-        <p:nvSpPr>
-          <p:cNvPr id="4" name="TextBox 3">
-            <a:extLst>
-              <a:ext uri="{FF2B5EF4-FFF2-40B4-BE49-F238E27FC236}">
-                <a16:creationId xmlns:a16="http://schemas.microsoft.com/office/drawing/2014/main" id="{BAA3DF3B-DE86-CB0F-CE9E-0414E600930A}"/>
-              </a:ext>
-            </a:extLst>
-          </p:cNvPr>
-          <p:cNvSpPr txBox="1"/>
-          <p:nvPr/>
-        </p:nvSpPr>
-        <p:spPr>
-          <a:xfrm>
-            <a:off x="685800" y="2971800"/>
-            <a:ext cx="8229600" cy="2246769"/>
-          </a:xfrm>
-          <a:prstGeom prst="rect">
-            <a:avLst/>
-          </a:prstGeom>
-          <a:noFill/>
-        </p:spPr>
-        <p:txBody>
-          <a:bodyPr wrap="square" rtlCol="0">
-            <a:spAutoFit/>
-          </a:bodyPr>
-          <a:lstStyle/>
-          <a:p>
-            <a:pPr marL="457200" indent="-457200">
-              <a:buFont typeface="Arial" panose="020B0604020202020204" pitchFamily="34" charset="0"/>
-              <a:buChar char="•"/>
-            </a:pPr>
-            <a:r>
-              <a:rPr lang="en-US" sz="2800" dirty="0"/>
-              <a:t>Have a Learning attitude</a:t>
-            </a:r>
-          </a:p>
-          <a:p>
-            <a:pPr marL="457200" indent="-457200">
-              <a:buFont typeface="Arial" panose="020B0604020202020204" pitchFamily="34" charset="0"/>
-              <a:buChar char="•"/>
-            </a:pPr>
-            <a:r>
-              <a:rPr lang="en-US" sz="2800" dirty="0"/>
-              <a:t>Communicate your problems and difficulties</a:t>
-            </a:r>
-          </a:p>
-          <a:p>
-            <a:pPr marL="457200" indent="-457200">
-              <a:buFont typeface="Arial" panose="020B0604020202020204" pitchFamily="34" charset="0"/>
-              <a:buChar char="•"/>
-            </a:pPr>
-            <a:r>
-              <a:rPr lang="en-US" sz="2800" dirty="0"/>
-              <a:t>Help each other</a:t>
-            </a:r>
-          </a:p>
-          <a:p>
-            <a:pPr marL="457200" indent="-457200">
-              <a:buFont typeface="Arial" panose="020B0604020202020204" pitchFamily="34" charset="0"/>
-              <a:buChar char="•"/>
-            </a:pPr>
-            <a:r>
-              <a:rPr lang="en-US" sz="2800" dirty="0"/>
-              <a:t>While Learning something new do not use AI</a:t>
-            </a:r>
-          </a:p>
-          <a:p>
-            <a:pPr marL="457200" indent="-457200">
-              <a:buFont typeface="Arial" panose="020B0604020202020204" pitchFamily="34" charset="0"/>
-              <a:buChar char="•"/>
-            </a:pPr>
-            <a:r>
-              <a:rPr lang="en-US" sz="2800" dirty="0"/>
-              <a:t>Google is your best friend!!</a:t>
             </a:r>
           </a:p>
         </p:txBody>
@@ -3236,7 +3121,7 @@
     </p:spTree>
     <p:extLst>
       <p:ext uri="{BB962C8B-B14F-4D97-AF65-F5344CB8AC3E}">
-        <p14:creationId xmlns:p14="http://schemas.microsoft.com/office/powerpoint/2010/main" val="3277010633"/>
+        <p14:creationId xmlns:p14="http://schemas.microsoft.com/office/powerpoint/2010/main" val="835201177"/>
       </p:ext>
     </p:extLst>
   </p:cSld>
@@ -3247,2535 +3132,6 @@
 </file>
 
 <file path=ppt/slides/slide10.xml><?xml version="1.0" encoding="utf-8"?>
-<p:sld xmlns:a="http://schemas.openxmlformats.org/drawingml/2006/main" xmlns:r="http://schemas.openxmlformats.org/officeDocument/2006/relationships" xmlns:p="http://schemas.openxmlformats.org/presentationml/2006/main">
-  <p:cSld>
-    <p:spTree>
-      <p:nvGrpSpPr>
-        <p:cNvPr id="1" name=""/>
-        <p:cNvGrpSpPr/>
-        <p:nvPr/>
-      </p:nvGrpSpPr>
-      <p:grpSpPr>
-        <a:xfrm>
-          <a:off x="0" y="0"/>
-          <a:ext cx="0" cy="0"/>
-          <a:chOff x="0" y="0"/>
-          <a:chExt cx="0" cy="0"/>
-        </a:xfrm>
-      </p:grpSpPr>
-      <p:pic>
-        <p:nvPicPr>
-          <p:cNvPr id="46082" name="Picture 2"/>
-          <p:cNvPicPr>
-            <a:picLocks noChangeAspect="1" noChangeArrowheads="1"/>
-          </p:cNvPicPr>
-          <p:nvPr/>
-        </p:nvPicPr>
-        <p:blipFill>
-          <a:blip r:embed="rId2"/>
-          <a:srcRect/>
-          <a:stretch>
-            <a:fillRect/>
-          </a:stretch>
-        </p:blipFill>
-        <p:spPr bwMode="auto">
-          <a:xfrm>
-            <a:off x="152400" y="914400"/>
-            <a:ext cx="8672036" cy="5375683"/>
-          </a:xfrm>
-          <a:prstGeom prst="rect">
-            <a:avLst/>
-          </a:prstGeom>
-          <a:noFill/>
-          <a:ln w="9525">
-            <a:noFill/>
-            <a:miter lim="800000"/>
-            <a:headEnd/>
-            <a:tailEnd/>
-          </a:ln>
-          <a:effectLst/>
-        </p:spPr>
-      </p:pic>
-      <p:sp>
-        <p:nvSpPr>
-          <p:cNvPr id="3" name="TextBox 2"/>
-          <p:cNvSpPr txBox="1"/>
-          <p:nvPr/>
-        </p:nvSpPr>
-        <p:spPr>
-          <a:xfrm>
-            <a:off x="914400" y="304800"/>
-            <a:ext cx="5217903" cy="800219"/>
-          </a:xfrm>
-          <a:prstGeom prst="rect">
-            <a:avLst/>
-          </a:prstGeom>
-          <a:noFill/>
-        </p:spPr>
-        <p:txBody>
-          <a:bodyPr wrap="none" rtlCol="0">
-            <a:spAutoFit/>
-          </a:bodyPr>
-          <a:lstStyle/>
-          <a:p>
-            <a:r>
-              <a:rPr lang="en-US" sz="2800" dirty="0">
-                <a:solidFill>
-                  <a:srgbClr val="FF0000"/>
-                </a:solidFill>
-              </a:rPr>
-              <a:t>EXAMPLES FOR PSEUDOCODE – 1  </a:t>
-            </a:r>
-          </a:p>
-          <a:p>
-            <a:endParaRPr lang="en-US" dirty="0"/>
-          </a:p>
-        </p:txBody>
-      </p:sp>
-    </p:spTree>
-  </p:cSld>
-  <p:clrMapOvr>
-    <a:masterClrMapping/>
-  </p:clrMapOvr>
-</p:sld>
-</file>
-
-<file path=ppt/slides/slide11.xml><?xml version="1.0" encoding="utf-8"?>
-<p:sld xmlns:a="http://schemas.openxmlformats.org/drawingml/2006/main" xmlns:r="http://schemas.openxmlformats.org/officeDocument/2006/relationships" xmlns:p="http://schemas.openxmlformats.org/presentationml/2006/main">
-  <p:cSld>
-    <p:spTree>
-      <p:nvGrpSpPr>
-        <p:cNvPr id="1" name=""/>
-        <p:cNvGrpSpPr/>
-        <p:nvPr/>
-      </p:nvGrpSpPr>
-      <p:grpSpPr>
-        <a:xfrm>
-          <a:off x="0" y="0"/>
-          <a:ext cx="0" cy="0"/>
-          <a:chOff x="0" y="0"/>
-          <a:chExt cx="0" cy="0"/>
-        </a:xfrm>
-      </p:grpSpPr>
-      <p:sp>
-        <p:nvSpPr>
-          <p:cNvPr id="2" name="Title 1">
-            <a:extLst>
-              <a:ext uri="{FF2B5EF4-FFF2-40B4-BE49-F238E27FC236}">
-                <a16:creationId xmlns:a16="http://schemas.microsoft.com/office/drawing/2014/main" id="{4F5A076E-35C9-EF93-42A1-B2724DBAAE85}"/>
-              </a:ext>
-            </a:extLst>
-          </p:cNvPr>
-          <p:cNvSpPr>
-            <a:spLocks noGrp="1"/>
-          </p:cNvSpPr>
-          <p:nvPr>
-            <p:ph type="ctrTitle"/>
-          </p:nvPr>
-        </p:nvSpPr>
-        <p:spPr>
-          <a:xfrm>
-            <a:off x="685800" y="228600"/>
-            <a:ext cx="7772400" cy="1470025"/>
-          </a:xfrm>
-        </p:spPr>
-        <p:txBody>
-          <a:bodyPr/>
-          <a:lstStyle/>
-          <a:p>
-            <a:r>
-              <a:rPr lang="en-US" dirty="0"/>
-              <a:t>Implementation</a:t>
-            </a:r>
-            <a:endParaRPr lang="es-PE" dirty="0"/>
-          </a:p>
-        </p:txBody>
-      </p:sp>
-      <p:sp>
-        <p:nvSpPr>
-          <p:cNvPr id="3" name="Subtitle 2">
-            <a:extLst>
-              <a:ext uri="{FF2B5EF4-FFF2-40B4-BE49-F238E27FC236}">
-                <a16:creationId xmlns:a16="http://schemas.microsoft.com/office/drawing/2014/main" id="{FFE50D08-A355-EF94-D94D-2079BE367CBC}"/>
-              </a:ext>
-            </a:extLst>
-          </p:cNvPr>
-          <p:cNvSpPr>
-            <a:spLocks noGrp="1"/>
-          </p:cNvSpPr>
-          <p:nvPr>
-            <p:ph type="subTitle" idx="1"/>
-          </p:nvPr>
-        </p:nvSpPr>
-        <p:spPr>
-          <a:xfrm>
-            <a:off x="1066800" y="1698625"/>
-            <a:ext cx="6400800" cy="1752600"/>
-          </a:xfrm>
-        </p:spPr>
-        <p:txBody>
-          <a:bodyPr/>
-          <a:lstStyle/>
-          <a:p>
-            <a:r>
-              <a:rPr lang="en-US" b="0" i="0" dirty="0">
-                <a:solidFill>
-                  <a:srgbClr val="000000"/>
-                </a:solidFill>
-                <a:effectLst/>
-                <a:latin typeface="Arial" panose="020B0604020202020204" pitchFamily="34" charset="0"/>
-              </a:rPr>
-              <a:t>basic arithmetic +prints + comments +  variables +  data Types</a:t>
-            </a:r>
-            <a:endParaRPr lang="es-PE" dirty="0"/>
-          </a:p>
-        </p:txBody>
-      </p:sp>
-      <p:pic>
-        <p:nvPicPr>
-          <p:cNvPr id="1030" name="Picture 6" descr="visual-studio-logo · GitHub Topics · GitHub">
-            <a:extLst>
-              <a:ext uri="{FF2B5EF4-FFF2-40B4-BE49-F238E27FC236}">
-                <a16:creationId xmlns:a16="http://schemas.microsoft.com/office/drawing/2014/main" id="{04077D4D-891E-52E5-B5DA-DBE588099B3E}"/>
-              </a:ext>
-            </a:extLst>
-          </p:cNvPr>
-          <p:cNvPicPr>
-            <a:picLocks noChangeAspect="1" noChangeArrowheads="1"/>
-          </p:cNvPicPr>
-          <p:nvPr/>
-        </p:nvPicPr>
-        <p:blipFill>
-          <a:blip r:embed="rId2">
-            <a:extLst>
-              <a:ext uri="{28A0092B-C50C-407E-A947-70E740481C1C}">
-                <a14:useLocalDpi xmlns:a14="http://schemas.microsoft.com/office/drawing/2010/main" val="0"/>
-              </a:ext>
-            </a:extLst>
-          </a:blip>
-          <a:srcRect/>
-          <a:stretch>
-            <a:fillRect/>
-          </a:stretch>
-        </p:blipFill>
-        <p:spPr bwMode="auto">
-          <a:xfrm>
-            <a:off x="1295400" y="4006850"/>
-            <a:ext cx="1943100" cy="1828800"/>
-          </a:xfrm>
-          <a:prstGeom prst="rect">
-            <a:avLst/>
-          </a:prstGeom>
-          <a:noFill/>
-          <a:extLst>
-            <a:ext uri="{909E8E84-426E-40DD-AFC4-6F175D3DCCD1}">
-              <a14:hiddenFill xmlns:a14="http://schemas.microsoft.com/office/drawing/2010/main">
-                <a:solidFill>
-                  <a:srgbClr val="FFFFFF"/>
-                </a:solidFill>
-              </a14:hiddenFill>
-            </a:ext>
-          </a:extLst>
-        </p:spPr>
-      </p:pic>
-      <p:sp>
-        <p:nvSpPr>
-          <p:cNvPr id="4" name="TextBox 3">
-            <a:extLst>
-              <a:ext uri="{FF2B5EF4-FFF2-40B4-BE49-F238E27FC236}">
-                <a16:creationId xmlns:a16="http://schemas.microsoft.com/office/drawing/2014/main" id="{7D86DEAB-1733-18A5-7905-A48F52E63322}"/>
-              </a:ext>
-            </a:extLst>
-          </p:cNvPr>
-          <p:cNvSpPr txBox="1"/>
-          <p:nvPr/>
-        </p:nvSpPr>
-        <p:spPr>
-          <a:xfrm>
-            <a:off x="3794760" y="4121150"/>
-            <a:ext cx="762000" cy="1446550"/>
-          </a:xfrm>
-          <a:prstGeom prst="rect">
-            <a:avLst/>
-          </a:prstGeom>
-          <a:noFill/>
-        </p:spPr>
-        <p:txBody>
-          <a:bodyPr wrap="square" rtlCol="0">
-            <a:spAutoFit/>
-          </a:bodyPr>
-          <a:lstStyle/>
-          <a:p>
-            <a:r>
-              <a:rPr lang="en-US" sz="8800" dirty="0"/>
-              <a:t>+</a:t>
-            </a:r>
-            <a:endParaRPr lang="es-PE" sz="8800" dirty="0"/>
-          </a:p>
-        </p:txBody>
-      </p:sp>
-      <p:pic>
-        <p:nvPicPr>
-          <p:cNvPr id="1032" name="Picture 8" descr="Python Logo, symbol, meaning, history, PNG, brand">
-            <a:extLst>
-              <a:ext uri="{FF2B5EF4-FFF2-40B4-BE49-F238E27FC236}">
-                <a16:creationId xmlns:a16="http://schemas.microsoft.com/office/drawing/2014/main" id="{A7A357E8-F665-C66E-35C0-3F81549DCA28}"/>
-              </a:ext>
-            </a:extLst>
-          </p:cNvPr>
-          <p:cNvPicPr>
-            <a:picLocks noChangeAspect="1" noChangeArrowheads="1"/>
-          </p:cNvPicPr>
-          <p:nvPr/>
-        </p:nvPicPr>
-        <p:blipFill>
-          <a:blip r:embed="rId3">
-            <a:extLst>
-              <a:ext uri="{28A0092B-C50C-407E-A947-70E740481C1C}">
-                <a14:useLocalDpi xmlns:a14="http://schemas.microsoft.com/office/drawing/2010/main" val="0"/>
-              </a:ext>
-            </a:extLst>
-          </a:blip>
-          <a:srcRect/>
-          <a:stretch>
-            <a:fillRect/>
-          </a:stretch>
-        </p:blipFill>
-        <p:spPr bwMode="auto">
-          <a:xfrm>
-            <a:off x="5486400" y="4121150"/>
-            <a:ext cx="1704975" cy="1600200"/>
-          </a:xfrm>
-          <a:prstGeom prst="rect">
-            <a:avLst/>
-          </a:prstGeom>
-          <a:noFill/>
-          <a:extLst>
-            <a:ext uri="{909E8E84-426E-40DD-AFC4-6F175D3DCCD1}">
-              <a14:hiddenFill xmlns:a14="http://schemas.microsoft.com/office/drawing/2010/main">
-                <a:solidFill>
-                  <a:srgbClr val="FFFFFF"/>
-                </a:solidFill>
-              </a14:hiddenFill>
-            </a:ext>
-          </a:extLst>
-        </p:spPr>
-      </p:pic>
-    </p:spTree>
-    <p:extLst>
-      <p:ext uri="{BB962C8B-B14F-4D97-AF65-F5344CB8AC3E}">
-        <p14:creationId xmlns:p14="http://schemas.microsoft.com/office/powerpoint/2010/main" val="1287807060"/>
-      </p:ext>
-    </p:extLst>
-  </p:cSld>
-  <p:clrMapOvr>
-    <a:masterClrMapping/>
-  </p:clrMapOvr>
-</p:sld>
-</file>
-
-<file path=ppt/slides/slide12.xml><?xml version="1.0" encoding="utf-8"?>
-<p:sld xmlns:a="http://schemas.openxmlformats.org/drawingml/2006/main" xmlns:r="http://schemas.openxmlformats.org/officeDocument/2006/relationships" xmlns:p="http://schemas.openxmlformats.org/presentationml/2006/main">
-  <p:cSld>
-    <p:spTree>
-      <p:nvGrpSpPr>
-        <p:cNvPr id="1" name=""/>
-        <p:cNvGrpSpPr/>
-        <p:nvPr/>
-      </p:nvGrpSpPr>
-      <p:grpSpPr>
-        <a:xfrm>
-          <a:off x="0" y="0"/>
-          <a:ext cx="0" cy="0"/>
-          <a:chOff x="0" y="0"/>
-          <a:chExt cx="0" cy="0"/>
-        </a:xfrm>
-      </p:grpSpPr>
-      <p:sp>
-        <p:nvSpPr>
-          <p:cNvPr id="2" name="TextBox 1"/>
-          <p:cNvSpPr txBox="1"/>
-          <p:nvPr/>
-        </p:nvSpPr>
-        <p:spPr>
-          <a:xfrm>
-            <a:off x="533401" y="685800"/>
-            <a:ext cx="8382000" cy="1692771"/>
-          </a:xfrm>
-          <a:prstGeom prst="rect">
-            <a:avLst/>
-          </a:prstGeom>
-          <a:noFill/>
-        </p:spPr>
-        <p:txBody>
-          <a:bodyPr wrap="square" rtlCol="0">
-            <a:spAutoFit/>
-          </a:bodyPr>
-          <a:lstStyle/>
-          <a:p>
-            <a:r>
-              <a:rPr lang="en-US" sz="3200" dirty="0"/>
-              <a:t>Execute Python Syntax</a:t>
-            </a:r>
-          </a:p>
-          <a:p>
-            <a:r>
-              <a:rPr lang="en-US" dirty="0"/>
-              <a:t>As we learned in the previous page, Python syntax can be executed by writing directly in the Command Line:</a:t>
-            </a:r>
-          </a:p>
-          <a:p>
-            <a:endParaRPr lang="en-US" dirty="0"/>
-          </a:p>
-          <a:p>
-            <a:endParaRPr lang="en-US" dirty="0"/>
-          </a:p>
-        </p:txBody>
-      </p:sp>
-      <p:pic>
-        <p:nvPicPr>
-          <p:cNvPr id="47106" name="Picture 2"/>
-          <p:cNvPicPr>
-            <a:picLocks noChangeAspect="1" noChangeArrowheads="1"/>
-          </p:cNvPicPr>
-          <p:nvPr/>
-        </p:nvPicPr>
-        <p:blipFill>
-          <a:blip r:embed="rId2"/>
-          <a:srcRect/>
-          <a:stretch>
-            <a:fillRect/>
-          </a:stretch>
-        </p:blipFill>
-        <p:spPr bwMode="auto">
-          <a:xfrm>
-            <a:off x="381000" y="1752600"/>
-            <a:ext cx="6335713" cy="1028700"/>
-          </a:xfrm>
-          <a:prstGeom prst="rect">
-            <a:avLst/>
-          </a:prstGeom>
-          <a:noFill/>
-          <a:ln w="9525">
-            <a:noFill/>
-            <a:miter lim="800000"/>
-            <a:headEnd/>
-            <a:tailEnd/>
-          </a:ln>
-          <a:effectLst/>
-        </p:spPr>
-      </p:pic>
-      <p:sp>
-        <p:nvSpPr>
-          <p:cNvPr id="4" name="Rectangle 3"/>
-          <p:cNvSpPr/>
-          <p:nvPr/>
-        </p:nvSpPr>
-        <p:spPr>
-          <a:xfrm>
-            <a:off x="457200" y="2967335"/>
-            <a:ext cx="6400800" cy="646331"/>
-          </a:xfrm>
-          <a:prstGeom prst="rect">
-            <a:avLst/>
-          </a:prstGeom>
-        </p:spPr>
-        <p:txBody>
-          <a:bodyPr wrap="square">
-            <a:spAutoFit/>
-          </a:bodyPr>
-          <a:lstStyle/>
-          <a:p>
-            <a:r>
-              <a:rPr lang="en-US" dirty="0"/>
-              <a:t>Or by creating a python file on the server, using the .</a:t>
-            </a:r>
-            <a:r>
-              <a:rPr lang="en-US" dirty="0" err="1"/>
-              <a:t>py</a:t>
-            </a:r>
-            <a:r>
-              <a:rPr lang="en-US" dirty="0"/>
-              <a:t> file extension, and running it in the Command Line:</a:t>
-            </a:r>
-          </a:p>
-        </p:txBody>
-      </p:sp>
-      <p:pic>
-        <p:nvPicPr>
-          <p:cNvPr id="47107" name="Picture 3"/>
-          <p:cNvPicPr>
-            <a:picLocks noChangeAspect="1" noChangeArrowheads="1"/>
-          </p:cNvPicPr>
-          <p:nvPr/>
-        </p:nvPicPr>
-        <p:blipFill>
-          <a:blip r:embed="rId3"/>
-          <a:srcRect/>
-          <a:stretch>
-            <a:fillRect/>
-          </a:stretch>
-        </p:blipFill>
-        <p:spPr bwMode="auto">
-          <a:xfrm>
-            <a:off x="381000" y="3810000"/>
-            <a:ext cx="8458200" cy="723900"/>
-          </a:xfrm>
-          <a:prstGeom prst="rect">
-            <a:avLst/>
-          </a:prstGeom>
-          <a:noFill/>
-          <a:ln w="9525">
-            <a:noFill/>
-            <a:miter lim="800000"/>
-            <a:headEnd/>
-            <a:tailEnd/>
-          </a:ln>
-          <a:effectLst/>
-        </p:spPr>
-      </p:pic>
-    </p:spTree>
-  </p:cSld>
-  <p:clrMapOvr>
-    <a:masterClrMapping/>
-  </p:clrMapOvr>
-</p:sld>
-</file>
-
-<file path=ppt/slides/slide13.xml><?xml version="1.0" encoding="utf-8"?>
-<p:sld xmlns:a="http://schemas.openxmlformats.org/drawingml/2006/main" xmlns:r="http://schemas.openxmlformats.org/officeDocument/2006/relationships" xmlns:p="http://schemas.openxmlformats.org/presentationml/2006/main">
-  <p:cSld>
-    <p:spTree>
-      <p:nvGrpSpPr>
-        <p:cNvPr id="1" name=""/>
-        <p:cNvGrpSpPr/>
-        <p:nvPr/>
-      </p:nvGrpSpPr>
-      <p:grpSpPr>
-        <a:xfrm>
-          <a:off x="0" y="0"/>
-          <a:ext cx="0" cy="0"/>
-          <a:chOff x="0" y="0"/>
-          <a:chExt cx="0" cy="0"/>
-        </a:xfrm>
-      </p:grpSpPr>
-      <p:sp>
-        <p:nvSpPr>
-          <p:cNvPr id="2" name="Rectangle 1"/>
-          <p:cNvSpPr/>
-          <p:nvPr/>
-        </p:nvSpPr>
-        <p:spPr>
-          <a:xfrm>
-            <a:off x="457200" y="533400"/>
-            <a:ext cx="6858000" cy="1692771"/>
-          </a:xfrm>
-          <a:prstGeom prst="rect">
-            <a:avLst/>
-          </a:prstGeom>
-        </p:spPr>
-        <p:txBody>
-          <a:bodyPr wrap="square">
-            <a:spAutoFit/>
-          </a:bodyPr>
-          <a:lstStyle/>
-          <a:p>
-            <a:r>
-              <a:rPr lang="en-US" sz="3200" b="1" dirty="0"/>
-              <a:t>Python Indentation</a:t>
-            </a:r>
-          </a:p>
-          <a:p>
-            <a:r>
-              <a:rPr lang="en-US" dirty="0"/>
-              <a:t>Indentation refers to the spaces at the beginning of a code line.</a:t>
-            </a:r>
-          </a:p>
-          <a:p>
-            <a:r>
-              <a:rPr lang="en-US" dirty="0"/>
-              <a:t>Where in other programming languages the indentation in code is for readability only, the indentation in Python is very important.</a:t>
-            </a:r>
-          </a:p>
-          <a:p>
-            <a:r>
-              <a:rPr lang="en-US" dirty="0"/>
-              <a:t>Python uses indentation to indicate a block of code</a:t>
-            </a:r>
-          </a:p>
-        </p:txBody>
-      </p:sp>
-      <p:pic>
-        <p:nvPicPr>
-          <p:cNvPr id="48130" name="Picture 2"/>
-          <p:cNvPicPr>
-            <a:picLocks noChangeAspect="1" noChangeArrowheads="1"/>
-          </p:cNvPicPr>
-          <p:nvPr/>
-        </p:nvPicPr>
-        <p:blipFill>
-          <a:blip r:embed="rId2"/>
-          <a:srcRect/>
-          <a:stretch>
-            <a:fillRect/>
-          </a:stretch>
-        </p:blipFill>
-        <p:spPr bwMode="auto">
-          <a:xfrm>
-            <a:off x="304800" y="2438400"/>
-            <a:ext cx="7543800" cy="1438275"/>
-          </a:xfrm>
-          <a:prstGeom prst="rect">
-            <a:avLst/>
-          </a:prstGeom>
-          <a:noFill/>
-          <a:ln w="9525">
-            <a:noFill/>
-            <a:miter lim="800000"/>
-            <a:headEnd/>
-            <a:tailEnd/>
-          </a:ln>
-          <a:effectLst/>
-        </p:spPr>
-      </p:pic>
-      <p:sp>
-        <p:nvSpPr>
-          <p:cNvPr id="4" name="Rectangle 3"/>
-          <p:cNvSpPr/>
-          <p:nvPr/>
-        </p:nvSpPr>
-        <p:spPr>
-          <a:xfrm>
-            <a:off x="304800" y="4114800"/>
-            <a:ext cx="6019800" cy="369332"/>
-          </a:xfrm>
-          <a:prstGeom prst="rect">
-            <a:avLst/>
-          </a:prstGeom>
-        </p:spPr>
-        <p:txBody>
-          <a:bodyPr wrap="square">
-            <a:spAutoFit/>
-          </a:bodyPr>
-          <a:lstStyle/>
-          <a:p>
-            <a:r>
-              <a:rPr lang="en-US" dirty="0"/>
-              <a:t>Python will give you an error if you skip the indentation:</a:t>
-            </a:r>
-          </a:p>
-        </p:txBody>
-      </p:sp>
-      <p:pic>
-        <p:nvPicPr>
-          <p:cNvPr id="48131" name="Picture 3"/>
-          <p:cNvPicPr>
-            <a:picLocks noChangeAspect="1" noChangeArrowheads="1"/>
-          </p:cNvPicPr>
-          <p:nvPr/>
-        </p:nvPicPr>
-        <p:blipFill>
-          <a:blip r:embed="rId3"/>
-          <a:srcRect/>
-          <a:stretch>
-            <a:fillRect/>
-          </a:stretch>
-        </p:blipFill>
-        <p:spPr bwMode="auto">
-          <a:xfrm>
-            <a:off x="304800" y="4648200"/>
-            <a:ext cx="8416925" cy="1905000"/>
-          </a:xfrm>
-          <a:prstGeom prst="rect">
-            <a:avLst/>
-          </a:prstGeom>
-          <a:noFill/>
-          <a:ln w="9525">
-            <a:noFill/>
-            <a:miter lim="800000"/>
-            <a:headEnd/>
-            <a:tailEnd/>
-          </a:ln>
-          <a:effectLst/>
-        </p:spPr>
-      </p:pic>
-    </p:spTree>
-  </p:cSld>
-  <p:clrMapOvr>
-    <a:masterClrMapping/>
-  </p:clrMapOvr>
-</p:sld>
-</file>
-
-<file path=ppt/slides/slide14.xml><?xml version="1.0" encoding="utf-8"?>
-<p:sld xmlns:a="http://schemas.openxmlformats.org/drawingml/2006/main" xmlns:r="http://schemas.openxmlformats.org/officeDocument/2006/relationships" xmlns:p="http://schemas.openxmlformats.org/presentationml/2006/main">
-  <p:cSld>
-    <p:spTree>
-      <p:nvGrpSpPr>
-        <p:cNvPr id="1" name=""/>
-        <p:cNvGrpSpPr/>
-        <p:nvPr/>
-      </p:nvGrpSpPr>
-      <p:grpSpPr>
-        <a:xfrm>
-          <a:off x="0" y="0"/>
-          <a:ext cx="0" cy="0"/>
-          <a:chOff x="0" y="0"/>
-          <a:chExt cx="0" cy="0"/>
-        </a:xfrm>
-      </p:grpSpPr>
-      <p:sp>
-        <p:nvSpPr>
-          <p:cNvPr id="2" name="Rectangle 1"/>
-          <p:cNvSpPr/>
-          <p:nvPr/>
-        </p:nvSpPr>
-        <p:spPr>
-          <a:xfrm>
-            <a:off x="457200" y="381000"/>
-            <a:ext cx="7543800" cy="1354217"/>
-          </a:xfrm>
-          <a:prstGeom prst="rect">
-            <a:avLst/>
-          </a:prstGeom>
-        </p:spPr>
-        <p:txBody>
-          <a:bodyPr wrap="square">
-            <a:spAutoFit/>
-          </a:bodyPr>
-          <a:lstStyle/>
-          <a:p>
-            <a:r>
-              <a:rPr lang="en-US" sz="2800" b="1" dirty="0"/>
-              <a:t>Comments</a:t>
-            </a:r>
-          </a:p>
-          <a:p>
-            <a:r>
-              <a:rPr lang="en-US" dirty="0"/>
-              <a:t>Python has commenting capability for the purpose of in-code documentation.</a:t>
-            </a:r>
-          </a:p>
-          <a:p>
-            <a:r>
-              <a:rPr lang="en-US" dirty="0"/>
-              <a:t>Comments start with a ‘#’ , and Python will render the rest of the line as a comment:</a:t>
-            </a:r>
-          </a:p>
-        </p:txBody>
-      </p:sp>
-      <p:pic>
-        <p:nvPicPr>
-          <p:cNvPr id="50178" name="Picture 2"/>
-          <p:cNvPicPr>
-            <a:picLocks noChangeAspect="1" noChangeArrowheads="1"/>
-          </p:cNvPicPr>
-          <p:nvPr/>
-        </p:nvPicPr>
-        <p:blipFill>
-          <a:blip r:embed="rId2"/>
-          <a:srcRect/>
-          <a:stretch>
-            <a:fillRect/>
-          </a:stretch>
-        </p:blipFill>
-        <p:spPr bwMode="auto">
-          <a:xfrm>
-            <a:off x="533400" y="3200400"/>
-            <a:ext cx="7907338" cy="1857375"/>
-          </a:xfrm>
-          <a:prstGeom prst="rect">
-            <a:avLst/>
-          </a:prstGeom>
-          <a:noFill/>
-          <a:ln w="9525">
-            <a:noFill/>
-            <a:miter lim="800000"/>
-            <a:headEnd/>
-            <a:tailEnd/>
-          </a:ln>
-          <a:effectLst/>
-        </p:spPr>
-      </p:pic>
-      <p:sp>
-        <p:nvSpPr>
-          <p:cNvPr id="4" name="Rectangle 3"/>
-          <p:cNvSpPr/>
-          <p:nvPr/>
-        </p:nvSpPr>
-        <p:spPr>
-          <a:xfrm>
-            <a:off x="381000" y="2057400"/>
-            <a:ext cx="6705600" cy="923330"/>
-          </a:xfrm>
-          <a:prstGeom prst="rect">
-            <a:avLst/>
-          </a:prstGeom>
-        </p:spPr>
-        <p:txBody>
-          <a:bodyPr wrap="square">
-            <a:spAutoFit/>
-          </a:bodyPr>
-          <a:lstStyle/>
-          <a:p>
-            <a:pPr>
-              <a:buFont typeface="Arial" pitchFamily="34" charset="0"/>
-              <a:buChar char="•"/>
-            </a:pPr>
-            <a:r>
-              <a:rPr lang="en-US" dirty="0"/>
-              <a:t> Comments can be used to explain Python code.</a:t>
-            </a:r>
-          </a:p>
-          <a:p>
-            <a:pPr>
-              <a:buFont typeface="Arial" pitchFamily="34" charset="0"/>
-              <a:buChar char="•"/>
-            </a:pPr>
-            <a:r>
-              <a:rPr lang="en-US" dirty="0"/>
-              <a:t> Comments can be used to make the code more readable.</a:t>
-            </a:r>
-          </a:p>
-          <a:p>
-            <a:pPr>
-              <a:buFont typeface="Arial" pitchFamily="34" charset="0"/>
-              <a:buChar char="•"/>
-            </a:pPr>
-            <a:r>
-              <a:rPr lang="en-US" dirty="0"/>
-              <a:t>Comments can be used to prevent execution when testing code.</a:t>
-            </a:r>
-          </a:p>
-        </p:txBody>
-      </p:sp>
-      <p:sp>
-        <p:nvSpPr>
-          <p:cNvPr id="5" name="Rectangle 4"/>
-          <p:cNvSpPr/>
-          <p:nvPr/>
-        </p:nvSpPr>
-        <p:spPr>
-          <a:xfrm>
-            <a:off x="609600" y="5334000"/>
-            <a:ext cx="6781800" cy="646331"/>
-          </a:xfrm>
-          <a:prstGeom prst="rect">
-            <a:avLst/>
-          </a:prstGeom>
-        </p:spPr>
-        <p:txBody>
-          <a:bodyPr wrap="square">
-            <a:spAutoFit/>
-          </a:bodyPr>
-          <a:lstStyle/>
-          <a:p>
-            <a:r>
-              <a:rPr lang="en-US" dirty="0"/>
-              <a:t>Comments can be placed at the end of a line, and Python will ignore the rest of the line:</a:t>
-            </a:r>
-          </a:p>
-        </p:txBody>
-      </p:sp>
-    </p:spTree>
-  </p:cSld>
-  <p:clrMapOvr>
-    <a:masterClrMapping/>
-  </p:clrMapOvr>
-</p:sld>
-</file>
-
-<file path=ppt/slides/slide15.xml><?xml version="1.0" encoding="utf-8"?>
-<p:sld xmlns:a="http://schemas.openxmlformats.org/drawingml/2006/main" xmlns:r="http://schemas.openxmlformats.org/officeDocument/2006/relationships" xmlns:p="http://schemas.openxmlformats.org/presentationml/2006/main">
-  <p:cSld>
-    <p:spTree>
-      <p:nvGrpSpPr>
-        <p:cNvPr id="1" name=""/>
-        <p:cNvGrpSpPr/>
-        <p:nvPr/>
-      </p:nvGrpSpPr>
-      <p:grpSpPr>
-        <a:xfrm>
-          <a:off x="0" y="0"/>
-          <a:ext cx="0" cy="0"/>
-          <a:chOff x="0" y="0"/>
-          <a:chExt cx="0" cy="0"/>
-        </a:xfrm>
-      </p:grpSpPr>
-      <p:sp>
-        <p:nvSpPr>
-          <p:cNvPr id="3" name="TextBox 2"/>
-          <p:cNvSpPr txBox="1"/>
-          <p:nvPr/>
-        </p:nvSpPr>
-        <p:spPr>
-          <a:xfrm>
-            <a:off x="838200" y="762000"/>
-            <a:ext cx="2858218" cy="769441"/>
-          </a:xfrm>
-          <a:prstGeom prst="rect">
-            <a:avLst/>
-          </a:prstGeom>
-          <a:noFill/>
-        </p:spPr>
-        <p:txBody>
-          <a:bodyPr wrap="none" rtlCol="0">
-            <a:spAutoFit/>
-          </a:bodyPr>
-          <a:lstStyle/>
-          <a:p>
-            <a:r>
-              <a:rPr lang="en-US" sz="4400" b="1" u="sng" dirty="0"/>
-              <a:t>VARIABLES </a:t>
-            </a:r>
-          </a:p>
-        </p:txBody>
-      </p:sp>
-      <p:sp>
-        <p:nvSpPr>
-          <p:cNvPr id="4" name="Rectangle 3"/>
-          <p:cNvSpPr/>
-          <p:nvPr/>
-        </p:nvSpPr>
-        <p:spPr>
-          <a:xfrm>
-            <a:off x="838200" y="1676400"/>
-            <a:ext cx="5943600" cy="369332"/>
-          </a:xfrm>
-          <a:prstGeom prst="rect">
-            <a:avLst/>
-          </a:prstGeom>
-        </p:spPr>
-        <p:txBody>
-          <a:bodyPr wrap="square">
-            <a:spAutoFit/>
-          </a:bodyPr>
-          <a:lstStyle/>
-          <a:p>
-            <a:r>
-              <a:rPr lang="en-US" dirty="0"/>
-              <a:t>Variables are containers for storing data values.</a:t>
-            </a:r>
-          </a:p>
-        </p:txBody>
-      </p:sp>
-      <p:sp>
-        <p:nvSpPr>
-          <p:cNvPr id="5" name="Rectangle 4"/>
-          <p:cNvSpPr/>
-          <p:nvPr/>
-        </p:nvSpPr>
-        <p:spPr>
-          <a:xfrm>
-            <a:off x="762000" y="2133600"/>
-            <a:ext cx="6934200" cy="923330"/>
-          </a:xfrm>
-          <a:prstGeom prst="rect">
-            <a:avLst/>
-          </a:prstGeom>
-        </p:spPr>
-        <p:txBody>
-          <a:bodyPr wrap="square">
-            <a:spAutoFit/>
-          </a:bodyPr>
-          <a:lstStyle/>
-          <a:p>
-            <a:pPr>
-              <a:buFont typeface="Arial" pitchFamily="34" charset="0"/>
-              <a:buChar char="•"/>
-            </a:pPr>
-            <a:r>
-              <a:rPr lang="en-US" b="1" u="sng" dirty="0"/>
-              <a:t> Creating Variables</a:t>
-            </a:r>
-          </a:p>
-          <a:p>
-            <a:r>
-              <a:rPr lang="en-US" dirty="0"/>
-              <a:t>Python has no command for declaring a variable.</a:t>
-            </a:r>
-          </a:p>
-          <a:p>
-            <a:r>
-              <a:rPr lang="en-US" dirty="0"/>
-              <a:t>A variable is created the moment you first assign a value to it.</a:t>
-            </a:r>
-          </a:p>
-        </p:txBody>
-      </p:sp>
-      <p:pic>
-        <p:nvPicPr>
-          <p:cNvPr id="51202" name="Picture 2"/>
-          <p:cNvPicPr>
-            <a:picLocks noChangeAspect="1" noChangeArrowheads="1"/>
-          </p:cNvPicPr>
-          <p:nvPr/>
-        </p:nvPicPr>
-        <p:blipFill>
-          <a:blip r:embed="rId2"/>
-          <a:srcRect/>
-          <a:stretch>
-            <a:fillRect/>
-          </a:stretch>
-        </p:blipFill>
-        <p:spPr bwMode="auto">
-          <a:xfrm>
-            <a:off x="685800" y="3200400"/>
-            <a:ext cx="8264525" cy="1635125"/>
-          </a:xfrm>
-          <a:prstGeom prst="rect">
-            <a:avLst/>
-          </a:prstGeom>
-          <a:noFill/>
-          <a:ln w="9525">
-            <a:noFill/>
-            <a:miter lim="800000"/>
-            <a:headEnd/>
-            <a:tailEnd/>
-          </a:ln>
-          <a:effectLst/>
-        </p:spPr>
-      </p:pic>
-    </p:spTree>
-  </p:cSld>
-  <p:clrMapOvr>
-    <a:masterClrMapping/>
-  </p:clrMapOvr>
-</p:sld>
-</file>
-
-<file path=ppt/slides/slide16.xml><?xml version="1.0" encoding="utf-8"?>
-<p:sld xmlns:a="http://schemas.openxmlformats.org/drawingml/2006/main" xmlns:r="http://schemas.openxmlformats.org/officeDocument/2006/relationships" xmlns:p="http://schemas.openxmlformats.org/presentationml/2006/main">
-  <p:cSld>
-    <p:spTree>
-      <p:nvGrpSpPr>
-        <p:cNvPr id="1" name=""/>
-        <p:cNvGrpSpPr/>
-        <p:nvPr/>
-      </p:nvGrpSpPr>
-      <p:grpSpPr>
-        <a:xfrm>
-          <a:off x="0" y="0"/>
-          <a:ext cx="0" cy="0"/>
-          <a:chOff x="0" y="0"/>
-          <a:chExt cx="0" cy="0"/>
-        </a:xfrm>
-      </p:grpSpPr>
-      <p:sp>
-        <p:nvSpPr>
-          <p:cNvPr id="2" name="Rectangle 1"/>
-          <p:cNvSpPr/>
-          <p:nvPr/>
-        </p:nvSpPr>
-        <p:spPr>
-          <a:xfrm>
-            <a:off x="685800" y="457200"/>
-            <a:ext cx="7239000" cy="6401753"/>
-          </a:xfrm>
-          <a:prstGeom prst="rect">
-            <a:avLst/>
-          </a:prstGeom>
-        </p:spPr>
-        <p:txBody>
-          <a:bodyPr wrap="square">
-            <a:spAutoFit/>
-          </a:bodyPr>
-          <a:lstStyle/>
-          <a:p>
-            <a:r>
-              <a:rPr lang="en-US" sz="2800" b="1" u="sng" dirty="0">
-                <a:latin typeface="Arial" pitchFamily="34" charset="0"/>
-                <a:cs typeface="Arial" pitchFamily="34" charset="0"/>
-              </a:rPr>
-              <a:t>Variable Names</a:t>
-            </a:r>
-          </a:p>
-          <a:p>
-            <a:endParaRPr lang="en-US" dirty="0"/>
-          </a:p>
-          <a:p>
-            <a:pPr>
-              <a:buFont typeface="Arial" pitchFamily="34" charset="0"/>
-              <a:buChar char="•"/>
-            </a:pPr>
-            <a:r>
-              <a:rPr lang="en-US" sz="2800" dirty="0"/>
-              <a:t> A variable can have a short name (like x and y) or a more descriptive name (age, carname, total_volume). </a:t>
-            </a:r>
-          </a:p>
-          <a:p>
-            <a:r>
-              <a:rPr lang="en-US" sz="2800" b="1" dirty="0"/>
-              <a:t>Rules for Python variables </a:t>
-            </a:r>
-            <a:r>
-              <a:rPr lang="en-US" sz="2800" dirty="0"/>
-              <a:t>: </a:t>
-            </a:r>
-          </a:p>
-          <a:p>
-            <a:pPr>
-              <a:buFont typeface="Arial" pitchFamily="34" charset="0"/>
-              <a:buChar char="•"/>
-            </a:pPr>
-            <a:r>
-              <a:rPr lang="en-US" sz="2800" dirty="0"/>
-              <a:t>A variable name must start with a letter or the underscore</a:t>
-            </a:r>
-          </a:p>
-          <a:p>
-            <a:r>
-              <a:rPr lang="en-US" sz="2800" dirty="0"/>
-              <a:t>  ( _ ) character.</a:t>
-            </a:r>
-          </a:p>
-          <a:p>
-            <a:pPr>
-              <a:buFont typeface="Arial" pitchFamily="34" charset="0"/>
-              <a:buChar char="•"/>
-            </a:pPr>
-            <a:r>
-              <a:rPr lang="en-US" sz="2800" dirty="0"/>
-              <a:t> A variable name cannot start with a number.</a:t>
-            </a:r>
-          </a:p>
-          <a:p>
-            <a:pPr>
-              <a:buFont typeface="Arial" pitchFamily="34" charset="0"/>
-              <a:buChar char="•"/>
-            </a:pPr>
-            <a:r>
-              <a:rPr lang="en-US" sz="2800" dirty="0"/>
-              <a:t> A variable name can only contain alpha-numeric characters and underscores (A-z, 0-9, and _ )</a:t>
-            </a:r>
-          </a:p>
-          <a:p>
-            <a:pPr>
-              <a:buFont typeface="Arial" pitchFamily="34" charset="0"/>
-              <a:buChar char="•"/>
-            </a:pPr>
-            <a:r>
-              <a:rPr lang="en-US" sz="2800" dirty="0"/>
-              <a:t> Variable names are case-sensitive (age, Age and AGE are three different variables)</a:t>
-            </a:r>
-          </a:p>
-        </p:txBody>
-      </p:sp>
-    </p:spTree>
-  </p:cSld>
-  <p:clrMapOvr>
-    <a:masterClrMapping/>
-  </p:clrMapOvr>
-</p:sld>
-</file>
-
-<file path=ppt/slides/slide17.xml><?xml version="1.0" encoding="utf-8"?>
-<p:sld xmlns:a="http://schemas.openxmlformats.org/drawingml/2006/main" xmlns:r="http://schemas.openxmlformats.org/officeDocument/2006/relationships" xmlns:p="http://schemas.openxmlformats.org/presentationml/2006/main">
-  <p:cSld>
-    <p:spTree>
-      <p:nvGrpSpPr>
-        <p:cNvPr id="1" name=""/>
-        <p:cNvGrpSpPr/>
-        <p:nvPr/>
-      </p:nvGrpSpPr>
-      <p:grpSpPr>
-        <a:xfrm>
-          <a:off x="0" y="0"/>
-          <a:ext cx="0" cy="0"/>
-          <a:chOff x="0" y="0"/>
-          <a:chExt cx="0" cy="0"/>
-        </a:xfrm>
-      </p:grpSpPr>
-      <p:sp>
-        <p:nvSpPr>
-          <p:cNvPr id="2" name="Rectangle 1"/>
-          <p:cNvSpPr/>
-          <p:nvPr/>
-        </p:nvSpPr>
-        <p:spPr>
-          <a:xfrm>
-            <a:off x="685800" y="457200"/>
-            <a:ext cx="7208833" cy="584775"/>
-          </a:xfrm>
-          <a:prstGeom prst="rect">
-            <a:avLst/>
-          </a:prstGeom>
-        </p:spPr>
-        <p:txBody>
-          <a:bodyPr wrap="none">
-            <a:spAutoFit/>
-          </a:bodyPr>
-          <a:lstStyle/>
-          <a:p>
-            <a:r>
-              <a:rPr lang="fr-FR" sz="3200" b="1" u="sng" dirty="0"/>
-              <a:t>Python Variables - </a:t>
-            </a:r>
-            <a:r>
-              <a:rPr lang="fr-FR" sz="3200" b="1" u="sng" dirty="0" err="1"/>
-              <a:t>Assign</a:t>
-            </a:r>
-            <a:r>
-              <a:rPr lang="fr-FR" sz="3200" b="1" u="sng" dirty="0"/>
-              <a:t> Multiple Values</a:t>
-            </a:r>
-          </a:p>
-        </p:txBody>
-      </p:sp>
-      <p:sp>
-        <p:nvSpPr>
-          <p:cNvPr id="3" name="Rectangle 2"/>
-          <p:cNvSpPr/>
-          <p:nvPr/>
-        </p:nvSpPr>
-        <p:spPr>
-          <a:xfrm>
-            <a:off x="762000" y="1066800"/>
-            <a:ext cx="7696200" cy="1261884"/>
-          </a:xfrm>
-          <a:prstGeom prst="rect">
-            <a:avLst/>
-          </a:prstGeom>
-        </p:spPr>
-        <p:txBody>
-          <a:bodyPr wrap="square">
-            <a:spAutoFit/>
-          </a:bodyPr>
-          <a:lstStyle/>
-          <a:p>
-            <a:pPr>
-              <a:buFont typeface="Wingdings" pitchFamily="2" charset="2"/>
-              <a:buChar char="Ø"/>
-            </a:pPr>
-            <a:r>
-              <a:rPr lang="en-US" sz="2800" dirty="0">
-                <a:latin typeface="Arial" pitchFamily="34" charset="0"/>
-                <a:cs typeface="Arial" pitchFamily="34" charset="0"/>
-              </a:rPr>
-              <a:t> Many Values to Multiple Variables</a:t>
-            </a:r>
-          </a:p>
-          <a:p>
-            <a:r>
-              <a:rPr lang="en-US" sz="2400" dirty="0">
-                <a:latin typeface="Arial" pitchFamily="34" charset="0"/>
-                <a:cs typeface="Arial" pitchFamily="34" charset="0"/>
-              </a:rPr>
-              <a:t>Python allows you to assign values to multiple variables in one line:</a:t>
-            </a:r>
-          </a:p>
-        </p:txBody>
-      </p:sp>
-      <p:pic>
-        <p:nvPicPr>
-          <p:cNvPr id="59394" name="Picture 2"/>
-          <p:cNvPicPr>
-            <a:picLocks noChangeAspect="1" noChangeArrowheads="1"/>
-          </p:cNvPicPr>
-          <p:nvPr/>
-        </p:nvPicPr>
-        <p:blipFill>
-          <a:blip r:embed="rId2"/>
-          <a:srcRect/>
-          <a:stretch>
-            <a:fillRect/>
-          </a:stretch>
-        </p:blipFill>
-        <p:spPr bwMode="auto">
-          <a:xfrm>
-            <a:off x="460375" y="2438400"/>
-            <a:ext cx="8226425" cy="2047875"/>
-          </a:xfrm>
-          <a:prstGeom prst="rect">
-            <a:avLst/>
-          </a:prstGeom>
-          <a:noFill/>
-          <a:ln w="9525">
-            <a:noFill/>
-            <a:miter lim="800000"/>
-            <a:headEnd/>
-            <a:tailEnd/>
-          </a:ln>
-          <a:effectLst/>
-        </p:spPr>
-      </p:pic>
-      <p:sp>
-        <p:nvSpPr>
-          <p:cNvPr id="5" name="Rectangle 4"/>
-          <p:cNvSpPr/>
-          <p:nvPr/>
-        </p:nvSpPr>
-        <p:spPr>
-          <a:xfrm>
-            <a:off x="457200" y="4953000"/>
-            <a:ext cx="7848600" cy="830997"/>
-          </a:xfrm>
-          <a:prstGeom prst="rect">
-            <a:avLst/>
-          </a:prstGeom>
-        </p:spPr>
-        <p:txBody>
-          <a:bodyPr wrap="square">
-            <a:spAutoFit/>
-          </a:bodyPr>
-          <a:lstStyle/>
-          <a:p>
-            <a:r>
-              <a:rPr lang="en-US" sz="2400" b="1" dirty="0">
-                <a:latin typeface="Arial" pitchFamily="34" charset="0"/>
-                <a:cs typeface="Arial" pitchFamily="34" charset="0"/>
-              </a:rPr>
-              <a:t>Note:</a:t>
-            </a:r>
-            <a:r>
-              <a:rPr lang="en-US" sz="2400" dirty="0">
-                <a:latin typeface="Arial" pitchFamily="34" charset="0"/>
-                <a:cs typeface="Arial" pitchFamily="34" charset="0"/>
-              </a:rPr>
-              <a:t> Make sure the number of variables matches the number of values, or else you will get an error.</a:t>
-            </a:r>
-          </a:p>
-        </p:txBody>
-      </p:sp>
-    </p:spTree>
-  </p:cSld>
-  <p:clrMapOvr>
-    <a:masterClrMapping/>
-  </p:clrMapOvr>
-</p:sld>
-</file>
-
-<file path=ppt/slides/slide18.xml><?xml version="1.0" encoding="utf-8"?>
-<p:sld xmlns:a="http://schemas.openxmlformats.org/drawingml/2006/main" xmlns:r="http://schemas.openxmlformats.org/officeDocument/2006/relationships" xmlns:p="http://schemas.openxmlformats.org/presentationml/2006/main">
-  <p:cSld>
-    <p:spTree>
-      <p:nvGrpSpPr>
-        <p:cNvPr id="1" name=""/>
-        <p:cNvGrpSpPr/>
-        <p:nvPr/>
-      </p:nvGrpSpPr>
-      <p:grpSpPr>
-        <a:xfrm>
-          <a:off x="0" y="0"/>
-          <a:ext cx="0" cy="0"/>
-          <a:chOff x="0" y="0"/>
-          <a:chExt cx="0" cy="0"/>
-        </a:xfrm>
-      </p:grpSpPr>
-      <p:sp>
-        <p:nvSpPr>
-          <p:cNvPr id="5" name="Rectangle 4"/>
-          <p:cNvSpPr/>
-          <p:nvPr/>
-        </p:nvSpPr>
-        <p:spPr>
-          <a:xfrm>
-            <a:off x="1676400" y="381000"/>
-            <a:ext cx="4392533" cy="646331"/>
-          </a:xfrm>
-          <a:prstGeom prst="rect">
-            <a:avLst/>
-          </a:prstGeom>
-        </p:spPr>
-        <p:txBody>
-          <a:bodyPr wrap="square">
-            <a:spAutoFit/>
-          </a:bodyPr>
-          <a:lstStyle/>
-          <a:p>
-            <a:pPr algn="ctr"/>
-            <a:r>
-              <a:rPr lang="en-US" sz="3600" b="1" u="sng" dirty="0"/>
-              <a:t>Python Data Types</a:t>
-            </a:r>
-          </a:p>
-        </p:txBody>
-      </p:sp>
-      <p:sp>
-        <p:nvSpPr>
-          <p:cNvPr id="6" name="Rectangle 5"/>
-          <p:cNvSpPr/>
-          <p:nvPr/>
-        </p:nvSpPr>
-        <p:spPr>
-          <a:xfrm>
-            <a:off x="457200" y="1295400"/>
-            <a:ext cx="6858000" cy="2123658"/>
-          </a:xfrm>
-          <a:prstGeom prst="rect">
-            <a:avLst/>
-          </a:prstGeom>
-        </p:spPr>
-        <p:txBody>
-          <a:bodyPr wrap="square">
-            <a:spAutoFit/>
-          </a:bodyPr>
-          <a:lstStyle/>
-          <a:p>
-            <a:r>
-              <a:rPr lang="en-US" sz="2200" dirty="0"/>
-              <a:t>Built-in Data Types</a:t>
-            </a:r>
-          </a:p>
-          <a:p>
-            <a:r>
-              <a:rPr lang="en-US" sz="2200" dirty="0"/>
-              <a:t>In programming, data type is an important concept.</a:t>
-            </a:r>
-          </a:p>
-          <a:p>
-            <a:r>
-              <a:rPr lang="en-US" sz="2200" dirty="0"/>
-              <a:t>Variables can store data of different types, and different types can do different things.</a:t>
-            </a:r>
-          </a:p>
-          <a:p>
-            <a:r>
-              <a:rPr lang="en-US" sz="2200" dirty="0"/>
-              <a:t>Python has the following data types built-in by default, in these categories:</a:t>
-            </a:r>
-          </a:p>
-        </p:txBody>
-      </p:sp>
-      <p:pic>
-        <p:nvPicPr>
-          <p:cNvPr id="62468" name="Picture 4"/>
-          <p:cNvPicPr>
-            <a:picLocks noChangeAspect="1" noChangeArrowheads="1"/>
-          </p:cNvPicPr>
-          <p:nvPr/>
-        </p:nvPicPr>
-        <p:blipFill>
-          <a:blip r:embed="rId2"/>
-          <a:srcRect/>
-          <a:stretch>
-            <a:fillRect/>
-          </a:stretch>
-        </p:blipFill>
-        <p:spPr bwMode="auto">
-          <a:xfrm>
-            <a:off x="533400" y="3429000"/>
-            <a:ext cx="4881563" cy="2868024"/>
-          </a:xfrm>
-          <a:prstGeom prst="rect">
-            <a:avLst/>
-          </a:prstGeom>
-          <a:noFill/>
-          <a:ln w="9525">
-            <a:noFill/>
-            <a:miter lim="800000"/>
-            <a:headEnd/>
-            <a:tailEnd/>
-          </a:ln>
-          <a:effectLst/>
-        </p:spPr>
-      </p:pic>
-    </p:spTree>
-  </p:cSld>
-  <p:clrMapOvr>
-    <a:masterClrMapping/>
-  </p:clrMapOvr>
-</p:sld>
-</file>
-
-<file path=ppt/slides/slide19.xml><?xml version="1.0" encoding="utf-8"?>
-<p:sld xmlns:a="http://schemas.openxmlformats.org/drawingml/2006/main" xmlns:r="http://schemas.openxmlformats.org/officeDocument/2006/relationships" xmlns:p="http://schemas.openxmlformats.org/presentationml/2006/main">
-  <p:cSld>
-    <p:spTree>
-      <p:nvGrpSpPr>
-        <p:cNvPr id="1" name=""/>
-        <p:cNvGrpSpPr/>
-        <p:nvPr/>
-      </p:nvGrpSpPr>
-      <p:grpSpPr>
-        <a:xfrm>
-          <a:off x="0" y="0"/>
-          <a:ext cx="0" cy="0"/>
-          <a:chOff x="0" y="0"/>
-          <a:chExt cx="0" cy="0"/>
-        </a:xfrm>
-      </p:grpSpPr>
-      <p:sp>
-        <p:nvSpPr>
-          <p:cNvPr id="63489" name="Rectangle 1"/>
-          <p:cNvSpPr>
-            <a:spLocks noChangeArrowheads="1"/>
-          </p:cNvSpPr>
-          <p:nvPr/>
-        </p:nvSpPr>
-        <p:spPr bwMode="auto">
-          <a:xfrm>
-            <a:off x="1295400" y="0"/>
-            <a:ext cx="7848600" cy="533400"/>
-          </a:xfrm>
-          <a:prstGeom prst="rect">
-            <a:avLst/>
-          </a:prstGeom>
-          <a:solidFill>
-            <a:srgbClr val="FFFFFF"/>
-          </a:solidFill>
-          <a:ln w="9525">
-            <a:noFill/>
-            <a:miter lim="800000"/>
-            <a:headEnd/>
-            <a:tailEnd/>
-          </a:ln>
-          <a:effectLst/>
-        </p:spPr>
-        <p:txBody>
-          <a:bodyPr vert="horz" wrap="square" lIns="0" tIns="76176" rIns="0" bIns="76176" numCol="1" anchor="ctr" anchorCtr="0" compatLnSpc="1">
-            <a:prstTxWarp prst="textNoShape">
-              <a:avLst/>
-            </a:prstTxWarp>
-            <a:spAutoFit/>
-          </a:bodyPr>
-          <a:lstStyle/>
-          <a:p>
-            <a:pPr marL="0" marR="0" lvl="0" indent="0" algn="l" defTabSz="914400" rtl="0" eaLnBrk="1" fontAlgn="base" latinLnBrk="0" hangingPunct="1">
-              <a:lnSpc>
-                <a:spcPct val="100000"/>
-              </a:lnSpc>
-              <a:spcBef>
-                <a:spcPct val="0"/>
-              </a:spcBef>
-              <a:spcAft>
-                <a:spcPct val="0"/>
-              </a:spcAft>
-              <a:buClrTx/>
-              <a:buSzTx/>
-              <a:buFontTx/>
-              <a:buNone/>
-              <a:tabLst/>
-            </a:pPr>
-            <a:endParaRPr kumimoji="0" lang="en-US" sz="2400" b="0" i="0" u="none" strike="noStrike" cap="none" normalizeH="0" baseline="0" dirty="0">
-              <a:ln>
-                <a:noFill/>
-              </a:ln>
-              <a:solidFill>
-                <a:schemeClr val="tx1"/>
-              </a:solidFill>
-              <a:effectLst/>
-              <a:latin typeface="Arial" pitchFamily="34" charset="0"/>
-              <a:cs typeface="Arial" pitchFamily="34" charset="0"/>
-            </a:endParaRPr>
-          </a:p>
-        </p:txBody>
-      </p:sp>
-      <p:sp>
-        <p:nvSpPr>
-          <p:cNvPr id="3" name="Rectangle 2"/>
-          <p:cNvSpPr/>
-          <p:nvPr/>
-        </p:nvSpPr>
-        <p:spPr>
-          <a:xfrm>
-            <a:off x="228600" y="381000"/>
-            <a:ext cx="7620000" cy="861774"/>
-          </a:xfrm>
-          <a:prstGeom prst="rect">
-            <a:avLst/>
-          </a:prstGeom>
-        </p:spPr>
-        <p:txBody>
-          <a:bodyPr wrap="square">
-            <a:spAutoFit/>
-          </a:bodyPr>
-          <a:lstStyle/>
-          <a:p>
-            <a:pPr>
-              <a:buFont typeface="Wingdings" pitchFamily="2" charset="2"/>
-              <a:buChar char="Ø"/>
-            </a:pPr>
-            <a:r>
-              <a:rPr lang="en-US" sz="3200" b="1" u="sng" dirty="0"/>
-              <a:t> Setting the Data Type</a:t>
-            </a:r>
-          </a:p>
-          <a:p>
-            <a:r>
-              <a:rPr lang="en-US" dirty="0"/>
-              <a:t> In Python, the data type is set when you assign a value to a variable:</a:t>
-            </a:r>
-          </a:p>
-        </p:txBody>
-      </p:sp>
-      <p:pic>
-        <p:nvPicPr>
-          <p:cNvPr id="1026" name="Picture 2"/>
-          <p:cNvPicPr>
-            <a:picLocks noChangeAspect="1" noChangeArrowheads="1"/>
-          </p:cNvPicPr>
-          <p:nvPr/>
-        </p:nvPicPr>
-        <p:blipFill>
-          <a:blip r:embed="rId2"/>
-          <a:srcRect/>
-          <a:stretch>
-            <a:fillRect/>
-          </a:stretch>
-        </p:blipFill>
-        <p:spPr bwMode="auto">
-          <a:xfrm>
-            <a:off x="381000" y="1387476"/>
-            <a:ext cx="7007364" cy="5470524"/>
-          </a:xfrm>
-          <a:prstGeom prst="rect">
-            <a:avLst/>
-          </a:prstGeom>
-          <a:noFill/>
-          <a:ln w="9525">
-            <a:noFill/>
-            <a:miter lim="800000"/>
-            <a:headEnd/>
-            <a:tailEnd/>
-          </a:ln>
-          <a:effectLst/>
-        </p:spPr>
-      </p:pic>
-    </p:spTree>
-  </p:cSld>
-  <p:clrMapOvr>
-    <a:masterClrMapping/>
-  </p:clrMapOvr>
-</p:sld>
-</file>
-
-<file path=ppt/slides/slide2.xml><?xml version="1.0" encoding="utf-8"?>
-<p:sld xmlns:a="http://schemas.openxmlformats.org/drawingml/2006/main" xmlns:r="http://schemas.openxmlformats.org/officeDocument/2006/relationships" xmlns:p="http://schemas.openxmlformats.org/presentationml/2006/main">
-  <p:cSld>
-    <p:spTree>
-      <p:nvGrpSpPr>
-        <p:cNvPr id="1" name=""/>
-        <p:cNvGrpSpPr/>
-        <p:nvPr/>
-      </p:nvGrpSpPr>
-      <p:grpSpPr>
-        <a:xfrm>
-          <a:off x="0" y="0"/>
-          <a:ext cx="0" cy="0"/>
-          <a:chOff x="0" y="0"/>
-          <a:chExt cx="0" cy="0"/>
-        </a:xfrm>
-      </p:grpSpPr>
-      <p:pic>
-        <p:nvPicPr>
-          <p:cNvPr id="3074" name="Picture 2" descr="Input Output Statement in C"/>
-          <p:cNvPicPr>
-            <a:picLocks noChangeAspect="1" noChangeArrowheads="1"/>
-          </p:cNvPicPr>
-          <p:nvPr/>
-        </p:nvPicPr>
-        <p:blipFill>
-          <a:blip r:embed="rId2"/>
-          <a:srcRect/>
-          <a:stretch>
-            <a:fillRect/>
-          </a:stretch>
-        </p:blipFill>
-        <p:spPr bwMode="auto">
-          <a:xfrm>
-            <a:off x="762000" y="1511808"/>
-            <a:ext cx="7467600" cy="5334000"/>
-          </a:xfrm>
-          <a:prstGeom prst="rect">
-            <a:avLst/>
-          </a:prstGeom>
-          <a:noFill/>
-        </p:spPr>
-      </p:pic>
-      <p:sp>
-        <p:nvSpPr>
-          <p:cNvPr id="3" name="TextBox 2">
-            <a:extLst>
-              <a:ext uri="{FF2B5EF4-FFF2-40B4-BE49-F238E27FC236}">
-                <a16:creationId xmlns:a16="http://schemas.microsoft.com/office/drawing/2014/main" id="{1555EFCA-3D7A-C298-3F40-222005A65CF9}"/>
-              </a:ext>
-            </a:extLst>
-          </p:cNvPr>
-          <p:cNvSpPr txBox="1"/>
-          <p:nvPr/>
-        </p:nvSpPr>
-        <p:spPr>
-          <a:xfrm>
-            <a:off x="1219200" y="381000"/>
-            <a:ext cx="6248400" cy="954107"/>
-          </a:xfrm>
-          <a:prstGeom prst="rect">
-            <a:avLst/>
-          </a:prstGeom>
-          <a:noFill/>
-        </p:spPr>
-        <p:txBody>
-          <a:bodyPr wrap="square">
-            <a:spAutoFit/>
-          </a:bodyPr>
-          <a:lstStyle/>
-          <a:p>
-            <a:pPr algn="ctr"/>
-            <a:r>
-              <a:rPr lang="en-US" sz="2800" dirty="0">
-                <a:latin typeface="Aharoni" panose="020F0502020204030204" pitchFamily="2" charset="-79"/>
-                <a:cs typeface="Aharoni" panose="020F0502020204030204" pitchFamily="2" charset="-79"/>
-              </a:rPr>
-              <a:t>PROGRAMMING</a:t>
-            </a:r>
-            <a:br>
-              <a:rPr lang="en-US" sz="2800" dirty="0">
-                <a:latin typeface="Aharoni" panose="020F0502020204030204" pitchFamily="2" charset="-79"/>
-                <a:cs typeface="Aharoni" panose="020F0502020204030204" pitchFamily="2" charset="-79"/>
-              </a:rPr>
-            </a:br>
-            <a:r>
-              <a:rPr lang="en-US" sz="2800" dirty="0">
-                <a:latin typeface="Aharoni" panose="020F0502020204030204" pitchFamily="2" charset="-79"/>
-                <a:cs typeface="Aharoni" panose="020F0502020204030204" pitchFamily="2" charset="-79"/>
-              </a:rPr>
-              <a:t>LANGUAGE </a:t>
-            </a:r>
-            <a:endParaRPr lang="es-PE" sz="2800" dirty="0">
-              <a:latin typeface="Aharoni" panose="020F0502020204030204" pitchFamily="2" charset="-79"/>
-              <a:cs typeface="Aharoni" panose="020F0502020204030204" pitchFamily="2" charset="-79"/>
-            </a:endParaRPr>
-          </a:p>
-        </p:txBody>
-      </p:sp>
-    </p:spTree>
-  </p:cSld>
-  <p:clrMapOvr>
-    <a:masterClrMapping/>
-  </p:clrMapOvr>
-</p:sld>
-</file>
-
-<file path=ppt/slides/slide20.xml><?xml version="1.0" encoding="utf-8"?>
-<p:sld xmlns:a="http://schemas.openxmlformats.org/drawingml/2006/main" xmlns:r="http://schemas.openxmlformats.org/officeDocument/2006/relationships" xmlns:p="http://schemas.openxmlformats.org/presentationml/2006/main">
-  <p:cSld>
-    <p:spTree>
-      <p:nvGrpSpPr>
-        <p:cNvPr id="1" name=""/>
-        <p:cNvGrpSpPr/>
-        <p:nvPr/>
-      </p:nvGrpSpPr>
-      <p:grpSpPr>
-        <a:xfrm>
-          <a:off x="0" y="0"/>
-          <a:ext cx="0" cy="0"/>
-          <a:chOff x="0" y="0"/>
-          <a:chExt cx="0" cy="0"/>
-        </a:xfrm>
-      </p:grpSpPr>
-      <p:sp>
-        <p:nvSpPr>
-          <p:cNvPr id="63489" name="Rectangle 1"/>
-          <p:cNvSpPr>
-            <a:spLocks noChangeArrowheads="1"/>
-          </p:cNvSpPr>
-          <p:nvPr/>
-        </p:nvSpPr>
-        <p:spPr bwMode="auto">
-          <a:xfrm>
-            <a:off x="1295400" y="0"/>
-            <a:ext cx="7848600" cy="533400"/>
-          </a:xfrm>
-          <a:prstGeom prst="rect">
-            <a:avLst/>
-          </a:prstGeom>
-          <a:solidFill>
-            <a:srgbClr val="FFFFFF"/>
-          </a:solidFill>
-          <a:ln w="9525">
-            <a:noFill/>
-            <a:miter lim="800000"/>
-            <a:headEnd/>
-            <a:tailEnd/>
-          </a:ln>
-          <a:effectLst/>
-        </p:spPr>
-        <p:txBody>
-          <a:bodyPr vert="horz" wrap="square" lIns="0" tIns="76176" rIns="0" bIns="76176" numCol="1" anchor="ctr" anchorCtr="0" compatLnSpc="1">
-            <a:prstTxWarp prst="textNoShape">
-              <a:avLst/>
-            </a:prstTxWarp>
-            <a:spAutoFit/>
-          </a:bodyPr>
-          <a:lstStyle/>
-          <a:p>
-            <a:pPr marL="0" marR="0" lvl="0" indent="0" algn="l" defTabSz="914400" rtl="0" eaLnBrk="1" fontAlgn="base" latinLnBrk="0" hangingPunct="1">
-              <a:lnSpc>
-                <a:spcPct val="100000"/>
-              </a:lnSpc>
-              <a:spcBef>
-                <a:spcPct val="0"/>
-              </a:spcBef>
-              <a:spcAft>
-                <a:spcPct val="0"/>
-              </a:spcAft>
-              <a:buClrTx/>
-              <a:buSzTx/>
-              <a:buFontTx/>
-              <a:buNone/>
-              <a:tabLst/>
-            </a:pPr>
-            <a:endParaRPr kumimoji="0" lang="en-US" sz="2400" b="0" i="0" u="none" strike="noStrike" cap="none" normalizeH="0" baseline="0" dirty="0">
-              <a:ln>
-                <a:noFill/>
-              </a:ln>
-              <a:solidFill>
-                <a:schemeClr val="tx1"/>
-              </a:solidFill>
-              <a:effectLst/>
-              <a:latin typeface="Arial" pitchFamily="34" charset="0"/>
-              <a:cs typeface="Arial" pitchFamily="34" charset="0"/>
-            </a:endParaRPr>
-          </a:p>
-        </p:txBody>
-      </p:sp>
-      <p:sp>
-        <p:nvSpPr>
-          <p:cNvPr id="3" name="Rectangle 2"/>
-          <p:cNvSpPr/>
-          <p:nvPr/>
-        </p:nvSpPr>
-        <p:spPr>
-          <a:xfrm>
-            <a:off x="228600" y="457200"/>
-            <a:ext cx="8305800" cy="861774"/>
-          </a:xfrm>
-          <a:prstGeom prst="rect">
-            <a:avLst/>
-          </a:prstGeom>
-        </p:spPr>
-        <p:txBody>
-          <a:bodyPr wrap="square">
-            <a:spAutoFit/>
-          </a:bodyPr>
-          <a:lstStyle/>
-          <a:p>
-            <a:pPr>
-              <a:buFont typeface="Wingdings" pitchFamily="2" charset="2"/>
-              <a:buChar char="Ø"/>
-            </a:pPr>
-            <a:r>
-              <a:rPr lang="en-US" sz="3200" b="1" u="sng" dirty="0"/>
-              <a:t>Setting the Specific Data Type</a:t>
-            </a:r>
-          </a:p>
-          <a:p>
-            <a:r>
-              <a:rPr lang="en-US" dirty="0"/>
-              <a:t>If you want to specify the data type, you can use the following constructor functions:</a:t>
-            </a:r>
-          </a:p>
-        </p:txBody>
-      </p:sp>
-      <p:pic>
-        <p:nvPicPr>
-          <p:cNvPr id="2050" name="Picture 2"/>
-          <p:cNvPicPr>
-            <a:picLocks noChangeAspect="1" noChangeArrowheads="1"/>
-          </p:cNvPicPr>
-          <p:nvPr/>
-        </p:nvPicPr>
-        <p:blipFill>
-          <a:blip r:embed="rId2"/>
-          <a:srcRect/>
-          <a:stretch>
-            <a:fillRect/>
-          </a:stretch>
-        </p:blipFill>
-        <p:spPr bwMode="auto">
-          <a:xfrm>
-            <a:off x="304800" y="1371600"/>
-            <a:ext cx="7115175" cy="4906627"/>
-          </a:xfrm>
-          <a:prstGeom prst="rect">
-            <a:avLst/>
-          </a:prstGeom>
-          <a:noFill/>
-          <a:ln w="9525">
-            <a:noFill/>
-            <a:miter lim="800000"/>
-            <a:headEnd/>
-            <a:tailEnd/>
-          </a:ln>
-          <a:effectLst/>
-        </p:spPr>
-      </p:pic>
-    </p:spTree>
-  </p:cSld>
-  <p:clrMapOvr>
-    <a:masterClrMapping/>
-  </p:clrMapOvr>
-</p:sld>
-</file>
-
-<file path=ppt/slides/slide21.xml><?xml version="1.0" encoding="utf-8"?>
-<p:sld xmlns:a="http://schemas.openxmlformats.org/drawingml/2006/main" xmlns:r="http://schemas.openxmlformats.org/officeDocument/2006/relationships" xmlns:p="http://schemas.openxmlformats.org/presentationml/2006/main">
-  <p:cSld>
-    <p:spTree>
-      <p:nvGrpSpPr>
-        <p:cNvPr id="1" name=""/>
-        <p:cNvGrpSpPr/>
-        <p:nvPr/>
-      </p:nvGrpSpPr>
-      <p:grpSpPr>
-        <a:xfrm>
-          <a:off x="0" y="0"/>
-          <a:ext cx="0" cy="0"/>
-          <a:chOff x="0" y="0"/>
-          <a:chExt cx="0" cy="0"/>
-        </a:xfrm>
-      </p:grpSpPr>
-      <p:sp>
-        <p:nvSpPr>
-          <p:cNvPr id="2" name="TextBox 1">
-            <a:extLst>
-              <a:ext uri="{FF2B5EF4-FFF2-40B4-BE49-F238E27FC236}">
-                <a16:creationId xmlns:a16="http://schemas.microsoft.com/office/drawing/2014/main" id="{D5E0E970-24CE-EB50-AB11-9982A7EF921E}"/>
-              </a:ext>
-            </a:extLst>
-          </p:cNvPr>
-          <p:cNvSpPr txBox="1"/>
-          <p:nvPr/>
-        </p:nvSpPr>
-        <p:spPr>
-          <a:xfrm>
-            <a:off x="685800" y="2362200"/>
-            <a:ext cx="7772400" cy="1569660"/>
-          </a:xfrm>
-          <a:prstGeom prst="rect">
-            <a:avLst/>
-          </a:prstGeom>
-          <a:noFill/>
-        </p:spPr>
-        <p:txBody>
-          <a:bodyPr wrap="square" rtlCol="0">
-            <a:spAutoFit/>
-          </a:bodyPr>
-          <a:lstStyle/>
-          <a:p>
-            <a:pPr algn="ctr"/>
-            <a:r>
-              <a:rPr lang="en-US" sz="9600" dirty="0"/>
-              <a:t>Thanks</a:t>
-            </a:r>
-            <a:endParaRPr lang="es-PE" sz="9600" dirty="0"/>
-          </a:p>
-        </p:txBody>
-      </p:sp>
-    </p:spTree>
-    <p:extLst>
-      <p:ext uri="{BB962C8B-B14F-4D97-AF65-F5344CB8AC3E}">
-        <p14:creationId xmlns:p14="http://schemas.microsoft.com/office/powerpoint/2010/main" val="2935731681"/>
-      </p:ext>
-    </p:extLst>
-  </p:cSld>
-  <p:clrMapOvr>
-    <a:masterClrMapping/>
-  </p:clrMapOvr>
-</p:sld>
-</file>
-
-<file path=ppt/slides/slide3.xml><?xml version="1.0" encoding="utf-8"?>
-<p:sld xmlns:a="http://schemas.openxmlformats.org/drawingml/2006/main" xmlns:r="http://schemas.openxmlformats.org/officeDocument/2006/relationships" xmlns:p="http://schemas.openxmlformats.org/presentationml/2006/main">
-  <p:cSld>
-    <p:spTree>
-      <p:nvGrpSpPr>
-        <p:cNvPr id="1" name=""/>
-        <p:cNvGrpSpPr/>
-        <p:nvPr/>
-      </p:nvGrpSpPr>
-      <p:grpSpPr>
-        <a:xfrm>
-          <a:off x="0" y="0"/>
-          <a:ext cx="0" cy="0"/>
-          <a:chOff x="0" y="0"/>
-          <a:chExt cx="0" cy="0"/>
-        </a:xfrm>
-      </p:grpSpPr>
-      <p:pic>
-        <p:nvPicPr>
-          <p:cNvPr id="2050" name="Picture 2"/>
-          <p:cNvPicPr>
-            <a:picLocks noChangeAspect="1" noChangeArrowheads="1"/>
-          </p:cNvPicPr>
-          <p:nvPr/>
-        </p:nvPicPr>
-        <p:blipFill>
-          <a:blip r:embed="rId2"/>
-          <a:srcRect/>
-          <a:stretch>
-            <a:fillRect/>
-          </a:stretch>
-        </p:blipFill>
-        <p:spPr bwMode="auto">
-          <a:xfrm>
-            <a:off x="484188" y="444500"/>
-            <a:ext cx="8174037" cy="5973763"/>
-          </a:xfrm>
-          <a:prstGeom prst="rect">
-            <a:avLst/>
-          </a:prstGeom>
-          <a:noFill/>
-          <a:ln w="9525">
-            <a:noFill/>
-            <a:miter lim="800000"/>
-            <a:headEnd/>
-            <a:tailEnd/>
-          </a:ln>
-          <a:effectLst/>
-        </p:spPr>
-      </p:pic>
-    </p:spTree>
-  </p:cSld>
-  <p:clrMapOvr>
-    <a:masterClrMapping/>
-  </p:clrMapOvr>
-</p:sld>
-</file>
-
-<file path=ppt/slides/slide4.xml><?xml version="1.0" encoding="utf-8"?>
-<p:sld xmlns:a="http://schemas.openxmlformats.org/drawingml/2006/main" xmlns:r="http://schemas.openxmlformats.org/officeDocument/2006/relationships" xmlns:p="http://schemas.openxmlformats.org/presentationml/2006/main">
-  <p:cSld>
-    <p:spTree>
-      <p:nvGrpSpPr>
-        <p:cNvPr id="1" name=""/>
-        <p:cNvGrpSpPr/>
-        <p:nvPr/>
-      </p:nvGrpSpPr>
-      <p:grpSpPr>
-        <a:xfrm>
-          <a:off x="0" y="0"/>
-          <a:ext cx="0" cy="0"/>
-          <a:chOff x="0" y="0"/>
-          <a:chExt cx="0" cy="0"/>
-        </a:xfrm>
-      </p:grpSpPr>
-      <p:sp>
-        <p:nvSpPr>
-          <p:cNvPr id="2" name="Title 1">
-            <a:extLst>
-              <a:ext uri="{FF2B5EF4-FFF2-40B4-BE49-F238E27FC236}">
-                <a16:creationId xmlns:a16="http://schemas.microsoft.com/office/drawing/2014/main" id="{34556584-7207-A738-F46B-84B60E2021B0}"/>
-              </a:ext>
-            </a:extLst>
-          </p:cNvPr>
-          <p:cNvSpPr>
-            <a:spLocks noGrp="1"/>
-          </p:cNvSpPr>
-          <p:nvPr>
-            <p:ph type="title"/>
-          </p:nvPr>
-        </p:nvSpPr>
-        <p:spPr/>
-        <p:txBody>
-          <a:bodyPr>
-            <a:normAutofit fontScale="90000"/>
-          </a:bodyPr>
-          <a:lstStyle/>
-          <a:p>
-            <a:r>
-              <a:rPr lang="en-US" dirty="0" err="1"/>
-              <a:t>Welcom</a:t>
-            </a:r>
-            <a:r>
-              <a:rPr lang="en-US" dirty="0"/>
-              <a:t> To Python Programming </a:t>
-            </a:r>
-            <a:r>
-              <a:rPr lang="en-US" dirty="0" err="1"/>
-              <a:t>Langauge</a:t>
-            </a:r>
-            <a:endParaRPr lang="es-PE" dirty="0"/>
-          </a:p>
-        </p:txBody>
-      </p:sp>
-      <p:pic>
-        <p:nvPicPr>
-          <p:cNvPr id="4" name="Picture 8" descr="Python Logo, symbol, meaning, history, PNG, brand">
-            <a:extLst>
-              <a:ext uri="{FF2B5EF4-FFF2-40B4-BE49-F238E27FC236}">
-                <a16:creationId xmlns:a16="http://schemas.microsoft.com/office/drawing/2014/main" id="{3591BD18-C430-FF45-CE63-0362F119BF81}"/>
-              </a:ext>
-            </a:extLst>
-          </p:cNvPr>
-          <p:cNvPicPr>
-            <a:picLocks noChangeAspect="1" noChangeArrowheads="1"/>
-          </p:cNvPicPr>
-          <p:nvPr/>
-        </p:nvPicPr>
-        <p:blipFill>
-          <a:blip r:embed="rId2">
-            <a:extLst>
-              <a:ext uri="{28A0092B-C50C-407E-A947-70E740481C1C}">
-                <a14:useLocalDpi xmlns:a14="http://schemas.microsoft.com/office/drawing/2010/main" val="0"/>
-              </a:ext>
-            </a:extLst>
-          </a:blip>
-          <a:srcRect/>
-          <a:stretch>
-            <a:fillRect/>
-          </a:stretch>
-        </p:blipFill>
-        <p:spPr bwMode="auto">
-          <a:xfrm>
-            <a:off x="2057400" y="1981200"/>
-            <a:ext cx="4495800" cy="4219522"/>
-          </a:xfrm>
-          <a:prstGeom prst="rect">
-            <a:avLst/>
-          </a:prstGeom>
-          <a:noFill/>
-          <a:extLst>
-            <a:ext uri="{909E8E84-426E-40DD-AFC4-6F175D3DCCD1}">
-              <a14:hiddenFill xmlns:a14="http://schemas.microsoft.com/office/drawing/2010/main">
-                <a:solidFill>
-                  <a:srgbClr val="FFFFFF"/>
-                </a:solidFill>
-              </a14:hiddenFill>
-            </a:ext>
-          </a:extLst>
-        </p:spPr>
-      </p:pic>
-    </p:spTree>
-    <p:extLst>
-      <p:ext uri="{BB962C8B-B14F-4D97-AF65-F5344CB8AC3E}">
-        <p14:creationId xmlns:p14="http://schemas.microsoft.com/office/powerpoint/2010/main" val="829888549"/>
-      </p:ext>
-    </p:extLst>
-  </p:cSld>
-  <p:clrMapOvr>
-    <a:masterClrMapping/>
-  </p:clrMapOvr>
-</p:sld>
-</file>
-
-<file path=ppt/slides/slide5.xml><?xml version="1.0" encoding="utf-8"?>
-<p:sld xmlns:a="http://schemas.openxmlformats.org/drawingml/2006/main" xmlns:r="http://schemas.openxmlformats.org/officeDocument/2006/relationships" xmlns:p="http://schemas.openxmlformats.org/presentationml/2006/main">
-  <p:cSld>
-    <p:spTree>
-      <p:nvGrpSpPr>
-        <p:cNvPr id="1" name=""/>
-        <p:cNvGrpSpPr/>
-        <p:nvPr/>
-      </p:nvGrpSpPr>
-      <p:grpSpPr>
-        <a:xfrm>
-          <a:off x="0" y="0"/>
-          <a:ext cx="0" cy="0"/>
-          <a:chOff x="0" y="0"/>
-          <a:chExt cx="0" cy="0"/>
-        </a:xfrm>
-      </p:grpSpPr>
-      <p:sp>
-        <p:nvSpPr>
-          <p:cNvPr id="2" name="Title 1"/>
-          <p:cNvSpPr>
-            <a:spLocks noGrp="1"/>
-          </p:cNvSpPr>
-          <p:nvPr>
-            <p:ph type="ctrTitle"/>
-          </p:nvPr>
-        </p:nvSpPr>
-        <p:spPr>
-          <a:xfrm>
-            <a:off x="685800" y="152401"/>
-            <a:ext cx="7772400" cy="1371599"/>
-          </a:xfrm>
-        </p:spPr>
-        <p:txBody>
-          <a:bodyPr>
-            <a:normAutofit fontScale="90000"/>
-          </a:bodyPr>
-          <a:lstStyle/>
-          <a:p>
-            <a:r>
-              <a:rPr lang="en-US" dirty="0"/>
-              <a:t>	WHAT IS A PROGRAMMING</a:t>
-            </a:r>
-            <a:br>
-              <a:rPr lang="en-US" dirty="0"/>
-            </a:br>
-            <a:r>
-              <a:rPr lang="en-US" dirty="0"/>
-              <a:t>LANGUAGE ?</a:t>
-            </a:r>
-          </a:p>
-        </p:txBody>
-      </p:sp>
-      <p:sp>
-        <p:nvSpPr>
-          <p:cNvPr id="3" name="Subtitle 2"/>
-          <p:cNvSpPr>
-            <a:spLocks noGrp="1"/>
-          </p:cNvSpPr>
-          <p:nvPr>
-            <p:ph type="subTitle" idx="1"/>
-          </p:nvPr>
-        </p:nvSpPr>
-        <p:spPr>
-          <a:xfrm>
-            <a:off x="990600" y="1752600"/>
-            <a:ext cx="7543800" cy="3886200"/>
-          </a:xfrm>
-        </p:spPr>
-        <p:txBody>
-          <a:bodyPr>
-            <a:normAutofit fontScale="85000" lnSpcReduction="20000"/>
-          </a:bodyPr>
-          <a:lstStyle/>
-          <a:p>
-            <a:pPr>
-              <a:buFont typeface="Arial" pitchFamily="34" charset="0"/>
-              <a:buChar char="•"/>
-            </a:pPr>
-            <a:r>
-              <a:rPr lang="en-US" dirty="0">
-                <a:solidFill>
-                  <a:schemeClr val="accent2">
-                    <a:lumMod val="50000"/>
-                  </a:schemeClr>
-                </a:solidFill>
-                <a:latin typeface="Arial" pitchFamily="34" charset="0"/>
-                <a:cs typeface="Arial" pitchFamily="34" charset="0"/>
-              </a:rPr>
-              <a:t> A programming language is a vocabulary and set of grammatical rules for instructing a computer or computing device to perform specific tasks.</a:t>
-            </a:r>
-          </a:p>
-          <a:p>
-            <a:pPr>
-              <a:buFont typeface="Arial" pitchFamily="34" charset="0"/>
-              <a:buChar char="•"/>
-            </a:pPr>
-            <a:r>
-              <a:rPr lang="en-US" dirty="0">
-                <a:solidFill>
-                  <a:schemeClr val="accent2">
-                    <a:lumMod val="50000"/>
-                  </a:schemeClr>
-                </a:solidFill>
-                <a:latin typeface="Arial" pitchFamily="34" charset="0"/>
-                <a:cs typeface="Arial" pitchFamily="34" charset="0"/>
-              </a:rPr>
-              <a:t>The term programming language usually refers to high-level languages, such as BASIC, C, C++, PYTHON , Java and FORTRAN</a:t>
-            </a:r>
-          </a:p>
-          <a:p>
-            <a:r>
-              <a:rPr lang="en-US" dirty="0">
-                <a:solidFill>
-                  <a:schemeClr val="accent2">
-                    <a:lumMod val="50000"/>
-                  </a:schemeClr>
-                </a:solidFill>
-                <a:latin typeface="Arial" pitchFamily="34" charset="0"/>
-                <a:cs typeface="Arial" pitchFamily="34" charset="0"/>
-              </a:rPr>
-              <a:t>• Each language has a unique set of keywords (words that it understands) and a special syntax for organizing program instructions</a:t>
-            </a:r>
-            <a:r>
-              <a:rPr lang="en-US" dirty="0">
-                <a:latin typeface="Arial" pitchFamily="34" charset="0"/>
-                <a:cs typeface="Arial" pitchFamily="34" charset="0"/>
-              </a:rPr>
-              <a:t>.</a:t>
-            </a:r>
-          </a:p>
-        </p:txBody>
-      </p:sp>
-    </p:spTree>
-  </p:cSld>
-  <p:clrMapOvr>
-    <a:masterClrMapping/>
-  </p:clrMapOvr>
-</p:sld>
-</file>
-
-<file path=ppt/slides/slide6.xml><?xml version="1.0" encoding="utf-8"?>
-<p:sld xmlns:a="http://schemas.openxmlformats.org/drawingml/2006/main" xmlns:r="http://schemas.openxmlformats.org/officeDocument/2006/relationships" xmlns:p="http://schemas.openxmlformats.org/presentationml/2006/main">
-  <p:cSld>
-    <p:spTree>
-      <p:nvGrpSpPr>
-        <p:cNvPr id="1" name=""/>
-        <p:cNvGrpSpPr/>
-        <p:nvPr/>
-      </p:nvGrpSpPr>
-      <p:grpSpPr>
-        <a:xfrm>
-          <a:off x="0" y="0"/>
-          <a:ext cx="0" cy="0"/>
-          <a:chOff x="0" y="0"/>
-          <a:chExt cx="0" cy="0"/>
-        </a:xfrm>
-      </p:grpSpPr>
-      <p:sp>
-        <p:nvSpPr>
-          <p:cNvPr id="2" name="TextBox 1"/>
-          <p:cNvSpPr txBox="1"/>
-          <p:nvPr/>
-        </p:nvSpPr>
-        <p:spPr>
-          <a:xfrm>
-            <a:off x="1828800" y="228600"/>
-            <a:ext cx="4941354" cy="584775"/>
-          </a:xfrm>
-          <a:prstGeom prst="rect">
-            <a:avLst/>
-          </a:prstGeom>
-          <a:noFill/>
-        </p:spPr>
-        <p:txBody>
-          <a:bodyPr wrap="none" rtlCol="0">
-            <a:spAutoFit/>
-          </a:bodyPr>
-          <a:lstStyle/>
-          <a:p>
-            <a:pPr algn="ctr"/>
-            <a:r>
-              <a:rPr lang="en-US" sz="3200" b="1" dirty="0">
-                <a:solidFill>
-                  <a:srgbClr val="FF0000"/>
-                </a:solidFill>
-                <a:latin typeface="Arial" pitchFamily="34" charset="0"/>
-                <a:cs typeface="Arial" pitchFamily="34" charset="0"/>
-              </a:rPr>
-              <a:t>WELCOME TO PYTHON </a:t>
-            </a:r>
-          </a:p>
-        </p:txBody>
-      </p:sp>
-      <p:sp>
-        <p:nvSpPr>
-          <p:cNvPr id="3" name="TextBox 2"/>
-          <p:cNvSpPr txBox="1"/>
-          <p:nvPr/>
-        </p:nvSpPr>
-        <p:spPr>
-          <a:xfrm>
-            <a:off x="762000" y="1447800"/>
-            <a:ext cx="8115427" cy="4801314"/>
-          </a:xfrm>
-          <a:prstGeom prst="rect">
-            <a:avLst/>
-          </a:prstGeom>
-          <a:noFill/>
-        </p:spPr>
-        <p:txBody>
-          <a:bodyPr wrap="none" rtlCol="0">
-            <a:spAutoFit/>
-          </a:bodyPr>
-          <a:lstStyle/>
-          <a:p>
-            <a:r>
-              <a:rPr lang="en-US" dirty="0"/>
-              <a:t>PYTHON is a high level and an object oriented programming language.</a:t>
-            </a:r>
-          </a:p>
-          <a:p>
-            <a:r>
-              <a:rPr lang="en-US" dirty="0"/>
-              <a:t>PYTHON language is used in a wide range of work .</a:t>
-            </a:r>
-          </a:p>
-          <a:p>
-            <a:r>
-              <a:rPr lang="en-US" dirty="0"/>
-              <a:t>For example :</a:t>
-            </a:r>
-          </a:p>
-          <a:p>
-            <a:pPr marL="342900" indent="-342900">
-              <a:buAutoNum type="arabicPeriod"/>
-            </a:pPr>
-            <a:r>
-              <a:rPr lang="en-US" dirty="0"/>
-              <a:t>Web Development </a:t>
-            </a:r>
-          </a:p>
-          <a:p>
-            <a:pPr marL="342900" indent="-342900">
-              <a:buAutoNum type="arabicPeriod"/>
-            </a:pPr>
-            <a:r>
-              <a:rPr lang="en-US" dirty="0"/>
-              <a:t>Software development </a:t>
-            </a:r>
-          </a:p>
-          <a:p>
-            <a:pPr marL="342900" indent="-342900">
-              <a:buAutoNum type="arabicPeriod"/>
-            </a:pPr>
-            <a:r>
-              <a:rPr lang="en-US" dirty="0"/>
-              <a:t>Scripting </a:t>
-            </a:r>
-          </a:p>
-          <a:p>
-            <a:pPr marL="342900" indent="-342900">
-              <a:buAutoNum type="arabicPeriod"/>
-            </a:pPr>
-            <a:r>
-              <a:rPr lang="en-US" dirty="0"/>
-              <a:t>AI/ML </a:t>
-            </a:r>
-          </a:p>
-          <a:p>
-            <a:pPr marL="342900" indent="-342900">
-              <a:buAutoNum type="arabicPeriod"/>
-            </a:pPr>
-            <a:r>
-              <a:rPr lang="en-US" dirty="0"/>
-              <a:t>Mathematics etc. </a:t>
-            </a:r>
-          </a:p>
-          <a:p>
-            <a:pPr marL="342900" indent="-342900"/>
-            <a:endParaRPr lang="en-US" dirty="0"/>
-          </a:p>
-          <a:p>
-            <a:pPr marL="342900" indent="-342900"/>
-            <a:r>
-              <a:rPr lang="en-US" dirty="0"/>
-              <a:t>BENEFITS OF PYTHON OVER OTHER LANGUAGES </a:t>
-            </a:r>
-          </a:p>
-          <a:p>
-            <a:pPr marL="342900" indent="-342900">
-              <a:buAutoNum type="arabicPeriod"/>
-            </a:pPr>
-            <a:r>
-              <a:rPr lang="en-US" dirty="0"/>
-              <a:t>Can work across a range of different platforms (for </a:t>
-            </a:r>
-            <a:r>
-              <a:rPr lang="en-US" dirty="0" err="1"/>
-              <a:t>eg</a:t>
-            </a:r>
-            <a:r>
-              <a:rPr lang="en-US" dirty="0"/>
-              <a:t>. Linux , windows and MAC)</a:t>
-            </a:r>
-          </a:p>
-          <a:p>
-            <a:pPr marL="342900" indent="-342900">
-              <a:buAutoNum type="arabicPeriod"/>
-            </a:pPr>
-            <a:r>
-              <a:rPr lang="en-US" dirty="0"/>
-              <a:t>Easy syntax which is similar to the English language.</a:t>
-            </a:r>
-          </a:p>
-          <a:p>
-            <a:pPr marL="342900" indent="-342900">
-              <a:buAutoNum type="arabicPeriod"/>
-            </a:pPr>
-            <a:r>
-              <a:rPr lang="en-US" dirty="0"/>
-              <a:t>Automatic memory management. </a:t>
-            </a:r>
-          </a:p>
-          <a:p>
-            <a:pPr marL="342900" indent="-342900">
-              <a:buAutoNum type="arabicPeriod"/>
-            </a:pPr>
-            <a:r>
-              <a:rPr lang="en-US" dirty="0"/>
-              <a:t>No requirement of a compiler. PYTHON is a self interpreted language. </a:t>
-            </a:r>
-          </a:p>
-          <a:p>
-            <a:pPr marL="342900" indent="-342900">
-              <a:buAutoNum type="arabicPeriod"/>
-            </a:pPr>
-            <a:r>
-              <a:rPr lang="en-US" dirty="0"/>
-              <a:t>Shorter, more flexible codes</a:t>
-            </a:r>
-          </a:p>
-          <a:p>
-            <a:pPr marL="342900" indent="-342900">
-              <a:buAutoNum type="arabicPeriod"/>
-            </a:pPr>
-            <a:r>
-              <a:rPr lang="en-US" dirty="0"/>
-              <a:t>One doesn’t not need to specify the data types.</a:t>
-            </a:r>
-          </a:p>
-          <a:p>
-            <a:pPr marL="342900" indent="-342900">
-              <a:buAutoNum type="arabicPeriod"/>
-            </a:pPr>
-            <a:endParaRPr lang="en-US" dirty="0"/>
-          </a:p>
-        </p:txBody>
-      </p:sp>
-    </p:spTree>
-  </p:cSld>
-  <p:clrMapOvr>
-    <a:masterClrMapping/>
-  </p:clrMapOvr>
-</p:sld>
-</file>
-
-<file path=ppt/slides/slide7.xml><?xml version="1.0" encoding="utf-8"?>
-<p:sld xmlns:a="http://schemas.openxmlformats.org/drawingml/2006/main" xmlns:r="http://schemas.openxmlformats.org/officeDocument/2006/relationships" xmlns:p="http://schemas.openxmlformats.org/presentationml/2006/main">
-  <p:cSld>
-    <p:spTree>
-      <p:nvGrpSpPr>
-        <p:cNvPr id="1" name=""/>
-        <p:cNvGrpSpPr/>
-        <p:nvPr/>
-      </p:nvGrpSpPr>
-      <p:grpSpPr>
-        <a:xfrm>
-          <a:off x="0" y="0"/>
-          <a:ext cx="0" cy="0"/>
-          <a:chOff x="0" y="0"/>
-          <a:chExt cx="0" cy="0"/>
-        </a:xfrm>
-      </p:grpSpPr>
-      <p:pic>
-        <p:nvPicPr>
-          <p:cNvPr id="28674" name="Picture 2"/>
-          <p:cNvPicPr>
-            <a:picLocks noChangeAspect="1" noChangeArrowheads="1"/>
-          </p:cNvPicPr>
-          <p:nvPr/>
-        </p:nvPicPr>
-        <p:blipFill>
-          <a:blip r:embed="rId2"/>
-          <a:srcRect/>
-          <a:stretch>
-            <a:fillRect/>
-          </a:stretch>
-        </p:blipFill>
-        <p:spPr bwMode="auto">
-          <a:xfrm>
-            <a:off x="798513" y="1150938"/>
-            <a:ext cx="7545387" cy="4562475"/>
-          </a:xfrm>
-          <a:prstGeom prst="rect">
-            <a:avLst/>
-          </a:prstGeom>
-          <a:noFill/>
-          <a:ln w="9525">
-            <a:noFill/>
-            <a:miter lim="800000"/>
-            <a:headEnd/>
-            <a:tailEnd/>
-          </a:ln>
-          <a:effectLst/>
-        </p:spPr>
-      </p:pic>
-    </p:spTree>
-  </p:cSld>
-  <p:clrMapOvr>
-    <a:masterClrMapping/>
-  </p:clrMapOvr>
-</p:sld>
-</file>
-
-<file path=ppt/slides/slide8.xml><?xml version="1.0" encoding="utf-8"?>
 <p:sld xmlns:a="http://schemas.openxmlformats.org/drawingml/2006/main" xmlns:r="http://schemas.openxmlformats.org/officeDocument/2006/relationships" xmlns:p="http://schemas.openxmlformats.org/presentationml/2006/main">
   <p:cSld>
     <p:spTree>
@@ -5835,7 +3191,7 @@
 </p:sld>
 </file>
 
-<file path=ppt/slides/slide9.xml><?xml version="1.0" encoding="utf-8"?>
+<file path=ppt/slides/slide11.xml><?xml version="1.0" encoding="utf-8"?>
 <p:sld xmlns:a="http://schemas.openxmlformats.org/drawingml/2006/main" xmlns:r="http://schemas.openxmlformats.org/officeDocument/2006/relationships" xmlns:p="http://schemas.openxmlformats.org/presentationml/2006/main">
   <p:cSld>
     <p:spTree>
@@ -5918,6 +3274,3065 @@
           </a:p>
         </p:txBody>
       </p:sp>
+    </p:spTree>
+  </p:cSld>
+  <p:clrMapOvr>
+    <a:masterClrMapping/>
+  </p:clrMapOvr>
+</p:sld>
+</file>
+
+<file path=ppt/slides/slide12.xml><?xml version="1.0" encoding="utf-8"?>
+<p:sld xmlns:a="http://schemas.openxmlformats.org/drawingml/2006/main" xmlns:r="http://schemas.openxmlformats.org/officeDocument/2006/relationships" xmlns:p="http://schemas.openxmlformats.org/presentationml/2006/main">
+  <p:cSld>
+    <p:spTree>
+      <p:nvGrpSpPr>
+        <p:cNvPr id="1" name=""/>
+        <p:cNvGrpSpPr/>
+        <p:nvPr/>
+      </p:nvGrpSpPr>
+      <p:grpSpPr>
+        <a:xfrm>
+          <a:off x="0" y="0"/>
+          <a:ext cx="0" cy="0"/>
+          <a:chOff x="0" y="0"/>
+          <a:chExt cx="0" cy="0"/>
+        </a:xfrm>
+      </p:grpSpPr>
+      <p:pic>
+        <p:nvPicPr>
+          <p:cNvPr id="46082" name="Picture 2"/>
+          <p:cNvPicPr>
+            <a:picLocks noChangeAspect="1" noChangeArrowheads="1"/>
+          </p:cNvPicPr>
+          <p:nvPr/>
+        </p:nvPicPr>
+        <p:blipFill>
+          <a:blip r:embed="rId2"/>
+          <a:srcRect/>
+          <a:stretch>
+            <a:fillRect/>
+          </a:stretch>
+        </p:blipFill>
+        <p:spPr bwMode="auto">
+          <a:xfrm>
+            <a:off x="152400" y="914400"/>
+            <a:ext cx="8672036" cy="5375683"/>
+          </a:xfrm>
+          <a:prstGeom prst="rect">
+            <a:avLst/>
+          </a:prstGeom>
+          <a:noFill/>
+          <a:ln w="9525">
+            <a:noFill/>
+            <a:miter lim="800000"/>
+            <a:headEnd/>
+            <a:tailEnd/>
+          </a:ln>
+          <a:effectLst/>
+        </p:spPr>
+      </p:pic>
+      <p:sp>
+        <p:nvSpPr>
+          <p:cNvPr id="3" name="TextBox 2"/>
+          <p:cNvSpPr txBox="1"/>
+          <p:nvPr/>
+        </p:nvSpPr>
+        <p:spPr>
+          <a:xfrm>
+            <a:off x="914400" y="304800"/>
+            <a:ext cx="5217903" cy="800219"/>
+          </a:xfrm>
+          <a:prstGeom prst="rect">
+            <a:avLst/>
+          </a:prstGeom>
+          <a:noFill/>
+        </p:spPr>
+        <p:txBody>
+          <a:bodyPr wrap="none" rtlCol="0">
+            <a:spAutoFit/>
+          </a:bodyPr>
+          <a:lstStyle/>
+          <a:p>
+            <a:r>
+              <a:rPr lang="en-US" sz="2800" dirty="0">
+                <a:solidFill>
+                  <a:srgbClr val="FF0000"/>
+                </a:solidFill>
+              </a:rPr>
+              <a:t>EXAMPLES FOR PSEUDOCODE – 1  </a:t>
+            </a:r>
+          </a:p>
+          <a:p>
+            <a:endParaRPr lang="en-US" dirty="0"/>
+          </a:p>
+        </p:txBody>
+      </p:sp>
+    </p:spTree>
+  </p:cSld>
+  <p:clrMapOvr>
+    <a:masterClrMapping/>
+  </p:clrMapOvr>
+</p:sld>
+</file>
+
+<file path=ppt/slides/slide13.xml><?xml version="1.0" encoding="utf-8"?>
+<p:sld xmlns:a="http://schemas.openxmlformats.org/drawingml/2006/main" xmlns:r="http://schemas.openxmlformats.org/officeDocument/2006/relationships" xmlns:p="http://schemas.openxmlformats.org/presentationml/2006/main">
+  <p:cSld>
+    <p:spTree>
+      <p:nvGrpSpPr>
+        <p:cNvPr id="1" name=""/>
+        <p:cNvGrpSpPr/>
+        <p:nvPr/>
+      </p:nvGrpSpPr>
+      <p:grpSpPr>
+        <a:xfrm>
+          <a:off x="0" y="0"/>
+          <a:ext cx="0" cy="0"/>
+          <a:chOff x="0" y="0"/>
+          <a:chExt cx="0" cy="0"/>
+        </a:xfrm>
+      </p:grpSpPr>
+      <p:sp>
+        <p:nvSpPr>
+          <p:cNvPr id="2" name="Title 1">
+            <a:extLst>
+              <a:ext uri="{FF2B5EF4-FFF2-40B4-BE49-F238E27FC236}">
+                <a16:creationId xmlns:a16="http://schemas.microsoft.com/office/drawing/2014/main" id="{4F5A076E-35C9-EF93-42A1-B2724DBAAE85}"/>
+              </a:ext>
+            </a:extLst>
+          </p:cNvPr>
+          <p:cNvSpPr>
+            <a:spLocks noGrp="1"/>
+          </p:cNvSpPr>
+          <p:nvPr>
+            <p:ph type="ctrTitle"/>
+          </p:nvPr>
+        </p:nvSpPr>
+        <p:spPr>
+          <a:xfrm>
+            <a:off x="685800" y="228600"/>
+            <a:ext cx="7772400" cy="1470025"/>
+          </a:xfrm>
+        </p:spPr>
+        <p:txBody>
+          <a:bodyPr/>
+          <a:lstStyle/>
+          <a:p>
+            <a:r>
+              <a:rPr lang="en-US" dirty="0"/>
+              <a:t>Implementation</a:t>
+            </a:r>
+            <a:endParaRPr lang="es-PE" dirty="0"/>
+          </a:p>
+        </p:txBody>
+      </p:sp>
+      <p:sp>
+        <p:nvSpPr>
+          <p:cNvPr id="3" name="Subtitle 2">
+            <a:extLst>
+              <a:ext uri="{FF2B5EF4-FFF2-40B4-BE49-F238E27FC236}">
+                <a16:creationId xmlns:a16="http://schemas.microsoft.com/office/drawing/2014/main" id="{FFE50D08-A355-EF94-D94D-2079BE367CBC}"/>
+              </a:ext>
+            </a:extLst>
+          </p:cNvPr>
+          <p:cNvSpPr>
+            <a:spLocks noGrp="1"/>
+          </p:cNvSpPr>
+          <p:nvPr>
+            <p:ph type="subTitle" idx="1"/>
+          </p:nvPr>
+        </p:nvSpPr>
+        <p:spPr>
+          <a:xfrm>
+            <a:off x="1066800" y="1698625"/>
+            <a:ext cx="6400800" cy="1752600"/>
+          </a:xfrm>
+        </p:spPr>
+        <p:txBody>
+          <a:bodyPr/>
+          <a:lstStyle/>
+          <a:p>
+            <a:r>
+              <a:rPr lang="en-US" b="0" i="0" dirty="0">
+                <a:solidFill>
+                  <a:srgbClr val="000000"/>
+                </a:solidFill>
+                <a:effectLst/>
+                <a:latin typeface="Arial" panose="020B0604020202020204" pitchFamily="34" charset="0"/>
+              </a:rPr>
+              <a:t>basic arithmetic +prints + comments +  variables +  data Types</a:t>
+            </a:r>
+            <a:endParaRPr lang="es-PE" dirty="0"/>
+          </a:p>
+        </p:txBody>
+      </p:sp>
+      <p:pic>
+        <p:nvPicPr>
+          <p:cNvPr id="1030" name="Picture 6" descr="visual-studio-logo · GitHub Topics · GitHub">
+            <a:extLst>
+              <a:ext uri="{FF2B5EF4-FFF2-40B4-BE49-F238E27FC236}">
+                <a16:creationId xmlns:a16="http://schemas.microsoft.com/office/drawing/2014/main" id="{04077D4D-891E-52E5-B5DA-DBE588099B3E}"/>
+              </a:ext>
+            </a:extLst>
+          </p:cNvPr>
+          <p:cNvPicPr>
+            <a:picLocks noChangeAspect="1" noChangeArrowheads="1"/>
+          </p:cNvPicPr>
+          <p:nvPr/>
+        </p:nvPicPr>
+        <p:blipFill>
+          <a:blip r:embed="rId2">
+            <a:extLst>
+              <a:ext uri="{28A0092B-C50C-407E-A947-70E740481C1C}">
+                <a14:useLocalDpi xmlns:a14="http://schemas.microsoft.com/office/drawing/2010/main" val="0"/>
+              </a:ext>
+            </a:extLst>
+          </a:blip>
+          <a:srcRect/>
+          <a:stretch>
+            <a:fillRect/>
+          </a:stretch>
+        </p:blipFill>
+        <p:spPr bwMode="auto">
+          <a:xfrm>
+            <a:off x="1295400" y="4006850"/>
+            <a:ext cx="1943100" cy="1828800"/>
+          </a:xfrm>
+          <a:prstGeom prst="rect">
+            <a:avLst/>
+          </a:prstGeom>
+          <a:noFill/>
+          <a:extLst>
+            <a:ext uri="{909E8E84-426E-40DD-AFC4-6F175D3DCCD1}">
+              <a14:hiddenFill xmlns:a14="http://schemas.microsoft.com/office/drawing/2010/main">
+                <a:solidFill>
+                  <a:srgbClr val="FFFFFF"/>
+                </a:solidFill>
+              </a14:hiddenFill>
+            </a:ext>
+          </a:extLst>
+        </p:spPr>
+      </p:pic>
+      <p:sp>
+        <p:nvSpPr>
+          <p:cNvPr id="4" name="TextBox 3">
+            <a:extLst>
+              <a:ext uri="{FF2B5EF4-FFF2-40B4-BE49-F238E27FC236}">
+                <a16:creationId xmlns:a16="http://schemas.microsoft.com/office/drawing/2014/main" id="{7D86DEAB-1733-18A5-7905-A48F52E63322}"/>
+              </a:ext>
+            </a:extLst>
+          </p:cNvPr>
+          <p:cNvSpPr txBox="1"/>
+          <p:nvPr/>
+        </p:nvSpPr>
+        <p:spPr>
+          <a:xfrm>
+            <a:off x="3794760" y="4121150"/>
+            <a:ext cx="762000" cy="1446550"/>
+          </a:xfrm>
+          <a:prstGeom prst="rect">
+            <a:avLst/>
+          </a:prstGeom>
+          <a:noFill/>
+        </p:spPr>
+        <p:txBody>
+          <a:bodyPr wrap="square" rtlCol="0">
+            <a:spAutoFit/>
+          </a:bodyPr>
+          <a:lstStyle/>
+          <a:p>
+            <a:r>
+              <a:rPr lang="en-US" sz="8800" dirty="0"/>
+              <a:t>+</a:t>
+            </a:r>
+            <a:endParaRPr lang="es-PE" sz="8800" dirty="0"/>
+          </a:p>
+        </p:txBody>
+      </p:sp>
+      <p:pic>
+        <p:nvPicPr>
+          <p:cNvPr id="1032" name="Picture 8" descr="Python Logo, symbol, meaning, history, PNG, brand">
+            <a:extLst>
+              <a:ext uri="{FF2B5EF4-FFF2-40B4-BE49-F238E27FC236}">
+                <a16:creationId xmlns:a16="http://schemas.microsoft.com/office/drawing/2014/main" id="{A7A357E8-F665-C66E-35C0-3F81549DCA28}"/>
+              </a:ext>
+            </a:extLst>
+          </p:cNvPr>
+          <p:cNvPicPr>
+            <a:picLocks noChangeAspect="1" noChangeArrowheads="1"/>
+          </p:cNvPicPr>
+          <p:nvPr/>
+        </p:nvPicPr>
+        <p:blipFill>
+          <a:blip r:embed="rId3">
+            <a:extLst>
+              <a:ext uri="{28A0092B-C50C-407E-A947-70E740481C1C}">
+                <a14:useLocalDpi xmlns:a14="http://schemas.microsoft.com/office/drawing/2010/main" val="0"/>
+              </a:ext>
+            </a:extLst>
+          </a:blip>
+          <a:srcRect/>
+          <a:stretch>
+            <a:fillRect/>
+          </a:stretch>
+        </p:blipFill>
+        <p:spPr bwMode="auto">
+          <a:xfrm>
+            <a:off x="5486400" y="4121150"/>
+            <a:ext cx="1704975" cy="1600200"/>
+          </a:xfrm>
+          <a:prstGeom prst="rect">
+            <a:avLst/>
+          </a:prstGeom>
+          <a:noFill/>
+          <a:extLst>
+            <a:ext uri="{909E8E84-426E-40DD-AFC4-6F175D3DCCD1}">
+              <a14:hiddenFill xmlns:a14="http://schemas.microsoft.com/office/drawing/2010/main">
+                <a:solidFill>
+                  <a:srgbClr val="FFFFFF"/>
+                </a:solidFill>
+              </a14:hiddenFill>
+            </a:ext>
+          </a:extLst>
+        </p:spPr>
+      </p:pic>
+    </p:spTree>
+    <p:extLst>
+      <p:ext uri="{BB962C8B-B14F-4D97-AF65-F5344CB8AC3E}">
+        <p14:creationId xmlns:p14="http://schemas.microsoft.com/office/powerpoint/2010/main" val="1287807060"/>
+      </p:ext>
+    </p:extLst>
+  </p:cSld>
+  <p:clrMapOvr>
+    <a:masterClrMapping/>
+  </p:clrMapOvr>
+</p:sld>
+</file>
+
+<file path=ppt/slides/slide14.xml><?xml version="1.0" encoding="utf-8"?>
+<p:sld xmlns:a="http://schemas.openxmlformats.org/drawingml/2006/main" xmlns:r="http://schemas.openxmlformats.org/officeDocument/2006/relationships" xmlns:p="http://schemas.openxmlformats.org/presentationml/2006/main">
+  <p:cSld>
+    <p:spTree>
+      <p:nvGrpSpPr>
+        <p:cNvPr id="1" name=""/>
+        <p:cNvGrpSpPr/>
+        <p:nvPr/>
+      </p:nvGrpSpPr>
+      <p:grpSpPr>
+        <a:xfrm>
+          <a:off x="0" y="0"/>
+          <a:ext cx="0" cy="0"/>
+          <a:chOff x="0" y="0"/>
+          <a:chExt cx="0" cy="0"/>
+        </a:xfrm>
+      </p:grpSpPr>
+      <p:sp>
+        <p:nvSpPr>
+          <p:cNvPr id="2" name="TextBox 1"/>
+          <p:cNvSpPr txBox="1"/>
+          <p:nvPr/>
+        </p:nvSpPr>
+        <p:spPr>
+          <a:xfrm>
+            <a:off x="533401" y="685800"/>
+            <a:ext cx="8382000" cy="1692771"/>
+          </a:xfrm>
+          <a:prstGeom prst="rect">
+            <a:avLst/>
+          </a:prstGeom>
+          <a:noFill/>
+        </p:spPr>
+        <p:txBody>
+          <a:bodyPr wrap="square" rtlCol="0">
+            <a:spAutoFit/>
+          </a:bodyPr>
+          <a:lstStyle/>
+          <a:p>
+            <a:r>
+              <a:rPr lang="en-US" sz="3200" dirty="0"/>
+              <a:t>Execute Python Syntax</a:t>
+            </a:r>
+          </a:p>
+          <a:p>
+            <a:r>
+              <a:rPr lang="en-US" dirty="0"/>
+              <a:t>As we learned in the previous page, Python syntax can be executed by writing directly in the Command Line:</a:t>
+            </a:r>
+          </a:p>
+          <a:p>
+            <a:endParaRPr lang="en-US" dirty="0"/>
+          </a:p>
+          <a:p>
+            <a:endParaRPr lang="en-US" dirty="0"/>
+          </a:p>
+        </p:txBody>
+      </p:sp>
+      <p:pic>
+        <p:nvPicPr>
+          <p:cNvPr id="47106" name="Picture 2"/>
+          <p:cNvPicPr>
+            <a:picLocks noChangeAspect="1" noChangeArrowheads="1"/>
+          </p:cNvPicPr>
+          <p:nvPr/>
+        </p:nvPicPr>
+        <p:blipFill>
+          <a:blip r:embed="rId2"/>
+          <a:srcRect/>
+          <a:stretch>
+            <a:fillRect/>
+          </a:stretch>
+        </p:blipFill>
+        <p:spPr bwMode="auto">
+          <a:xfrm>
+            <a:off x="381000" y="1752600"/>
+            <a:ext cx="6335713" cy="1028700"/>
+          </a:xfrm>
+          <a:prstGeom prst="rect">
+            <a:avLst/>
+          </a:prstGeom>
+          <a:noFill/>
+          <a:ln w="9525">
+            <a:noFill/>
+            <a:miter lim="800000"/>
+            <a:headEnd/>
+            <a:tailEnd/>
+          </a:ln>
+          <a:effectLst/>
+        </p:spPr>
+      </p:pic>
+      <p:sp>
+        <p:nvSpPr>
+          <p:cNvPr id="4" name="Rectangle 3"/>
+          <p:cNvSpPr/>
+          <p:nvPr/>
+        </p:nvSpPr>
+        <p:spPr>
+          <a:xfrm>
+            <a:off x="457200" y="2967335"/>
+            <a:ext cx="6400800" cy="646331"/>
+          </a:xfrm>
+          <a:prstGeom prst="rect">
+            <a:avLst/>
+          </a:prstGeom>
+        </p:spPr>
+        <p:txBody>
+          <a:bodyPr wrap="square">
+            <a:spAutoFit/>
+          </a:bodyPr>
+          <a:lstStyle/>
+          <a:p>
+            <a:r>
+              <a:rPr lang="en-US" dirty="0"/>
+              <a:t>Or by creating a python file on the server, using the .</a:t>
+            </a:r>
+            <a:r>
+              <a:rPr lang="en-US" dirty="0" err="1"/>
+              <a:t>py</a:t>
+            </a:r>
+            <a:r>
+              <a:rPr lang="en-US" dirty="0"/>
+              <a:t> file extension, and running it in the Command Line:</a:t>
+            </a:r>
+          </a:p>
+        </p:txBody>
+      </p:sp>
+      <p:pic>
+        <p:nvPicPr>
+          <p:cNvPr id="47107" name="Picture 3"/>
+          <p:cNvPicPr>
+            <a:picLocks noChangeAspect="1" noChangeArrowheads="1"/>
+          </p:cNvPicPr>
+          <p:nvPr/>
+        </p:nvPicPr>
+        <p:blipFill>
+          <a:blip r:embed="rId3"/>
+          <a:srcRect/>
+          <a:stretch>
+            <a:fillRect/>
+          </a:stretch>
+        </p:blipFill>
+        <p:spPr bwMode="auto">
+          <a:xfrm>
+            <a:off x="381000" y="3810000"/>
+            <a:ext cx="8458200" cy="723900"/>
+          </a:xfrm>
+          <a:prstGeom prst="rect">
+            <a:avLst/>
+          </a:prstGeom>
+          <a:noFill/>
+          <a:ln w="9525">
+            <a:noFill/>
+            <a:miter lim="800000"/>
+            <a:headEnd/>
+            <a:tailEnd/>
+          </a:ln>
+          <a:effectLst/>
+        </p:spPr>
+      </p:pic>
+    </p:spTree>
+  </p:cSld>
+  <p:clrMapOvr>
+    <a:masterClrMapping/>
+  </p:clrMapOvr>
+</p:sld>
+</file>
+
+<file path=ppt/slides/slide15.xml><?xml version="1.0" encoding="utf-8"?>
+<p:sld xmlns:a="http://schemas.openxmlformats.org/drawingml/2006/main" xmlns:r="http://schemas.openxmlformats.org/officeDocument/2006/relationships" xmlns:p="http://schemas.openxmlformats.org/presentationml/2006/main">
+  <p:cSld>
+    <p:spTree>
+      <p:nvGrpSpPr>
+        <p:cNvPr id="1" name=""/>
+        <p:cNvGrpSpPr/>
+        <p:nvPr/>
+      </p:nvGrpSpPr>
+      <p:grpSpPr>
+        <a:xfrm>
+          <a:off x="0" y="0"/>
+          <a:ext cx="0" cy="0"/>
+          <a:chOff x="0" y="0"/>
+          <a:chExt cx="0" cy="0"/>
+        </a:xfrm>
+      </p:grpSpPr>
+      <p:sp>
+        <p:nvSpPr>
+          <p:cNvPr id="2" name="Rectangle 1"/>
+          <p:cNvSpPr/>
+          <p:nvPr/>
+        </p:nvSpPr>
+        <p:spPr>
+          <a:xfrm>
+            <a:off x="457200" y="533400"/>
+            <a:ext cx="6858000" cy="1692771"/>
+          </a:xfrm>
+          <a:prstGeom prst="rect">
+            <a:avLst/>
+          </a:prstGeom>
+        </p:spPr>
+        <p:txBody>
+          <a:bodyPr wrap="square">
+            <a:spAutoFit/>
+          </a:bodyPr>
+          <a:lstStyle/>
+          <a:p>
+            <a:r>
+              <a:rPr lang="en-US" sz="3200" b="1" dirty="0"/>
+              <a:t>Python Indentation</a:t>
+            </a:r>
+          </a:p>
+          <a:p>
+            <a:r>
+              <a:rPr lang="en-US" dirty="0"/>
+              <a:t>Indentation refers to the spaces at the beginning of a code line.</a:t>
+            </a:r>
+          </a:p>
+          <a:p>
+            <a:r>
+              <a:rPr lang="en-US" dirty="0"/>
+              <a:t>Where in other programming languages the indentation in code is for readability only, the indentation in Python is very important.</a:t>
+            </a:r>
+          </a:p>
+          <a:p>
+            <a:r>
+              <a:rPr lang="en-US" dirty="0"/>
+              <a:t>Python uses indentation to indicate a block of code</a:t>
+            </a:r>
+          </a:p>
+        </p:txBody>
+      </p:sp>
+      <p:pic>
+        <p:nvPicPr>
+          <p:cNvPr id="48130" name="Picture 2"/>
+          <p:cNvPicPr>
+            <a:picLocks noChangeAspect="1" noChangeArrowheads="1"/>
+          </p:cNvPicPr>
+          <p:nvPr/>
+        </p:nvPicPr>
+        <p:blipFill>
+          <a:blip r:embed="rId2"/>
+          <a:srcRect/>
+          <a:stretch>
+            <a:fillRect/>
+          </a:stretch>
+        </p:blipFill>
+        <p:spPr bwMode="auto">
+          <a:xfrm>
+            <a:off x="304800" y="2438400"/>
+            <a:ext cx="7543800" cy="1438275"/>
+          </a:xfrm>
+          <a:prstGeom prst="rect">
+            <a:avLst/>
+          </a:prstGeom>
+          <a:noFill/>
+          <a:ln w="9525">
+            <a:noFill/>
+            <a:miter lim="800000"/>
+            <a:headEnd/>
+            <a:tailEnd/>
+          </a:ln>
+          <a:effectLst/>
+        </p:spPr>
+      </p:pic>
+      <p:sp>
+        <p:nvSpPr>
+          <p:cNvPr id="4" name="Rectangle 3"/>
+          <p:cNvSpPr/>
+          <p:nvPr/>
+        </p:nvSpPr>
+        <p:spPr>
+          <a:xfrm>
+            <a:off x="304800" y="4114800"/>
+            <a:ext cx="6019800" cy="369332"/>
+          </a:xfrm>
+          <a:prstGeom prst="rect">
+            <a:avLst/>
+          </a:prstGeom>
+        </p:spPr>
+        <p:txBody>
+          <a:bodyPr wrap="square">
+            <a:spAutoFit/>
+          </a:bodyPr>
+          <a:lstStyle/>
+          <a:p>
+            <a:r>
+              <a:rPr lang="en-US" dirty="0"/>
+              <a:t>Python will give you an error if you skip the indentation:</a:t>
+            </a:r>
+          </a:p>
+        </p:txBody>
+      </p:sp>
+      <p:pic>
+        <p:nvPicPr>
+          <p:cNvPr id="48131" name="Picture 3"/>
+          <p:cNvPicPr>
+            <a:picLocks noChangeAspect="1" noChangeArrowheads="1"/>
+          </p:cNvPicPr>
+          <p:nvPr/>
+        </p:nvPicPr>
+        <p:blipFill>
+          <a:blip r:embed="rId3"/>
+          <a:srcRect/>
+          <a:stretch>
+            <a:fillRect/>
+          </a:stretch>
+        </p:blipFill>
+        <p:spPr bwMode="auto">
+          <a:xfrm>
+            <a:off x="304800" y="4648200"/>
+            <a:ext cx="8416925" cy="1905000"/>
+          </a:xfrm>
+          <a:prstGeom prst="rect">
+            <a:avLst/>
+          </a:prstGeom>
+          <a:noFill/>
+          <a:ln w="9525">
+            <a:noFill/>
+            <a:miter lim="800000"/>
+            <a:headEnd/>
+            <a:tailEnd/>
+          </a:ln>
+          <a:effectLst/>
+        </p:spPr>
+      </p:pic>
+    </p:spTree>
+  </p:cSld>
+  <p:clrMapOvr>
+    <a:masterClrMapping/>
+  </p:clrMapOvr>
+</p:sld>
+</file>
+
+<file path=ppt/slides/slide16.xml><?xml version="1.0" encoding="utf-8"?>
+<p:sld xmlns:a="http://schemas.openxmlformats.org/drawingml/2006/main" xmlns:r="http://schemas.openxmlformats.org/officeDocument/2006/relationships" xmlns:p="http://schemas.openxmlformats.org/presentationml/2006/main">
+  <p:cSld>
+    <p:spTree>
+      <p:nvGrpSpPr>
+        <p:cNvPr id="1" name=""/>
+        <p:cNvGrpSpPr/>
+        <p:nvPr/>
+      </p:nvGrpSpPr>
+      <p:grpSpPr>
+        <a:xfrm>
+          <a:off x="0" y="0"/>
+          <a:ext cx="0" cy="0"/>
+          <a:chOff x="0" y="0"/>
+          <a:chExt cx="0" cy="0"/>
+        </a:xfrm>
+      </p:grpSpPr>
+      <p:sp>
+        <p:nvSpPr>
+          <p:cNvPr id="2" name="Rectangle 1"/>
+          <p:cNvSpPr/>
+          <p:nvPr/>
+        </p:nvSpPr>
+        <p:spPr>
+          <a:xfrm>
+            <a:off x="457200" y="381000"/>
+            <a:ext cx="7543800" cy="1354217"/>
+          </a:xfrm>
+          <a:prstGeom prst="rect">
+            <a:avLst/>
+          </a:prstGeom>
+        </p:spPr>
+        <p:txBody>
+          <a:bodyPr wrap="square">
+            <a:spAutoFit/>
+          </a:bodyPr>
+          <a:lstStyle/>
+          <a:p>
+            <a:r>
+              <a:rPr lang="en-US" sz="2800" b="1" dirty="0"/>
+              <a:t>Comments</a:t>
+            </a:r>
+          </a:p>
+          <a:p>
+            <a:r>
+              <a:rPr lang="en-US" dirty="0"/>
+              <a:t>Python has commenting capability for the purpose of in-code documentation.</a:t>
+            </a:r>
+          </a:p>
+          <a:p>
+            <a:r>
+              <a:rPr lang="en-US" dirty="0"/>
+              <a:t>Comments start with a ‘#’ , and Python will render the rest of the line as a comment:</a:t>
+            </a:r>
+          </a:p>
+        </p:txBody>
+      </p:sp>
+      <p:pic>
+        <p:nvPicPr>
+          <p:cNvPr id="50178" name="Picture 2"/>
+          <p:cNvPicPr>
+            <a:picLocks noChangeAspect="1" noChangeArrowheads="1"/>
+          </p:cNvPicPr>
+          <p:nvPr/>
+        </p:nvPicPr>
+        <p:blipFill>
+          <a:blip r:embed="rId2"/>
+          <a:srcRect/>
+          <a:stretch>
+            <a:fillRect/>
+          </a:stretch>
+        </p:blipFill>
+        <p:spPr bwMode="auto">
+          <a:xfrm>
+            <a:off x="533400" y="3200400"/>
+            <a:ext cx="7907338" cy="1857375"/>
+          </a:xfrm>
+          <a:prstGeom prst="rect">
+            <a:avLst/>
+          </a:prstGeom>
+          <a:noFill/>
+          <a:ln w="9525">
+            <a:noFill/>
+            <a:miter lim="800000"/>
+            <a:headEnd/>
+            <a:tailEnd/>
+          </a:ln>
+          <a:effectLst/>
+        </p:spPr>
+      </p:pic>
+      <p:sp>
+        <p:nvSpPr>
+          <p:cNvPr id="4" name="Rectangle 3"/>
+          <p:cNvSpPr/>
+          <p:nvPr/>
+        </p:nvSpPr>
+        <p:spPr>
+          <a:xfrm>
+            <a:off x="381000" y="2057400"/>
+            <a:ext cx="6705600" cy="923330"/>
+          </a:xfrm>
+          <a:prstGeom prst="rect">
+            <a:avLst/>
+          </a:prstGeom>
+        </p:spPr>
+        <p:txBody>
+          <a:bodyPr wrap="square">
+            <a:spAutoFit/>
+          </a:bodyPr>
+          <a:lstStyle/>
+          <a:p>
+            <a:pPr>
+              <a:buFont typeface="Arial" pitchFamily="34" charset="0"/>
+              <a:buChar char="•"/>
+            </a:pPr>
+            <a:r>
+              <a:rPr lang="en-US" dirty="0"/>
+              <a:t> Comments can be used to explain Python code.</a:t>
+            </a:r>
+          </a:p>
+          <a:p>
+            <a:pPr>
+              <a:buFont typeface="Arial" pitchFamily="34" charset="0"/>
+              <a:buChar char="•"/>
+            </a:pPr>
+            <a:r>
+              <a:rPr lang="en-US" dirty="0"/>
+              <a:t> Comments can be used to make the code more readable.</a:t>
+            </a:r>
+          </a:p>
+          <a:p>
+            <a:pPr>
+              <a:buFont typeface="Arial" pitchFamily="34" charset="0"/>
+              <a:buChar char="•"/>
+            </a:pPr>
+            <a:r>
+              <a:rPr lang="en-US" dirty="0"/>
+              <a:t>Comments can be used to prevent execution when testing code.</a:t>
+            </a:r>
+          </a:p>
+        </p:txBody>
+      </p:sp>
+      <p:sp>
+        <p:nvSpPr>
+          <p:cNvPr id="5" name="Rectangle 4"/>
+          <p:cNvSpPr/>
+          <p:nvPr/>
+        </p:nvSpPr>
+        <p:spPr>
+          <a:xfrm>
+            <a:off x="609600" y="5334000"/>
+            <a:ext cx="6781800" cy="646331"/>
+          </a:xfrm>
+          <a:prstGeom prst="rect">
+            <a:avLst/>
+          </a:prstGeom>
+        </p:spPr>
+        <p:txBody>
+          <a:bodyPr wrap="square">
+            <a:spAutoFit/>
+          </a:bodyPr>
+          <a:lstStyle/>
+          <a:p>
+            <a:r>
+              <a:rPr lang="en-US" dirty="0"/>
+              <a:t>Comments can be placed at the end of a line, and Python will ignore the rest of the line:</a:t>
+            </a:r>
+          </a:p>
+        </p:txBody>
+      </p:sp>
+    </p:spTree>
+  </p:cSld>
+  <p:clrMapOvr>
+    <a:masterClrMapping/>
+  </p:clrMapOvr>
+</p:sld>
+</file>
+
+<file path=ppt/slides/slide17.xml><?xml version="1.0" encoding="utf-8"?>
+<p:sld xmlns:a="http://schemas.openxmlformats.org/drawingml/2006/main" xmlns:r="http://schemas.openxmlformats.org/officeDocument/2006/relationships" xmlns:p="http://schemas.openxmlformats.org/presentationml/2006/main">
+  <p:cSld>
+    <p:spTree>
+      <p:nvGrpSpPr>
+        <p:cNvPr id="1" name=""/>
+        <p:cNvGrpSpPr/>
+        <p:nvPr/>
+      </p:nvGrpSpPr>
+      <p:grpSpPr>
+        <a:xfrm>
+          <a:off x="0" y="0"/>
+          <a:ext cx="0" cy="0"/>
+          <a:chOff x="0" y="0"/>
+          <a:chExt cx="0" cy="0"/>
+        </a:xfrm>
+      </p:grpSpPr>
+      <p:sp>
+        <p:nvSpPr>
+          <p:cNvPr id="3" name="TextBox 2"/>
+          <p:cNvSpPr txBox="1"/>
+          <p:nvPr/>
+        </p:nvSpPr>
+        <p:spPr>
+          <a:xfrm>
+            <a:off x="838200" y="762000"/>
+            <a:ext cx="2858218" cy="769441"/>
+          </a:xfrm>
+          <a:prstGeom prst="rect">
+            <a:avLst/>
+          </a:prstGeom>
+          <a:noFill/>
+        </p:spPr>
+        <p:txBody>
+          <a:bodyPr wrap="none" rtlCol="0">
+            <a:spAutoFit/>
+          </a:bodyPr>
+          <a:lstStyle/>
+          <a:p>
+            <a:r>
+              <a:rPr lang="en-US" sz="4400" b="1" u="sng" dirty="0"/>
+              <a:t>VARIABLES </a:t>
+            </a:r>
+          </a:p>
+        </p:txBody>
+      </p:sp>
+      <p:sp>
+        <p:nvSpPr>
+          <p:cNvPr id="4" name="Rectangle 3"/>
+          <p:cNvSpPr/>
+          <p:nvPr/>
+        </p:nvSpPr>
+        <p:spPr>
+          <a:xfrm>
+            <a:off x="838200" y="1676400"/>
+            <a:ext cx="5943600" cy="369332"/>
+          </a:xfrm>
+          <a:prstGeom prst="rect">
+            <a:avLst/>
+          </a:prstGeom>
+        </p:spPr>
+        <p:txBody>
+          <a:bodyPr wrap="square">
+            <a:spAutoFit/>
+          </a:bodyPr>
+          <a:lstStyle/>
+          <a:p>
+            <a:r>
+              <a:rPr lang="en-US" dirty="0"/>
+              <a:t>Variables are containers for storing data values.</a:t>
+            </a:r>
+          </a:p>
+        </p:txBody>
+      </p:sp>
+      <p:sp>
+        <p:nvSpPr>
+          <p:cNvPr id="5" name="Rectangle 4"/>
+          <p:cNvSpPr/>
+          <p:nvPr/>
+        </p:nvSpPr>
+        <p:spPr>
+          <a:xfrm>
+            <a:off x="762000" y="2133600"/>
+            <a:ext cx="6934200" cy="923330"/>
+          </a:xfrm>
+          <a:prstGeom prst="rect">
+            <a:avLst/>
+          </a:prstGeom>
+        </p:spPr>
+        <p:txBody>
+          <a:bodyPr wrap="square">
+            <a:spAutoFit/>
+          </a:bodyPr>
+          <a:lstStyle/>
+          <a:p>
+            <a:pPr>
+              <a:buFont typeface="Arial" pitchFamily="34" charset="0"/>
+              <a:buChar char="•"/>
+            </a:pPr>
+            <a:r>
+              <a:rPr lang="en-US" b="1" u="sng" dirty="0"/>
+              <a:t> Creating Variables</a:t>
+            </a:r>
+          </a:p>
+          <a:p>
+            <a:r>
+              <a:rPr lang="en-US" dirty="0"/>
+              <a:t>Python has no command for declaring a variable.</a:t>
+            </a:r>
+          </a:p>
+          <a:p>
+            <a:r>
+              <a:rPr lang="en-US" dirty="0"/>
+              <a:t>A variable is created the moment you first assign a value to it.</a:t>
+            </a:r>
+          </a:p>
+        </p:txBody>
+      </p:sp>
+      <p:pic>
+        <p:nvPicPr>
+          <p:cNvPr id="51202" name="Picture 2"/>
+          <p:cNvPicPr>
+            <a:picLocks noChangeAspect="1" noChangeArrowheads="1"/>
+          </p:cNvPicPr>
+          <p:nvPr/>
+        </p:nvPicPr>
+        <p:blipFill>
+          <a:blip r:embed="rId2"/>
+          <a:srcRect/>
+          <a:stretch>
+            <a:fillRect/>
+          </a:stretch>
+        </p:blipFill>
+        <p:spPr bwMode="auto">
+          <a:xfrm>
+            <a:off x="685800" y="3200400"/>
+            <a:ext cx="8264525" cy="1635125"/>
+          </a:xfrm>
+          <a:prstGeom prst="rect">
+            <a:avLst/>
+          </a:prstGeom>
+          <a:noFill/>
+          <a:ln w="9525">
+            <a:noFill/>
+            <a:miter lim="800000"/>
+            <a:headEnd/>
+            <a:tailEnd/>
+          </a:ln>
+          <a:effectLst/>
+        </p:spPr>
+      </p:pic>
+    </p:spTree>
+  </p:cSld>
+  <p:clrMapOvr>
+    <a:masterClrMapping/>
+  </p:clrMapOvr>
+</p:sld>
+</file>
+
+<file path=ppt/slides/slide18.xml><?xml version="1.0" encoding="utf-8"?>
+<p:sld xmlns:a="http://schemas.openxmlformats.org/drawingml/2006/main" xmlns:r="http://schemas.openxmlformats.org/officeDocument/2006/relationships" xmlns:p="http://schemas.openxmlformats.org/presentationml/2006/main">
+  <p:cSld>
+    <p:spTree>
+      <p:nvGrpSpPr>
+        <p:cNvPr id="1" name=""/>
+        <p:cNvGrpSpPr/>
+        <p:nvPr/>
+      </p:nvGrpSpPr>
+      <p:grpSpPr>
+        <a:xfrm>
+          <a:off x="0" y="0"/>
+          <a:ext cx="0" cy="0"/>
+          <a:chOff x="0" y="0"/>
+          <a:chExt cx="0" cy="0"/>
+        </a:xfrm>
+      </p:grpSpPr>
+      <p:sp>
+        <p:nvSpPr>
+          <p:cNvPr id="2" name="Rectangle 1"/>
+          <p:cNvSpPr/>
+          <p:nvPr/>
+        </p:nvSpPr>
+        <p:spPr>
+          <a:xfrm>
+            <a:off x="685800" y="457200"/>
+            <a:ext cx="7239000" cy="6401753"/>
+          </a:xfrm>
+          <a:prstGeom prst="rect">
+            <a:avLst/>
+          </a:prstGeom>
+        </p:spPr>
+        <p:txBody>
+          <a:bodyPr wrap="square">
+            <a:spAutoFit/>
+          </a:bodyPr>
+          <a:lstStyle/>
+          <a:p>
+            <a:r>
+              <a:rPr lang="en-US" sz="2800" b="1" u="sng" dirty="0">
+                <a:latin typeface="Arial" pitchFamily="34" charset="0"/>
+                <a:cs typeface="Arial" pitchFamily="34" charset="0"/>
+              </a:rPr>
+              <a:t>Variable Names</a:t>
+            </a:r>
+          </a:p>
+          <a:p>
+            <a:endParaRPr lang="en-US" dirty="0"/>
+          </a:p>
+          <a:p>
+            <a:pPr>
+              <a:buFont typeface="Arial" pitchFamily="34" charset="0"/>
+              <a:buChar char="•"/>
+            </a:pPr>
+            <a:r>
+              <a:rPr lang="en-US" sz="2800" dirty="0"/>
+              <a:t> A variable can have a short name (like x and y) or a more descriptive name (age, carname, total_volume). </a:t>
+            </a:r>
+          </a:p>
+          <a:p>
+            <a:r>
+              <a:rPr lang="en-US" sz="2800" b="1" dirty="0"/>
+              <a:t>Rules for Python variables </a:t>
+            </a:r>
+            <a:r>
+              <a:rPr lang="en-US" sz="2800" dirty="0"/>
+              <a:t>: </a:t>
+            </a:r>
+          </a:p>
+          <a:p>
+            <a:pPr>
+              <a:buFont typeface="Arial" pitchFamily="34" charset="0"/>
+              <a:buChar char="•"/>
+            </a:pPr>
+            <a:r>
+              <a:rPr lang="en-US" sz="2800" dirty="0"/>
+              <a:t>A variable name must start with a letter or the underscore</a:t>
+            </a:r>
+          </a:p>
+          <a:p>
+            <a:r>
+              <a:rPr lang="en-US" sz="2800" dirty="0"/>
+              <a:t>  ( _ ) character.</a:t>
+            </a:r>
+          </a:p>
+          <a:p>
+            <a:pPr>
+              <a:buFont typeface="Arial" pitchFamily="34" charset="0"/>
+              <a:buChar char="•"/>
+            </a:pPr>
+            <a:r>
+              <a:rPr lang="en-US" sz="2800" dirty="0"/>
+              <a:t> A variable name cannot start with a number.</a:t>
+            </a:r>
+          </a:p>
+          <a:p>
+            <a:pPr>
+              <a:buFont typeface="Arial" pitchFamily="34" charset="0"/>
+              <a:buChar char="•"/>
+            </a:pPr>
+            <a:r>
+              <a:rPr lang="en-US" sz="2800" dirty="0"/>
+              <a:t> A variable name can only contain alpha-numeric characters and underscores (A-z, 0-9, and _ )</a:t>
+            </a:r>
+          </a:p>
+          <a:p>
+            <a:pPr>
+              <a:buFont typeface="Arial" pitchFamily="34" charset="0"/>
+              <a:buChar char="•"/>
+            </a:pPr>
+            <a:r>
+              <a:rPr lang="en-US" sz="2800" dirty="0"/>
+              <a:t> Variable names are case-sensitive (age, Age and AGE are three different variables)</a:t>
+            </a:r>
+          </a:p>
+        </p:txBody>
+      </p:sp>
+    </p:spTree>
+  </p:cSld>
+  <p:clrMapOvr>
+    <a:masterClrMapping/>
+  </p:clrMapOvr>
+</p:sld>
+</file>
+
+<file path=ppt/slides/slide19.xml><?xml version="1.0" encoding="utf-8"?>
+<p:sld xmlns:a="http://schemas.openxmlformats.org/drawingml/2006/main" xmlns:r="http://schemas.openxmlformats.org/officeDocument/2006/relationships" xmlns:p="http://schemas.openxmlformats.org/presentationml/2006/main">
+  <p:cSld>
+    <p:spTree>
+      <p:nvGrpSpPr>
+        <p:cNvPr id="1" name=""/>
+        <p:cNvGrpSpPr/>
+        <p:nvPr/>
+      </p:nvGrpSpPr>
+      <p:grpSpPr>
+        <a:xfrm>
+          <a:off x="0" y="0"/>
+          <a:ext cx="0" cy="0"/>
+          <a:chOff x="0" y="0"/>
+          <a:chExt cx="0" cy="0"/>
+        </a:xfrm>
+      </p:grpSpPr>
+      <p:sp>
+        <p:nvSpPr>
+          <p:cNvPr id="2" name="Rectangle 1"/>
+          <p:cNvSpPr/>
+          <p:nvPr/>
+        </p:nvSpPr>
+        <p:spPr>
+          <a:xfrm>
+            <a:off x="685800" y="457200"/>
+            <a:ext cx="7208833" cy="584775"/>
+          </a:xfrm>
+          <a:prstGeom prst="rect">
+            <a:avLst/>
+          </a:prstGeom>
+        </p:spPr>
+        <p:txBody>
+          <a:bodyPr wrap="none">
+            <a:spAutoFit/>
+          </a:bodyPr>
+          <a:lstStyle/>
+          <a:p>
+            <a:r>
+              <a:rPr lang="fr-FR" sz="3200" b="1" u="sng" dirty="0"/>
+              <a:t>Python Variables - </a:t>
+            </a:r>
+            <a:r>
+              <a:rPr lang="fr-FR" sz="3200" b="1" u="sng" dirty="0" err="1"/>
+              <a:t>Assign</a:t>
+            </a:r>
+            <a:r>
+              <a:rPr lang="fr-FR" sz="3200" b="1" u="sng" dirty="0"/>
+              <a:t> Multiple Values</a:t>
+            </a:r>
+          </a:p>
+        </p:txBody>
+      </p:sp>
+      <p:sp>
+        <p:nvSpPr>
+          <p:cNvPr id="3" name="Rectangle 2"/>
+          <p:cNvSpPr/>
+          <p:nvPr/>
+        </p:nvSpPr>
+        <p:spPr>
+          <a:xfrm>
+            <a:off x="762000" y="1066800"/>
+            <a:ext cx="7696200" cy="1261884"/>
+          </a:xfrm>
+          <a:prstGeom prst="rect">
+            <a:avLst/>
+          </a:prstGeom>
+        </p:spPr>
+        <p:txBody>
+          <a:bodyPr wrap="square">
+            <a:spAutoFit/>
+          </a:bodyPr>
+          <a:lstStyle/>
+          <a:p>
+            <a:pPr>
+              <a:buFont typeface="Wingdings" pitchFamily="2" charset="2"/>
+              <a:buChar char="Ø"/>
+            </a:pPr>
+            <a:r>
+              <a:rPr lang="en-US" sz="2800" dirty="0">
+                <a:latin typeface="Arial" pitchFamily="34" charset="0"/>
+                <a:cs typeface="Arial" pitchFamily="34" charset="0"/>
+              </a:rPr>
+              <a:t> Many Values to Multiple Variables</a:t>
+            </a:r>
+          </a:p>
+          <a:p>
+            <a:r>
+              <a:rPr lang="en-US" sz="2400" dirty="0">
+                <a:latin typeface="Arial" pitchFamily="34" charset="0"/>
+                <a:cs typeface="Arial" pitchFamily="34" charset="0"/>
+              </a:rPr>
+              <a:t>Python allows you to assign values to multiple variables in one line:</a:t>
+            </a:r>
+          </a:p>
+        </p:txBody>
+      </p:sp>
+      <p:pic>
+        <p:nvPicPr>
+          <p:cNvPr id="59394" name="Picture 2"/>
+          <p:cNvPicPr>
+            <a:picLocks noChangeAspect="1" noChangeArrowheads="1"/>
+          </p:cNvPicPr>
+          <p:nvPr/>
+        </p:nvPicPr>
+        <p:blipFill>
+          <a:blip r:embed="rId2"/>
+          <a:srcRect/>
+          <a:stretch>
+            <a:fillRect/>
+          </a:stretch>
+        </p:blipFill>
+        <p:spPr bwMode="auto">
+          <a:xfrm>
+            <a:off x="460375" y="2438400"/>
+            <a:ext cx="8226425" cy="2047875"/>
+          </a:xfrm>
+          <a:prstGeom prst="rect">
+            <a:avLst/>
+          </a:prstGeom>
+          <a:noFill/>
+          <a:ln w="9525">
+            <a:noFill/>
+            <a:miter lim="800000"/>
+            <a:headEnd/>
+            <a:tailEnd/>
+          </a:ln>
+          <a:effectLst/>
+        </p:spPr>
+      </p:pic>
+      <p:sp>
+        <p:nvSpPr>
+          <p:cNvPr id="5" name="Rectangle 4"/>
+          <p:cNvSpPr/>
+          <p:nvPr/>
+        </p:nvSpPr>
+        <p:spPr>
+          <a:xfrm>
+            <a:off x="457200" y="4953000"/>
+            <a:ext cx="7848600" cy="830997"/>
+          </a:xfrm>
+          <a:prstGeom prst="rect">
+            <a:avLst/>
+          </a:prstGeom>
+        </p:spPr>
+        <p:txBody>
+          <a:bodyPr wrap="square">
+            <a:spAutoFit/>
+          </a:bodyPr>
+          <a:lstStyle/>
+          <a:p>
+            <a:r>
+              <a:rPr lang="en-US" sz="2400" b="1" dirty="0">
+                <a:latin typeface="Arial" pitchFamily="34" charset="0"/>
+                <a:cs typeface="Arial" pitchFamily="34" charset="0"/>
+              </a:rPr>
+              <a:t>Note:</a:t>
+            </a:r>
+            <a:r>
+              <a:rPr lang="en-US" sz="2400" dirty="0">
+                <a:latin typeface="Arial" pitchFamily="34" charset="0"/>
+                <a:cs typeface="Arial" pitchFamily="34" charset="0"/>
+              </a:rPr>
+              <a:t> Make sure the number of variables matches the number of values, or else you will get an error.</a:t>
+            </a:r>
+          </a:p>
+        </p:txBody>
+      </p:sp>
+    </p:spTree>
+  </p:cSld>
+  <p:clrMapOvr>
+    <a:masterClrMapping/>
+  </p:clrMapOvr>
+</p:sld>
+</file>
+
+<file path=ppt/slides/slide2.xml><?xml version="1.0" encoding="utf-8"?>
+<p:sld xmlns:a="http://schemas.openxmlformats.org/drawingml/2006/main" xmlns:r="http://schemas.openxmlformats.org/officeDocument/2006/relationships" xmlns:p="http://schemas.openxmlformats.org/presentationml/2006/main">
+  <p:cSld>
+    <p:spTree>
+      <p:nvGrpSpPr>
+        <p:cNvPr id="1" name=""/>
+        <p:cNvGrpSpPr/>
+        <p:nvPr/>
+      </p:nvGrpSpPr>
+      <p:grpSpPr>
+        <a:xfrm>
+          <a:off x="0" y="0"/>
+          <a:ext cx="0" cy="0"/>
+          <a:chOff x="0" y="0"/>
+          <a:chExt cx="0" cy="0"/>
+        </a:xfrm>
+      </p:grpSpPr>
+      <p:sp>
+        <p:nvSpPr>
+          <p:cNvPr id="2" name="Title 1">
+            <a:extLst>
+              <a:ext uri="{FF2B5EF4-FFF2-40B4-BE49-F238E27FC236}">
+                <a16:creationId xmlns:a16="http://schemas.microsoft.com/office/drawing/2014/main" id="{596BCA5B-5FD7-C381-E8F6-9DF4DF176B8A}"/>
+              </a:ext>
+            </a:extLst>
+          </p:cNvPr>
+          <p:cNvSpPr>
+            <a:spLocks noGrp="1"/>
+          </p:cNvSpPr>
+          <p:nvPr>
+            <p:ph type="ctrTitle"/>
+          </p:nvPr>
+        </p:nvSpPr>
+        <p:spPr>
+          <a:xfrm>
+            <a:off x="685800" y="0"/>
+            <a:ext cx="7772400" cy="1470025"/>
+          </a:xfrm>
+        </p:spPr>
+        <p:txBody>
+          <a:bodyPr/>
+          <a:lstStyle/>
+          <a:p>
+            <a:r>
+              <a:rPr lang="en-US" dirty="0"/>
+              <a:t>Welcome To </a:t>
+            </a:r>
+            <a:r>
+              <a:rPr lang="en-US" dirty="0" err="1"/>
+              <a:t>JnanaMarga</a:t>
+            </a:r>
+            <a:r>
+              <a:rPr lang="en-US" dirty="0"/>
+              <a:t> Internship Program</a:t>
+            </a:r>
+          </a:p>
+        </p:txBody>
+      </p:sp>
+      <p:sp>
+        <p:nvSpPr>
+          <p:cNvPr id="3" name="Subtitle 2">
+            <a:extLst>
+              <a:ext uri="{FF2B5EF4-FFF2-40B4-BE49-F238E27FC236}">
+                <a16:creationId xmlns:a16="http://schemas.microsoft.com/office/drawing/2014/main" id="{BF943D4F-7B6C-9601-0703-67909501C7FD}"/>
+              </a:ext>
+            </a:extLst>
+          </p:cNvPr>
+          <p:cNvSpPr>
+            <a:spLocks noGrp="1"/>
+          </p:cNvSpPr>
+          <p:nvPr>
+            <p:ph type="subTitle" idx="1"/>
+          </p:nvPr>
+        </p:nvSpPr>
+        <p:spPr>
+          <a:xfrm>
+            <a:off x="1066800" y="1752600"/>
+            <a:ext cx="7315200" cy="762000"/>
+          </a:xfrm>
+        </p:spPr>
+        <p:txBody>
+          <a:bodyPr/>
+          <a:lstStyle/>
+          <a:p>
+            <a:r>
+              <a:rPr lang="en-US" dirty="0"/>
+              <a:t>Few Things to keep in mind</a:t>
+            </a:r>
+          </a:p>
+          <a:p>
+            <a:endParaRPr lang="en-US" dirty="0"/>
+          </a:p>
+          <a:p>
+            <a:endParaRPr lang="en-US" dirty="0"/>
+          </a:p>
+        </p:txBody>
+      </p:sp>
+      <p:sp>
+        <p:nvSpPr>
+          <p:cNvPr id="4" name="TextBox 3">
+            <a:extLst>
+              <a:ext uri="{FF2B5EF4-FFF2-40B4-BE49-F238E27FC236}">
+                <a16:creationId xmlns:a16="http://schemas.microsoft.com/office/drawing/2014/main" id="{BAA3DF3B-DE86-CB0F-CE9E-0414E600930A}"/>
+              </a:ext>
+            </a:extLst>
+          </p:cNvPr>
+          <p:cNvSpPr txBox="1"/>
+          <p:nvPr/>
+        </p:nvSpPr>
+        <p:spPr>
+          <a:xfrm>
+            <a:off x="685800" y="2971800"/>
+            <a:ext cx="8229600" cy="2246769"/>
+          </a:xfrm>
+          <a:prstGeom prst="rect">
+            <a:avLst/>
+          </a:prstGeom>
+          <a:noFill/>
+        </p:spPr>
+        <p:txBody>
+          <a:bodyPr wrap="square" rtlCol="0">
+            <a:spAutoFit/>
+          </a:bodyPr>
+          <a:lstStyle/>
+          <a:p>
+            <a:pPr marL="457200" indent="-457200">
+              <a:buFont typeface="Arial" panose="020B0604020202020204" pitchFamily="34" charset="0"/>
+              <a:buChar char="•"/>
+            </a:pPr>
+            <a:r>
+              <a:rPr lang="en-US" sz="2800" dirty="0"/>
+              <a:t>Have a Learning attitude</a:t>
+            </a:r>
+          </a:p>
+          <a:p>
+            <a:pPr marL="457200" indent="-457200">
+              <a:buFont typeface="Arial" panose="020B0604020202020204" pitchFamily="34" charset="0"/>
+              <a:buChar char="•"/>
+            </a:pPr>
+            <a:r>
+              <a:rPr lang="en-US" sz="2800" dirty="0"/>
+              <a:t>Communicate your problems and difficulties</a:t>
+            </a:r>
+          </a:p>
+          <a:p>
+            <a:pPr marL="457200" indent="-457200">
+              <a:buFont typeface="Arial" panose="020B0604020202020204" pitchFamily="34" charset="0"/>
+              <a:buChar char="•"/>
+            </a:pPr>
+            <a:r>
+              <a:rPr lang="en-US" sz="2800" dirty="0"/>
+              <a:t>Help each other</a:t>
+            </a:r>
+          </a:p>
+          <a:p>
+            <a:pPr marL="457200" indent="-457200">
+              <a:buFont typeface="Arial" panose="020B0604020202020204" pitchFamily="34" charset="0"/>
+              <a:buChar char="•"/>
+            </a:pPr>
+            <a:r>
+              <a:rPr lang="en-US" sz="2800" dirty="0"/>
+              <a:t>While Learning something new do not use AI</a:t>
+            </a:r>
+          </a:p>
+          <a:p>
+            <a:pPr marL="457200" indent="-457200">
+              <a:buFont typeface="Arial" panose="020B0604020202020204" pitchFamily="34" charset="0"/>
+              <a:buChar char="•"/>
+            </a:pPr>
+            <a:r>
+              <a:rPr lang="en-US" sz="2800" dirty="0"/>
+              <a:t>Google is your best friend!!</a:t>
+            </a:r>
+          </a:p>
+        </p:txBody>
+      </p:sp>
+    </p:spTree>
+    <p:extLst>
+      <p:ext uri="{BB962C8B-B14F-4D97-AF65-F5344CB8AC3E}">
+        <p14:creationId xmlns:p14="http://schemas.microsoft.com/office/powerpoint/2010/main" val="3277010633"/>
+      </p:ext>
+    </p:extLst>
+  </p:cSld>
+  <p:clrMapOvr>
+    <a:masterClrMapping/>
+  </p:clrMapOvr>
+</p:sld>
+</file>
+
+<file path=ppt/slides/slide20.xml><?xml version="1.0" encoding="utf-8"?>
+<p:sld xmlns:a="http://schemas.openxmlformats.org/drawingml/2006/main" xmlns:r="http://schemas.openxmlformats.org/officeDocument/2006/relationships" xmlns:p="http://schemas.openxmlformats.org/presentationml/2006/main">
+  <p:cSld>
+    <p:spTree>
+      <p:nvGrpSpPr>
+        <p:cNvPr id="1" name=""/>
+        <p:cNvGrpSpPr/>
+        <p:nvPr/>
+      </p:nvGrpSpPr>
+      <p:grpSpPr>
+        <a:xfrm>
+          <a:off x="0" y="0"/>
+          <a:ext cx="0" cy="0"/>
+          <a:chOff x="0" y="0"/>
+          <a:chExt cx="0" cy="0"/>
+        </a:xfrm>
+      </p:grpSpPr>
+      <p:sp>
+        <p:nvSpPr>
+          <p:cNvPr id="5" name="Rectangle 4"/>
+          <p:cNvSpPr/>
+          <p:nvPr/>
+        </p:nvSpPr>
+        <p:spPr>
+          <a:xfrm>
+            <a:off x="1676400" y="381000"/>
+            <a:ext cx="4392533" cy="646331"/>
+          </a:xfrm>
+          <a:prstGeom prst="rect">
+            <a:avLst/>
+          </a:prstGeom>
+        </p:spPr>
+        <p:txBody>
+          <a:bodyPr wrap="square">
+            <a:spAutoFit/>
+          </a:bodyPr>
+          <a:lstStyle/>
+          <a:p>
+            <a:pPr algn="ctr"/>
+            <a:r>
+              <a:rPr lang="en-US" sz="3600" b="1" u="sng" dirty="0"/>
+              <a:t>Python Data Types</a:t>
+            </a:r>
+          </a:p>
+        </p:txBody>
+      </p:sp>
+      <p:sp>
+        <p:nvSpPr>
+          <p:cNvPr id="6" name="Rectangle 5"/>
+          <p:cNvSpPr/>
+          <p:nvPr/>
+        </p:nvSpPr>
+        <p:spPr>
+          <a:xfrm>
+            <a:off x="457200" y="1295400"/>
+            <a:ext cx="6858000" cy="2123658"/>
+          </a:xfrm>
+          <a:prstGeom prst="rect">
+            <a:avLst/>
+          </a:prstGeom>
+        </p:spPr>
+        <p:txBody>
+          <a:bodyPr wrap="square">
+            <a:spAutoFit/>
+          </a:bodyPr>
+          <a:lstStyle/>
+          <a:p>
+            <a:r>
+              <a:rPr lang="en-US" sz="2200" dirty="0"/>
+              <a:t>Built-in Data Types</a:t>
+            </a:r>
+          </a:p>
+          <a:p>
+            <a:r>
+              <a:rPr lang="en-US" sz="2200" dirty="0"/>
+              <a:t>In programming, data type is an important concept.</a:t>
+            </a:r>
+          </a:p>
+          <a:p>
+            <a:r>
+              <a:rPr lang="en-US" sz="2200" dirty="0"/>
+              <a:t>Variables can store data of different types, and different types can do different things.</a:t>
+            </a:r>
+          </a:p>
+          <a:p>
+            <a:r>
+              <a:rPr lang="en-US" sz="2200" dirty="0"/>
+              <a:t>Python has the following data types built-in by default, in these categories:</a:t>
+            </a:r>
+          </a:p>
+        </p:txBody>
+      </p:sp>
+      <p:pic>
+        <p:nvPicPr>
+          <p:cNvPr id="62468" name="Picture 4"/>
+          <p:cNvPicPr>
+            <a:picLocks noChangeAspect="1" noChangeArrowheads="1"/>
+          </p:cNvPicPr>
+          <p:nvPr/>
+        </p:nvPicPr>
+        <p:blipFill>
+          <a:blip r:embed="rId2"/>
+          <a:srcRect/>
+          <a:stretch>
+            <a:fillRect/>
+          </a:stretch>
+        </p:blipFill>
+        <p:spPr bwMode="auto">
+          <a:xfrm>
+            <a:off x="533400" y="3429000"/>
+            <a:ext cx="4881563" cy="2868024"/>
+          </a:xfrm>
+          <a:prstGeom prst="rect">
+            <a:avLst/>
+          </a:prstGeom>
+          <a:noFill/>
+          <a:ln w="9525">
+            <a:noFill/>
+            <a:miter lim="800000"/>
+            <a:headEnd/>
+            <a:tailEnd/>
+          </a:ln>
+          <a:effectLst/>
+        </p:spPr>
+      </p:pic>
+    </p:spTree>
+  </p:cSld>
+  <p:clrMapOvr>
+    <a:masterClrMapping/>
+  </p:clrMapOvr>
+</p:sld>
+</file>
+
+<file path=ppt/slides/slide21.xml><?xml version="1.0" encoding="utf-8"?>
+<p:sld xmlns:a="http://schemas.openxmlformats.org/drawingml/2006/main" xmlns:r="http://schemas.openxmlformats.org/officeDocument/2006/relationships" xmlns:p="http://schemas.openxmlformats.org/presentationml/2006/main">
+  <p:cSld>
+    <p:spTree>
+      <p:nvGrpSpPr>
+        <p:cNvPr id="1" name=""/>
+        <p:cNvGrpSpPr/>
+        <p:nvPr/>
+      </p:nvGrpSpPr>
+      <p:grpSpPr>
+        <a:xfrm>
+          <a:off x="0" y="0"/>
+          <a:ext cx="0" cy="0"/>
+          <a:chOff x="0" y="0"/>
+          <a:chExt cx="0" cy="0"/>
+        </a:xfrm>
+      </p:grpSpPr>
+      <p:sp>
+        <p:nvSpPr>
+          <p:cNvPr id="63489" name="Rectangle 1"/>
+          <p:cNvSpPr>
+            <a:spLocks noChangeArrowheads="1"/>
+          </p:cNvSpPr>
+          <p:nvPr/>
+        </p:nvSpPr>
+        <p:spPr bwMode="auto">
+          <a:xfrm>
+            <a:off x="1295400" y="0"/>
+            <a:ext cx="7848600" cy="533400"/>
+          </a:xfrm>
+          <a:prstGeom prst="rect">
+            <a:avLst/>
+          </a:prstGeom>
+          <a:solidFill>
+            <a:srgbClr val="FFFFFF"/>
+          </a:solidFill>
+          <a:ln w="9525">
+            <a:noFill/>
+            <a:miter lim="800000"/>
+            <a:headEnd/>
+            <a:tailEnd/>
+          </a:ln>
+          <a:effectLst/>
+        </p:spPr>
+        <p:txBody>
+          <a:bodyPr vert="horz" wrap="square" lIns="0" tIns="76176" rIns="0" bIns="76176" numCol="1" anchor="ctr" anchorCtr="0" compatLnSpc="1">
+            <a:prstTxWarp prst="textNoShape">
+              <a:avLst/>
+            </a:prstTxWarp>
+            <a:spAutoFit/>
+          </a:bodyPr>
+          <a:lstStyle/>
+          <a:p>
+            <a:pPr marL="0" marR="0" lvl="0" indent="0" algn="l" defTabSz="914400" rtl="0" eaLnBrk="1" fontAlgn="base" latinLnBrk="0" hangingPunct="1">
+              <a:lnSpc>
+                <a:spcPct val="100000"/>
+              </a:lnSpc>
+              <a:spcBef>
+                <a:spcPct val="0"/>
+              </a:spcBef>
+              <a:spcAft>
+                <a:spcPct val="0"/>
+              </a:spcAft>
+              <a:buClrTx/>
+              <a:buSzTx/>
+              <a:buFontTx/>
+              <a:buNone/>
+              <a:tabLst/>
+            </a:pPr>
+            <a:endParaRPr kumimoji="0" lang="en-US" sz="2400" b="0" i="0" u="none" strike="noStrike" cap="none" normalizeH="0" baseline="0" dirty="0">
+              <a:ln>
+                <a:noFill/>
+              </a:ln>
+              <a:solidFill>
+                <a:schemeClr val="tx1"/>
+              </a:solidFill>
+              <a:effectLst/>
+              <a:latin typeface="Arial" pitchFamily="34" charset="0"/>
+              <a:cs typeface="Arial" pitchFamily="34" charset="0"/>
+            </a:endParaRPr>
+          </a:p>
+        </p:txBody>
+      </p:sp>
+      <p:sp>
+        <p:nvSpPr>
+          <p:cNvPr id="3" name="Rectangle 2"/>
+          <p:cNvSpPr/>
+          <p:nvPr/>
+        </p:nvSpPr>
+        <p:spPr>
+          <a:xfrm>
+            <a:off x="228600" y="381000"/>
+            <a:ext cx="7620000" cy="861774"/>
+          </a:xfrm>
+          <a:prstGeom prst="rect">
+            <a:avLst/>
+          </a:prstGeom>
+        </p:spPr>
+        <p:txBody>
+          <a:bodyPr wrap="square">
+            <a:spAutoFit/>
+          </a:bodyPr>
+          <a:lstStyle/>
+          <a:p>
+            <a:pPr>
+              <a:buFont typeface="Wingdings" pitchFamily="2" charset="2"/>
+              <a:buChar char="Ø"/>
+            </a:pPr>
+            <a:r>
+              <a:rPr lang="en-US" sz="3200" b="1" u="sng" dirty="0"/>
+              <a:t> Setting the Data Type</a:t>
+            </a:r>
+          </a:p>
+          <a:p>
+            <a:r>
+              <a:rPr lang="en-US" dirty="0"/>
+              <a:t> In Python, the data type is set when you assign a value to a variable:</a:t>
+            </a:r>
+          </a:p>
+        </p:txBody>
+      </p:sp>
+      <p:pic>
+        <p:nvPicPr>
+          <p:cNvPr id="1026" name="Picture 2"/>
+          <p:cNvPicPr>
+            <a:picLocks noChangeAspect="1" noChangeArrowheads="1"/>
+          </p:cNvPicPr>
+          <p:nvPr/>
+        </p:nvPicPr>
+        <p:blipFill>
+          <a:blip r:embed="rId2"/>
+          <a:srcRect/>
+          <a:stretch>
+            <a:fillRect/>
+          </a:stretch>
+        </p:blipFill>
+        <p:spPr bwMode="auto">
+          <a:xfrm>
+            <a:off x="381000" y="1387476"/>
+            <a:ext cx="7007364" cy="5470524"/>
+          </a:xfrm>
+          <a:prstGeom prst="rect">
+            <a:avLst/>
+          </a:prstGeom>
+          <a:noFill/>
+          <a:ln w="9525">
+            <a:noFill/>
+            <a:miter lim="800000"/>
+            <a:headEnd/>
+            <a:tailEnd/>
+          </a:ln>
+          <a:effectLst/>
+        </p:spPr>
+      </p:pic>
+    </p:spTree>
+  </p:cSld>
+  <p:clrMapOvr>
+    <a:masterClrMapping/>
+  </p:clrMapOvr>
+</p:sld>
+</file>
+
+<file path=ppt/slides/slide22.xml><?xml version="1.0" encoding="utf-8"?>
+<p:sld xmlns:a="http://schemas.openxmlformats.org/drawingml/2006/main" xmlns:r="http://schemas.openxmlformats.org/officeDocument/2006/relationships" xmlns:p="http://schemas.openxmlformats.org/presentationml/2006/main">
+  <p:cSld>
+    <p:spTree>
+      <p:nvGrpSpPr>
+        <p:cNvPr id="1" name=""/>
+        <p:cNvGrpSpPr/>
+        <p:nvPr/>
+      </p:nvGrpSpPr>
+      <p:grpSpPr>
+        <a:xfrm>
+          <a:off x="0" y="0"/>
+          <a:ext cx="0" cy="0"/>
+          <a:chOff x="0" y="0"/>
+          <a:chExt cx="0" cy="0"/>
+        </a:xfrm>
+      </p:grpSpPr>
+      <p:sp>
+        <p:nvSpPr>
+          <p:cNvPr id="63489" name="Rectangle 1"/>
+          <p:cNvSpPr>
+            <a:spLocks noChangeArrowheads="1"/>
+          </p:cNvSpPr>
+          <p:nvPr/>
+        </p:nvSpPr>
+        <p:spPr bwMode="auto">
+          <a:xfrm>
+            <a:off x="1295400" y="0"/>
+            <a:ext cx="7848600" cy="533400"/>
+          </a:xfrm>
+          <a:prstGeom prst="rect">
+            <a:avLst/>
+          </a:prstGeom>
+          <a:solidFill>
+            <a:srgbClr val="FFFFFF"/>
+          </a:solidFill>
+          <a:ln w="9525">
+            <a:noFill/>
+            <a:miter lim="800000"/>
+            <a:headEnd/>
+            <a:tailEnd/>
+          </a:ln>
+          <a:effectLst/>
+        </p:spPr>
+        <p:txBody>
+          <a:bodyPr vert="horz" wrap="square" lIns="0" tIns="76176" rIns="0" bIns="76176" numCol="1" anchor="ctr" anchorCtr="0" compatLnSpc="1">
+            <a:prstTxWarp prst="textNoShape">
+              <a:avLst/>
+            </a:prstTxWarp>
+            <a:spAutoFit/>
+          </a:bodyPr>
+          <a:lstStyle/>
+          <a:p>
+            <a:pPr marL="0" marR="0" lvl="0" indent="0" algn="l" defTabSz="914400" rtl="0" eaLnBrk="1" fontAlgn="base" latinLnBrk="0" hangingPunct="1">
+              <a:lnSpc>
+                <a:spcPct val="100000"/>
+              </a:lnSpc>
+              <a:spcBef>
+                <a:spcPct val="0"/>
+              </a:spcBef>
+              <a:spcAft>
+                <a:spcPct val="0"/>
+              </a:spcAft>
+              <a:buClrTx/>
+              <a:buSzTx/>
+              <a:buFontTx/>
+              <a:buNone/>
+              <a:tabLst/>
+            </a:pPr>
+            <a:endParaRPr kumimoji="0" lang="en-US" sz="2400" b="0" i="0" u="none" strike="noStrike" cap="none" normalizeH="0" baseline="0" dirty="0">
+              <a:ln>
+                <a:noFill/>
+              </a:ln>
+              <a:solidFill>
+                <a:schemeClr val="tx1"/>
+              </a:solidFill>
+              <a:effectLst/>
+              <a:latin typeface="Arial" pitchFamily="34" charset="0"/>
+              <a:cs typeface="Arial" pitchFamily="34" charset="0"/>
+            </a:endParaRPr>
+          </a:p>
+        </p:txBody>
+      </p:sp>
+      <p:sp>
+        <p:nvSpPr>
+          <p:cNvPr id="3" name="Rectangle 2"/>
+          <p:cNvSpPr/>
+          <p:nvPr/>
+        </p:nvSpPr>
+        <p:spPr>
+          <a:xfrm>
+            <a:off x="228600" y="457200"/>
+            <a:ext cx="8305800" cy="861774"/>
+          </a:xfrm>
+          <a:prstGeom prst="rect">
+            <a:avLst/>
+          </a:prstGeom>
+        </p:spPr>
+        <p:txBody>
+          <a:bodyPr wrap="square">
+            <a:spAutoFit/>
+          </a:bodyPr>
+          <a:lstStyle/>
+          <a:p>
+            <a:pPr>
+              <a:buFont typeface="Wingdings" pitchFamily="2" charset="2"/>
+              <a:buChar char="Ø"/>
+            </a:pPr>
+            <a:r>
+              <a:rPr lang="en-US" sz="3200" b="1" u="sng" dirty="0"/>
+              <a:t>Setting the Specific Data Type</a:t>
+            </a:r>
+          </a:p>
+          <a:p>
+            <a:r>
+              <a:rPr lang="en-US" dirty="0"/>
+              <a:t>If you want to specify the data type, you can use the following constructor functions:</a:t>
+            </a:r>
+          </a:p>
+        </p:txBody>
+      </p:sp>
+      <p:pic>
+        <p:nvPicPr>
+          <p:cNvPr id="2050" name="Picture 2"/>
+          <p:cNvPicPr>
+            <a:picLocks noChangeAspect="1" noChangeArrowheads="1"/>
+          </p:cNvPicPr>
+          <p:nvPr/>
+        </p:nvPicPr>
+        <p:blipFill>
+          <a:blip r:embed="rId2"/>
+          <a:srcRect/>
+          <a:stretch>
+            <a:fillRect/>
+          </a:stretch>
+        </p:blipFill>
+        <p:spPr bwMode="auto">
+          <a:xfrm>
+            <a:off x="304800" y="1371600"/>
+            <a:ext cx="7115175" cy="4906627"/>
+          </a:xfrm>
+          <a:prstGeom prst="rect">
+            <a:avLst/>
+          </a:prstGeom>
+          <a:noFill/>
+          <a:ln w="9525">
+            <a:noFill/>
+            <a:miter lim="800000"/>
+            <a:headEnd/>
+            <a:tailEnd/>
+          </a:ln>
+          <a:effectLst/>
+        </p:spPr>
+      </p:pic>
+    </p:spTree>
+  </p:cSld>
+  <p:clrMapOvr>
+    <a:masterClrMapping/>
+  </p:clrMapOvr>
+</p:sld>
+</file>
+
+<file path=ppt/slides/slide23.xml><?xml version="1.0" encoding="utf-8"?>
+<p:sld xmlns:a="http://schemas.openxmlformats.org/drawingml/2006/main" xmlns:r="http://schemas.openxmlformats.org/officeDocument/2006/relationships" xmlns:p="http://schemas.openxmlformats.org/presentationml/2006/main">
+  <p:cSld>
+    <p:spTree>
+      <p:nvGrpSpPr>
+        <p:cNvPr id="1" name=""/>
+        <p:cNvGrpSpPr/>
+        <p:nvPr/>
+      </p:nvGrpSpPr>
+      <p:grpSpPr>
+        <a:xfrm>
+          <a:off x="0" y="0"/>
+          <a:ext cx="0" cy="0"/>
+          <a:chOff x="0" y="0"/>
+          <a:chExt cx="0" cy="0"/>
+        </a:xfrm>
+      </p:grpSpPr>
+      <p:sp>
+        <p:nvSpPr>
+          <p:cNvPr id="2" name="Title 1">
+            <a:extLst>
+              <a:ext uri="{FF2B5EF4-FFF2-40B4-BE49-F238E27FC236}">
+                <a16:creationId xmlns:a16="http://schemas.microsoft.com/office/drawing/2014/main" id="{6AE5B5D8-F061-AB15-D33E-4E6010B21E97}"/>
+              </a:ext>
+            </a:extLst>
+          </p:cNvPr>
+          <p:cNvSpPr>
+            <a:spLocks noGrp="1"/>
+          </p:cNvSpPr>
+          <p:nvPr>
+            <p:ph type="ctrTitle"/>
+          </p:nvPr>
+        </p:nvSpPr>
+        <p:spPr>
+          <a:xfrm>
+            <a:off x="381000" y="76200"/>
+            <a:ext cx="7772400" cy="1470025"/>
+          </a:xfrm>
+        </p:spPr>
+        <p:txBody>
+          <a:bodyPr/>
+          <a:lstStyle/>
+          <a:p>
+            <a:r>
+              <a:rPr lang="en-US" dirty="0"/>
+              <a:t>Todays Task</a:t>
+            </a:r>
+          </a:p>
+        </p:txBody>
+      </p:sp>
+      <p:sp>
+        <p:nvSpPr>
+          <p:cNvPr id="3" name="Subtitle 2">
+            <a:extLst>
+              <a:ext uri="{FF2B5EF4-FFF2-40B4-BE49-F238E27FC236}">
+                <a16:creationId xmlns:a16="http://schemas.microsoft.com/office/drawing/2014/main" id="{99F73197-4F3C-1C3C-1819-00275663BCF4}"/>
+              </a:ext>
+            </a:extLst>
+          </p:cNvPr>
+          <p:cNvSpPr>
+            <a:spLocks noGrp="1"/>
+          </p:cNvSpPr>
+          <p:nvPr>
+            <p:ph type="subTitle" idx="1"/>
+          </p:nvPr>
+        </p:nvSpPr>
+        <p:spPr>
+          <a:xfrm>
+            <a:off x="685800" y="2209800"/>
+            <a:ext cx="7924800" cy="3810000"/>
+          </a:xfrm>
+        </p:spPr>
+        <p:txBody>
+          <a:bodyPr>
+            <a:normAutofit/>
+          </a:bodyPr>
+          <a:lstStyle/>
+          <a:p>
+            <a:r>
+              <a:rPr lang="en-US" sz="4800" dirty="0"/>
+              <a:t>Download and Setup </a:t>
+            </a:r>
+            <a:r>
+              <a:rPr lang="en-US" sz="4800" dirty="0" err="1"/>
+              <a:t>VsCode</a:t>
+            </a:r>
+            <a:r>
+              <a:rPr lang="en-US" sz="4800" dirty="0"/>
+              <a:t> and Python in your computer/Laptop</a:t>
+            </a:r>
+          </a:p>
+        </p:txBody>
+      </p:sp>
+    </p:spTree>
+    <p:extLst>
+      <p:ext uri="{BB962C8B-B14F-4D97-AF65-F5344CB8AC3E}">
+        <p14:creationId xmlns:p14="http://schemas.microsoft.com/office/powerpoint/2010/main" val="3018329034"/>
+      </p:ext>
+    </p:extLst>
+  </p:cSld>
+  <p:clrMapOvr>
+    <a:masterClrMapping/>
+  </p:clrMapOvr>
+</p:sld>
+</file>
+
+<file path=ppt/slides/slide24.xml><?xml version="1.0" encoding="utf-8"?>
+<p:sld xmlns:a="http://schemas.openxmlformats.org/drawingml/2006/main" xmlns:r="http://schemas.openxmlformats.org/officeDocument/2006/relationships" xmlns:p="http://schemas.openxmlformats.org/presentationml/2006/main">
+  <p:cSld>
+    <p:spTree>
+      <p:nvGrpSpPr>
+        <p:cNvPr id="1" name=""/>
+        <p:cNvGrpSpPr/>
+        <p:nvPr/>
+      </p:nvGrpSpPr>
+      <p:grpSpPr>
+        <a:xfrm>
+          <a:off x="0" y="0"/>
+          <a:ext cx="0" cy="0"/>
+          <a:chOff x="0" y="0"/>
+          <a:chExt cx="0" cy="0"/>
+        </a:xfrm>
+      </p:grpSpPr>
+      <p:sp>
+        <p:nvSpPr>
+          <p:cNvPr id="2" name="TextBox 1">
+            <a:extLst>
+              <a:ext uri="{FF2B5EF4-FFF2-40B4-BE49-F238E27FC236}">
+                <a16:creationId xmlns:a16="http://schemas.microsoft.com/office/drawing/2014/main" id="{D5E0E970-24CE-EB50-AB11-9982A7EF921E}"/>
+              </a:ext>
+            </a:extLst>
+          </p:cNvPr>
+          <p:cNvSpPr txBox="1"/>
+          <p:nvPr/>
+        </p:nvSpPr>
+        <p:spPr>
+          <a:xfrm>
+            <a:off x="685800" y="2362200"/>
+            <a:ext cx="7772400" cy="1569660"/>
+          </a:xfrm>
+          <a:prstGeom prst="rect">
+            <a:avLst/>
+          </a:prstGeom>
+          <a:noFill/>
+        </p:spPr>
+        <p:txBody>
+          <a:bodyPr wrap="square" rtlCol="0">
+            <a:spAutoFit/>
+          </a:bodyPr>
+          <a:lstStyle/>
+          <a:p>
+            <a:pPr algn="ctr"/>
+            <a:r>
+              <a:rPr lang="en-US" sz="9600" dirty="0"/>
+              <a:t>Thanks</a:t>
+            </a:r>
+            <a:endParaRPr lang="es-PE" sz="9600" dirty="0"/>
+          </a:p>
+        </p:txBody>
+      </p:sp>
+    </p:spTree>
+    <p:extLst>
+      <p:ext uri="{BB962C8B-B14F-4D97-AF65-F5344CB8AC3E}">
+        <p14:creationId xmlns:p14="http://schemas.microsoft.com/office/powerpoint/2010/main" val="2935731681"/>
+      </p:ext>
+    </p:extLst>
+  </p:cSld>
+  <p:clrMapOvr>
+    <a:masterClrMapping/>
+  </p:clrMapOvr>
+</p:sld>
+</file>
+
+<file path=ppt/slides/slide3.xml><?xml version="1.0" encoding="utf-8"?>
+<p:sld xmlns:a="http://schemas.openxmlformats.org/drawingml/2006/main" xmlns:r="http://schemas.openxmlformats.org/officeDocument/2006/relationships" xmlns:p="http://schemas.openxmlformats.org/presentationml/2006/main">
+  <p:cSld>
+    <p:spTree>
+      <p:nvGrpSpPr>
+        <p:cNvPr id="1" name=""/>
+        <p:cNvGrpSpPr/>
+        <p:nvPr/>
+      </p:nvGrpSpPr>
+      <p:grpSpPr>
+        <a:xfrm>
+          <a:off x="0" y="0"/>
+          <a:ext cx="0" cy="0"/>
+          <a:chOff x="0" y="0"/>
+          <a:chExt cx="0" cy="0"/>
+        </a:xfrm>
+      </p:grpSpPr>
+      <p:sp>
+        <p:nvSpPr>
+          <p:cNvPr id="2" name="Title 1">
+            <a:extLst>
+              <a:ext uri="{FF2B5EF4-FFF2-40B4-BE49-F238E27FC236}">
+                <a16:creationId xmlns:a16="http://schemas.microsoft.com/office/drawing/2014/main" id="{C24098F3-D165-47F1-C143-66AB070C9CE6}"/>
+              </a:ext>
+            </a:extLst>
+          </p:cNvPr>
+          <p:cNvSpPr>
+            <a:spLocks noGrp="1"/>
+          </p:cNvSpPr>
+          <p:nvPr>
+            <p:ph type="ctrTitle"/>
+          </p:nvPr>
+        </p:nvSpPr>
+        <p:spPr>
+          <a:xfrm>
+            <a:off x="457200" y="228600"/>
+            <a:ext cx="7772400" cy="1470025"/>
+          </a:xfrm>
+        </p:spPr>
+        <p:txBody>
+          <a:bodyPr/>
+          <a:lstStyle/>
+          <a:p>
+            <a:r>
+              <a:rPr lang="en-US" dirty="0"/>
+              <a:t>Who Am I</a:t>
+            </a:r>
+          </a:p>
+        </p:txBody>
+      </p:sp>
+      <p:sp>
+        <p:nvSpPr>
+          <p:cNvPr id="3" name="Subtitle 2">
+            <a:extLst>
+              <a:ext uri="{FF2B5EF4-FFF2-40B4-BE49-F238E27FC236}">
+                <a16:creationId xmlns:a16="http://schemas.microsoft.com/office/drawing/2014/main" id="{AE1520E9-C20B-FB80-B7DF-3AE314CC987F}"/>
+              </a:ext>
+            </a:extLst>
+          </p:cNvPr>
+          <p:cNvSpPr>
+            <a:spLocks noGrp="1"/>
+          </p:cNvSpPr>
+          <p:nvPr>
+            <p:ph type="subTitle" idx="1"/>
+          </p:nvPr>
+        </p:nvSpPr>
+        <p:spPr>
+          <a:xfrm>
+            <a:off x="2362200" y="5554139"/>
+            <a:ext cx="5791200" cy="1066800"/>
+          </a:xfrm>
+        </p:spPr>
+        <p:txBody>
+          <a:bodyPr/>
+          <a:lstStyle/>
+          <a:p>
+            <a:r>
+              <a:rPr lang="en-US" dirty="0">
+                <a:solidFill>
+                  <a:schemeClr val="tx1"/>
+                </a:solidFill>
+              </a:rPr>
+              <a:t>Exchange Student in South America!</a:t>
+            </a:r>
+          </a:p>
+        </p:txBody>
+      </p:sp>
+      <p:pic>
+        <p:nvPicPr>
+          <p:cNvPr id="5" name="Picture 4">
+            <a:extLst>
+              <a:ext uri="{FF2B5EF4-FFF2-40B4-BE49-F238E27FC236}">
+                <a16:creationId xmlns:a16="http://schemas.microsoft.com/office/drawing/2014/main" id="{5AD06583-9933-2E53-38C7-CD7277DF3FCB}"/>
+              </a:ext>
+            </a:extLst>
+          </p:cNvPr>
+          <p:cNvPicPr>
+            <a:picLocks noChangeAspect="1"/>
+          </p:cNvPicPr>
+          <p:nvPr/>
+        </p:nvPicPr>
+        <p:blipFill>
+          <a:blip r:embed="rId2" cstate="print">
+            <a:extLst>
+              <a:ext uri="{28A0092B-C50C-407E-A947-70E740481C1C}">
+                <a14:useLocalDpi xmlns:a14="http://schemas.microsoft.com/office/drawing/2010/main" val="0"/>
+              </a:ext>
+            </a:extLst>
+          </a:blip>
+          <a:stretch>
+            <a:fillRect/>
+          </a:stretch>
+        </p:blipFill>
+        <p:spPr>
+          <a:xfrm>
+            <a:off x="457200" y="1219200"/>
+            <a:ext cx="2057400" cy="4089057"/>
+          </a:xfrm>
+          <a:prstGeom prst="ellipse">
+            <a:avLst/>
+          </a:prstGeom>
+          <a:ln w="63500" cap="rnd">
+            <a:solidFill>
+              <a:srgbClr val="333333"/>
+            </a:solidFill>
+          </a:ln>
+          <a:effectLst>
+            <a:outerShdw blurRad="381000" dist="292100" dir="5400000" sx="-80000" sy="-18000" rotWithShape="0">
+              <a:srgbClr val="000000">
+                <a:alpha val="22000"/>
+              </a:srgbClr>
+            </a:outerShdw>
+          </a:effectLst>
+          <a:scene3d>
+            <a:camera prst="orthographicFront"/>
+            <a:lightRig rig="contrasting" dir="t">
+              <a:rot lat="0" lon="0" rev="3000000"/>
+            </a:lightRig>
+          </a:scene3d>
+          <a:sp3d contourW="7620">
+            <a:bevelT w="95250" h="31750"/>
+            <a:contourClr>
+              <a:srgbClr val="333333"/>
+            </a:contourClr>
+          </a:sp3d>
+        </p:spPr>
+      </p:pic>
+      <p:pic>
+        <p:nvPicPr>
+          <p:cNvPr id="9" name="Picture 8">
+            <a:extLst>
+              <a:ext uri="{FF2B5EF4-FFF2-40B4-BE49-F238E27FC236}">
+                <a16:creationId xmlns:a16="http://schemas.microsoft.com/office/drawing/2014/main" id="{4EBA96EF-0A0B-6482-6342-C497271B0B13}"/>
+              </a:ext>
+            </a:extLst>
+          </p:cNvPr>
+          <p:cNvPicPr>
+            <a:picLocks noChangeAspect="1"/>
+          </p:cNvPicPr>
+          <p:nvPr/>
+        </p:nvPicPr>
+        <p:blipFill>
+          <a:blip r:embed="rId3">
+            <a:extLst>
+              <a:ext uri="{28A0092B-C50C-407E-A947-70E740481C1C}">
+                <a14:useLocalDpi xmlns:a14="http://schemas.microsoft.com/office/drawing/2010/main" val="0"/>
+              </a:ext>
+            </a:extLst>
+          </a:blip>
+          <a:stretch>
+            <a:fillRect/>
+          </a:stretch>
+        </p:blipFill>
+        <p:spPr>
+          <a:xfrm>
+            <a:off x="5410200" y="1709770"/>
+            <a:ext cx="3154331" cy="3119438"/>
+          </a:xfrm>
+          <a:prstGeom prst="rect">
+            <a:avLst/>
+          </a:prstGeom>
+        </p:spPr>
+      </p:pic>
+      <p:sp>
+        <p:nvSpPr>
+          <p:cNvPr id="10" name="TextBox 9">
+            <a:extLst>
+              <a:ext uri="{FF2B5EF4-FFF2-40B4-BE49-F238E27FC236}">
+                <a16:creationId xmlns:a16="http://schemas.microsoft.com/office/drawing/2014/main" id="{37281AE3-D3E6-9B30-8310-491A880C67AB}"/>
+              </a:ext>
+            </a:extLst>
+          </p:cNvPr>
+          <p:cNvSpPr txBox="1"/>
+          <p:nvPr/>
+        </p:nvSpPr>
+        <p:spPr>
+          <a:xfrm>
+            <a:off x="6248400" y="1199479"/>
+            <a:ext cx="2895600" cy="461665"/>
+          </a:xfrm>
+          <a:prstGeom prst="rect">
+            <a:avLst/>
+          </a:prstGeom>
+          <a:noFill/>
+        </p:spPr>
+        <p:txBody>
+          <a:bodyPr wrap="square" rtlCol="0">
+            <a:spAutoFit/>
+          </a:bodyPr>
+          <a:lstStyle/>
+          <a:p>
+            <a:r>
+              <a:rPr lang="en-US" sz="2400" dirty="0">
+                <a:solidFill>
+                  <a:schemeClr val="tx2"/>
+                </a:solidFill>
+              </a:rPr>
+              <a:t>LinkedIn</a:t>
+            </a:r>
+          </a:p>
+        </p:txBody>
+      </p:sp>
+    </p:spTree>
+    <p:extLst>
+      <p:ext uri="{BB962C8B-B14F-4D97-AF65-F5344CB8AC3E}">
+        <p14:creationId xmlns:p14="http://schemas.microsoft.com/office/powerpoint/2010/main" val="3570458378"/>
+      </p:ext>
+    </p:extLst>
+  </p:cSld>
+  <p:clrMapOvr>
+    <a:masterClrMapping/>
+  </p:clrMapOvr>
+</p:sld>
+</file>
+
+<file path=ppt/slides/slide4.xml><?xml version="1.0" encoding="utf-8"?>
+<p:sld xmlns:a="http://schemas.openxmlformats.org/drawingml/2006/main" xmlns:r="http://schemas.openxmlformats.org/officeDocument/2006/relationships" xmlns:p="http://schemas.openxmlformats.org/presentationml/2006/main">
+  <p:cSld>
+    <p:spTree>
+      <p:nvGrpSpPr>
+        <p:cNvPr id="1" name=""/>
+        <p:cNvGrpSpPr/>
+        <p:nvPr/>
+      </p:nvGrpSpPr>
+      <p:grpSpPr>
+        <a:xfrm>
+          <a:off x="0" y="0"/>
+          <a:ext cx="0" cy="0"/>
+          <a:chOff x="0" y="0"/>
+          <a:chExt cx="0" cy="0"/>
+        </a:xfrm>
+      </p:grpSpPr>
+      <p:pic>
+        <p:nvPicPr>
+          <p:cNvPr id="3074" name="Picture 2" descr="Input Output Statement in C"/>
+          <p:cNvPicPr>
+            <a:picLocks noChangeAspect="1" noChangeArrowheads="1"/>
+          </p:cNvPicPr>
+          <p:nvPr/>
+        </p:nvPicPr>
+        <p:blipFill>
+          <a:blip r:embed="rId2"/>
+          <a:srcRect/>
+          <a:stretch>
+            <a:fillRect/>
+          </a:stretch>
+        </p:blipFill>
+        <p:spPr bwMode="auto">
+          <a:xfrm>
+            <a:off x="762000" y="1511808"/>
+            <a:ext cx="7467600" cy="5334000"/>
+          </a:xfrm>
+          <a:prstGeom prst="rect">
+            <a:avLst/>
+          </a:prstGeom>
+          <a:noFill/>
+        </p:spPr>
+      </p:pic>
+      <p:sp>
+        <p:nvSpPr>
+          <p:cNvPr id="3" name="TextBox 2">
+            <a:extLst>
+              <a:ext uri="{FF2B5EF4-FFF2-40B4-BE49-F238E27FC236}">
+                <a16:creationId xmlns:a16="http://schemas.microsoft.com/office/drawing/2014/main" id="{1555EFCA-3D7A-C298-3F40-222005A65CF9}"/>
+              </a:ext>
+            </a:extLst>
+          </p:cNvPr>
+          <p:cNvSpPr txBox="1"/>
+          <p:nvPr/>
+        </p:nvSpPr>
+        <p:spPr>
+          <a:xfrm>
+            <a:off x="1219200" y="381000"/>
+            <a:ext cx="6248400" cy="954107"/>
+          </a:xfrm>
+          <a:prstGeom prst="rect">
+            <a:avLst/>
+          </a:prstGeom>
+          <a:noFill/>
+        </p:spPr>
+        <p:txBody>
+          <a:bodyPr wrap="square">
+            <a:spAutoFit/>
+          </a:bodyPr>
+          <a:lstStyle/>
+          <a:p>
+            <a:pPr algn="ctr"/>
+            <a:r>
+              <a:rPr lang="en-US" sz="2800" dirty="0">
+                <a:latin typeface="Aharoni" panose="020F0502020204030204" pitchFamily="2" charset="-79"/>
+                <a:cs typeface="Aharoni" panose="020F0502020204030204" pitchFamily="2" charset="-79"/>
+              </a:rPr>
+              <a:t>PROGRAMMING</a:t>
+            </a:r>
+            <a:br>
+              <a:rPr lang="en-US" sz="2800" dirty="0">
+                <a:latin typeface="Aharoni" panose="020F0502020204030204" pitchFamily="2" charset="-79"/>
+                <a:cs typeface="Aharoni" panose="020F0502020204030204" pitchFamily="2" charset="-79"/>
+              </a:rPr>
+            </a:br>
+            <a:r>
+              <a:rPr lang="en-US" sz="2800" dirty="0">
+                <a:latin typeface="Aharoni" panose="020F0502020204030204" pitchFamily="2" charset="-79"/>
+                <a:cs typeface="Aharoni" panose="020F0502020204030204" pitchFamily="2" charset="-79"/>
+              </a:rPr>
+              <a:t>LANGUAGE </a:t>
+            </a:r>
+            <a:endParaRPr lang="es-PE" sz="2800" dirty="0">
+              <a:latin typeface="Aharoni" panose="020F0502020204030204" pitchFamily="2" charset="-79"/>
+              <a:cs typeface="Aharoni" panose="020F0502020204030204" pitchFamily="2" charset="-79"/>
+            </a:endParaRPr>
+          </a:p>
+        </p:txBody>
+      </p:sp>
+    </p:spTree>
+  </p:cSld>
+  <p:clrMapOvr>
+    <a:masterClrMapping/>
+  </p:clrMapOvr>
+</p:sld>
+</file>
+
+<file path=ppt/slides/slide5.xml><?xml version="1.0" encoding="utf-8"?>
+<p:sld xmlns:a="http://schemas.openxmlformats.org/drawingml/2006/main" xmlns:r="http://schemas.openxmlformats.org/officeDocument/2006/relationships" xmlns:p="http://schemas.openxmlformats.org/presentationml/2006/main">
+  <p:cSld>
+    <p:spTree>
+      <p:nvGrpSpPr>
+        <p:cNvPr id="1" name=""/>
+        <p:cNvGrpSpPr/>
+        <p:nvPr/>
+      </p:nvGrpSpPr>
+      <p:grpSpPr>
+        <a:xfrm>
+          <a:off x="0" y="0"/>
+          <a:ext cx="0" cy="0"/>
+          <a:chOff x="0" y="0"/>
+          <a:chExt cx="0" cy="0"/>
+        </a:xfrm>
+      </p:grpSpPr>
+      <p:pic>
+        <p:nvPicPr>
+          <p:cNvPr id="2050" name="Picture 2"/>
+          <p:cNvPicPr>
+            <a:picLocks noChangeAspect="1" noChangeArrowheads="1"/>
+          </p:cNvPicPr>
+          <p:nvPr/>
+        </p:nvPicPr>
+        <p:blipFill>
+          <a:blip r:embed="rId2"/>
+          <a:srcRect/>
+          <a:stretch>
+            <a:fillRect/>
+          </a:stretch>
+        </p:blipFill>
+        <p:spPr bwMode="auto">
+          <a:xfrm>
+            <a:off x="484188" y="444500"/>
+            <a:ext cx="8174037" cy="5973763"/>
+          </a:xfrm>
+          <a:prstGeom prst="rect">
+            <a:avLst/>
+          </a:prstGeom>
+          <a:noFill/>
+          <a:ln w="9525">
+            <a:noFill/>
+            <a:miter lim="800000"/>
+            <a:headEnd/>
+            <a:tailEnd/>
+          </a:ln>
+          <a:effectLst/>
+        </p:spPr>
+      </p:pic>
+    </p:spTree>
+  </p:cSld>
+  <p:clrMapOvr>
+    <a:masterClrMapping/>
+  </p:clrMapOvr>
+</p:sld>
+</file>
+
+<file path=ppt/slides/slide6.xml><?xml version="1.0" encoding="utf-8"?>
+<p:sld xmlns:a="http://schemas.openxmlformats.org/drawingml/2006/main" xmlns:r="http://schemas.openxmlformats.org/officeDocument/2006/relationships" xmlns:p="http://schemas.openxmlformats.org/presentationml/2006/main">
+  <p:cSld>
+    <p:spTree>
+      <p:nvGrpSpPr>
+        <p:cNvPr id="1" name=""/>
+        <p:cNvGrpSpPr/>
+        <p:nvPr/>
+      </p:nvGrpSpPr>
+      <p:grpSpPr>
+        <a:xfrm>
+          <a:off x="0" y="0"/>
+          <a:ext cx="0" cy="0"/>
+          <a:chOff x="0" y="0"/>
+          <a:chExt cx="0" cy="0"/>
+        </a:xfrm>
+      </p:grpSpPr>
+      <p:sp>
+        <p:nvSpPr>
+          <p:cNvPr id="2" name="Title 1">
+            <a:extLst>
+              <a:ext uri="{FF2B5EF4-FFF2-40B4-BE49-F238E27FC236}">
+                <a16:creationId xmlns:a16="http://schemas.microsoft.com/office/drawing/2014/main" id="{34556584-7207-A738-F46B-84B60E2021B0}"/>
+              </a:ext>
+            </a:extLst>
+          </p:cNvPr>
+          <p:cNvSpPr>
+            <a:spLocks noGrp="1"/>
+          </p:cNvSpPr>
+          <p:nvPr>
+            <p:ph type="title"/>
+          </p:nvPr>
+        </p:nvSpPr>
+        <p:spPr/>
+        <p:txBody>
+          <a:bodyPr>
+            <a:normAutofit fontScale="90000"/>
+          </a:bodyPr>
+          <a:lstStyle/>
+          <a:p>
+            <a:r>
+              <a:rPr lang="en-US" dirty="0" err="1"/>
+              <a:t>Welcom</a:t>
+            </a:r>
+            <a:r>
+              <a:rPr lang="en-US" dirty="0"/>
+              <a:t> To Python Programming </a:t>
+            </a:r>
+            <a:r>
+              <a:rPr lang="en-US" dirty="0" err="1"/>
+              <a:t>Langauge</a:t>
+            </a:r>
+            <a:endParaRPr lang="es-PE" dirty="0"/>
+          </a:p>
+        </p:txBody>
+      </p:sp>
+      <p:pic>
+        <p:nvPicPr>
+          <p:cNvPr id="4" name="Picture 8" descr="Python Logo, symbol, meaning, history, PNG, brand">
+            <a:extLst>
+              <a:ext uri="{FF2B5EF4-FFF2-40B4-BE49-F238E27FC236}">
+                <a16:creationId xmlns:a16="http://schemas.microsoft.com/office/drawing/2014/main" id="{3591BD18-C430-FF45-CE63-0362F119BF81}"/>
+              </a:ext>
+            </a:extLst>
+          </p:cNvPr>
+          <p:cNvPicPr>
+            <a:picLocks noChangeAspect="1" noChangeArrowheads="1"/>
+          </p:cNvPicPr>
+          <p:nvPr/>
+        </p:nvPicPr>
+        <p:blipFill>
+          <a:blip r:embed="rId2">
+            <a:extLst>
+              <a:ext uri="{28A0092B-C50C-407E-A947-70E740481C1C}">
+                <a14:useLocalDpi xmlns:a14="http://schemas.microsoft.com/office/drawing/2010/main" val="0"/>
+              </a:ext>
+            </a:extLst>
+          </a:blip>
+          <a:srcRect/>
+          <a:stretch>
+            <a:fillRect/>
+          </a:stretch>
+        </p:blipFill>
+        <p:spPr bwMode="auto">
+          <a:xfrm>
+            <a:off x="2057400" y="1981200"/>
+            <a:ext cx="4495800" cy="4219522"/>
+          </a:xfrm>
+          <a:prstGeom prst="rect">
+            <a:avLst/>
+          </a:prstGeom>
+          <a:noFill/>
+          <a:extLst>
+            <a:ext uri="{909E8E84-426E-40DD-AFC4-6F175D3DCCD1}">
+              <a14:hiddenFill xmlns:a14="http://schemas.microsoft.com/office/drawing/2010/main">
+                <a:solidFill>
+                  <a:srgbClr val="FFFFFF"/>
+                </a:solidFill>
+              </a14:hiddenFill>
+            </a:ext>
+          </a:extLst>
+        </p:spPr>
+      </p:pic>
+    </p:spTree>
+    <p:extLst>
+      <p:ext uri="{BB962C8B-B14F-4D97-AF65-F5344CB8AC3E}">
+        <p14:creationId xmlns:p14="http://schemas.microsoft.com/office/powerpoint/2010/main" val="829888549"/>
+      </p:ext>
+    </p:extLst>
+  </p:cSld>
+  <p:clrMapOvr>
+    <a:masterClrMapping/>
+  </p:clrMapOvr>
+</p:sld>
+</file>
+
+<file path=ppt/slides/slide7.xml><?xml version="1.0" encoding="utf-8"?>
+<p:sld xmlns:a="http://schemas.openxmlformats.org/drawingml/2006/main" xmlns:r="http://schemas.openxmlformats.org/officeDocument/2006/relationships" xmlns:p="http://schemas.openxmlformats.org/presentationml/2006/main">
+  <p:cSld>
+    <p:spTree>
+      <p:nvGrpSpPr>
+        <p:cNvPr id="1" name=""/>
+        <p:cNvGrpSpPr/>
+        <p:nvPr/>
+      </p:nvGrpSpPr>
+      <p:grpSpPr>
+        <a:xfrm>
+          <a:off x="0" y="0"/>
+          <a:ext cx="0" cy="0"/>
+          <a:chOff x="0" y="0"/>
+          <a:chExt cx="0" cy="0"/>
+        </a:xfrm>
+      </p:grpSpPr>
+      <p:sp>
+        <p:nvSpPr>
+          <p:cNvPr id="2" name="Title 1"/>
+          <p:cNvSpPr>
+            <a:spLocks noGrp="1"/>
+          </p:cNvSpPr>
+          <p:nvPr>
+            <p:ph type="ctrTitle"/>
+          </p:nvPr>
+        </p:nvSpPr>
+        <p:spPr>
+          <a:xfrm>
+            <a:off x="685800" y="152401"/>
+            <a:ext cx="7772400" cy="1371599"/>
+          </a:xfrm>
+        </p:spPr>
+        <p:txBody>
+          <a:bodyPr>
+            <a:normAutofit fontScale="90000"/>
+          </a:bodyPr>
+          <a:lstStyle/>
+          <a:p>
+            <a:r>
+              <a:rPr lang="en-US" dirty="0"/>
+              <a:t>	WHAT IS A PROGRAMMING</a:t>
+            </a:r>
+            <a:br>
+              <a:rPr lang="en-US" dirty="0"/>
+            </a:br>
+            <a:r>
+              <a:rPr lang="en-US" dirty="0"/>
+              <a:t>LANGUAGE ?</a:t>
+            </a:r>
+          </a:p>
+        </p:txBody>
+      </p:sp>
+      <p:sp>
+        <p:nvSpPr>
+          <p:cNvPr id="3" name="Subtitle 2"/>
+          <p:cNvSpPr>
+            <a:spLocks noGrp="1"/>
+          </p:cNvSpPr>
+          <p:nvPr>
+            <p:ph type="subTitle" idx="1"/>
+          </p:nvPr>
+        </p:nvSpPr>
+        <p:spPr>
+          <a:xfrm>
+            <a:off x="990600" y="1752600"/>
+            <a:ext cx="7543800" cy="3886200"/>
+          </a:xfrm>
+        </p:spPr>
+        <p:txBody>
+          <a:bodyPr>
+            <a:normAutofit fontScale="85000" lnSpcReduction="20000"/>
+          </a:bodyPr>
+          <a:lstStyle/>
+          <a:p>
+            <a:pPr>
+              <a:buFont typeface="Arial" pitchFamily="34" charset="0"/>
+              <a:buChar char="•"/>
+            </a:pPr>
+            <a:r>
+              <a:rPr lang="en-US" dirty="0">
+                <a:solidFill>
+                  <a:schemeClr val="accent2">
+                    <a:lumMod val="50000"/>
+                  </a:schemeClr>
+                </a:solidFill>
+                <a:latin typeface="Arial" pitchFamily="34" charset="0"/>
+                <a:cs typeface="Arial" pitchFamily="34" charset="0"/>
+              </a:rPr>
+              <a:t> A programming language is a vocabulary and set of grammatical rules for instructing a computer or computing device to perform specific tasks.</a:t>
+            </a:r>
+          </a:p>
+          <a:p>
+            <a:pPr>
+              <a:buFont typeface="Arial" pitchFamily="34" charset="0"/>
+              <a:buChar char="•"/>
+            </a:pPr>
+            <a:r>
+              <a:rPr lang="en-US" dirty="0">
+                <a:solidFill>
+                  <a:schemeClr val="accent2">
+                    <a:lumMod val="50000"/>
+                  </a:schemeClr>
+                </a:solidFill>
+                <a:latin typeface="Arial" pitchFamily="34" charset="0"/>
+                <a:cs typeface="Arial" pitchFamily="34" charset="0"/>
+              </a:rPr>
+              <a:t>The term programming language usually refers to high-level languages, such as BASIC, C, C++, PYTHON , Java and FORTRAN</a:t>
+            </a:r>
+          </a:p>
+          <a:p>
+            <a:r>
+              <a:rPr lang="en-US" dirty="0">
+                <a:solidFill>
+                  <a:schemeClr val="accent2">
+                    <a:lumMod val="50000"/>
+                  </a:schemeClr>
+                </a:solidFill>
+                <a:latin typeface="Arial" pitchFamily="34" charset="0"/>
+                <a:cs typeface="Arial" pitchFamily="34" charset="0"/>
+              </a:rPr>
+              <a:t>• Each language has a unique set of keywords (words that it understands) and a special syntax for organizing program instructions</a:t>
+            </a:r>
+            <a:r>
+              <a:rPr lang="en-US" dirty="0">
+                <a:latin typeface="Arial" pitchFamily="34" charset="0"/>
+                <a:cs typeface="Arial" pitchFamily="34" charset="0"/>
+              </a:rPr>
+              <a:t>.</a:t>
+            </a:r>
+          </a:p>
+        </p:txBody>
+      </p:sp>
+    </p:spTree>
+  </p:cSld>
+  <p:clrMapOvr>
+    <a:masterClrMapping/>
+  </p:clrMapOvr>
+</p:sld>
+</file>
+
+<file path=ppt/slides/slide8.xml><?xml version="1.0" encoding="utf-8"?>
+<p:sld xmlns:a="http://schemas.openxmlformats.org/drawingml/2006/main" xmlns:r="http://schemas.openxmlformats.org/officeDocument/2006/relationships" xmlns:p="http://schemas.openxmlformats.org/presentationml/2006/main">
+  <p:cSld>
+    <p:spTree>
+      <p:nvGrpSpPr>
+        <p:cNvPr id="1" name=""/>
+        <p:cNvGrpSpPr/>
+        <p:nvPr/>
+      </p:nvGrpSpPr>
+      <p:grpSpPr>
+        <a:xfrm>
+          <a:off x="0" y="0"/>
+          <a:ext cx="0" cy="0"/>
+          <a:chOff x="0" y="0"/>
+          <a:chExt cx="0" cy="0"/>
+        </a:xfrm>
+      </p:grpSpPr>
+      <p:sp>
+        <p:nvSpPr>
+          <p:cNvPr id="2" name="TextBox 1"/>
+          <p:cNvSpPr txBox="1"/>
+          <p:nvPr/>
+        </p:nvSpPr>
+        <p:spPr>
+          <a:xfrm>
+            <a:off x="1828800" y="228600"/>
+            <a:ext cx="4941354" cy="584775"/>
+          </a:xfrm>
+          <a:prstGeom prst="rect">
+            <a:avLst/>
+          </a:prstGeom>
+          <a:noFill/>
+        </p:spPr>
+        <p:txBody>
+          <a:bodyPr wrap="none" rtlCol="0">
+            <a:spAutoFit/>
+          </a:bodyPr>
+          <a:lstStyle/>
+          <a:p>
+            <a:pPr algn="ctr"/>
+            <a:r>
+              <a:rPr lang="en-US" sz="3200" b="1" dirty="0">
+                <a:solidFill>
+                  <a:srgbClr val="FF0000"/>
+                </a:solidFill>
+                <a:latin typeface="Arial" pitchFamily="34" charset="0"/>
+                <a:cs typeface="Arial" pitchFamily="34" charset="0"/>
+              </a:rPr>
+              <a:t>WELCOME TO PYTHON </a:t>
+            </a:r>
+          </a:p>
+        </p:txBody>
+      </p:sp>
+      <p:sp>
+        <p:nvSpPr>
+          <p:cNvPr id="3" name="TextBox 2"/>
+          <p:cNvSpPr txBox="1"/>
+          <p:nvPr/>
+        </p:nvSpPr>
+        <p:spPr>
+          <a:xfrm>
+            <a:off x="762000" y="1447800"/>
+            <a:ext cx="8115427" cy="4801314"/>
+          </a:xfrm>
+          <a:prstGeom prst="rect">
+            <a:avLst/>
+          </a:prstGeom>
+          <a:noFill/>
+        </p:spPr>
+        <p:txBody>
+          <a:bodyPr wrap="none" rtlCol="0">
+            <a:spAutoFit/>
+          </a:bodyPr>
+          <a:lstStyle/>
+          <a:p>
+            <a:r>
+              <a:rPr lang="en-US" dirty="0"/>
+              <a:t>PYTHON is a high level and an object oriented programming language.</a:t>
+            </a:r>
+          </a:p>
+          <a:p>
+            <a:r>
+              <a:rPr lang="en-US" dirty="0"/>
+              <a:t>PYTHON language is used in a wide range of work .</a:t>
+            </a:r>
+          </a:p>
+          <a:p>
+            <a:r>
+              <a:rPr lang="en-US" dirty="0"/>
+              <a:t>For example :</a:t>
+            </a:r>
+          </a:p>
+          <a:p>
+            <a:pPr marL="342900" indent="-342900">
+              <a:buAutoNum type="arabicPeriod"/>
+            </a:pPr>
+            <a:r>
+              <a:rPr lang="en-US" dirty="0"/>
+              <a:t>Web Development </a:t>
+            </a:r>
+          </a:p>
+          <a:p>
+            <a:pPr marL="342900" indent="-342900">
+              <a:buAutoNum type="arabicPeriod"/>
+            </a:pPr>
+            <a:r>
+              <a:rPr lang="en-US" dirty="0"/>
+              <a:t>Software development </a:t>
+            </a:r>
+          </a:p>
+          <a:p>
+            <a:pPr marL="342900" indent="-342900">
+              <a:buAutoNum type="arabicPeriod"/>
+            </a:pPr>
+            <a:r>
+              <a:rPr lang="en-US" dirty="0"/>
+              <a:t>Scripting </a:t>
+            </a:r>
+          </a:p>
+          <a:p>
+            <a:pPr marL="342900" indent="-342900">
+              <a:buAutoNum type="arabicPeriod"/>
+            </a:pPr>
+            <a:r>
+              <a:rPr lang="en-US" dirty="0"/>
+              <a:t>AI/ML </a:t>
+            </a:r>
+          </a:p>
+          <a:p>
+            <a:pPr marL="342900" indent="-342900">
+              <a:buAutoNum type="arabicPeriod"/>
+            </a:pPr>
+            <a:r>
+              <a:rPr lang="en-US" dirty="0"/>
+              <a:t>Mathematics etc. </a:t>
+            </a:r>
+          </a:p>
+          <a:p>
+            <a:pPr marL="342900" indent="-342900"/>
+            <a:endParaRPr lang="en-US" dirty="0"/>
+          </a:p>
+          <a:p>
+            <a:pPr marL="342900" indent="-342900"/>
+            <a:r>
+              <a:rPr lang="en-US" dirty="0"/>
+              <a:t>BENEFITS OF PYTHON OVER OTHER LANGUAGES </a:t>
+            </a:r>
+          </a:p>
+          <a:p>
+            <a:pPr marL="342900" indent="-342900">
+              <a:buAutoNum type="arabicPeriod"/>
+            </a:pPr>
+            <a:r>
+              <a:rPr lang="en-US" dirty="0"/>
+              <a:t>Can work across a range of different platforms (for </a:t>
+            </a:r>
+            <a:r>
+              <a:rPr lang="en-US" dirty="0" err="1"/>
+              <a:t>eg</a:t>
+            </a:r>
+            <a:r>
+              <a:rPr lang="en-US" dirty="0"/>
+              <a:t>. Linux , windows and MAC)</a:t>
+            </a:r>
+          </a:p>
+          <a:p>
+            <a:pPr marL="342900" indent="-342900">
+              <a:buAutoNum type="arabicPeriod"/>
+            </a:pPr>
+            <a:r>
+              <a:rPr lang="en-US" dirty="0"/>
+              <a:t>Easy syntax which is similar to the English language.</a:t>
+            </a:r>
+          </a:p>
+          <a:p>
+            <a:pPr marL="342900" indent="-342900">
+              <a:buAutoNum type="arabicPeriod"/>
+            </a:pPr>
+            <a:r>
+              <a:rPr lang="en-US" dirty="0"/>
+              <a:t>Automatic memory management. </a:t>
+            </a:r>
+          </a:p>
+          <a:p>
+            <a:pPr marL="342900" indent="-342900">
+              <a:buAutoNum type="arabicPeriod"/>
+            </a:pPr>
+            <a:r>
+              <a:rPr lang="en-US" dirty="0"/>
+              <a:t>No requirement of a compiler. PYTHON is a self interpreted language. </a:t>
+            </a:r>
+          </a:p>
+          <a:p>
+            <a:pPr marL="342900" indent="-342900">
+              <a:buAutoNum type="arabicPeriod"/>
+            </a:pPr>
+            <a:r>
+              <a:rPr lang="en-US" dirty="0"/>
+              <a:t>Shorter, more flexible codes</a:t>
+            </a:r>
+          </a:p>
+          <a:p>
+            <a:pPr marL="342900" indent="-342900">
+              <a:buAutoNum type="arabicPeriod"/>
+            </a:pPr>
+            <a:r>
+              <a:rPr lang="en-US" dirty="0"/>
+              <a:t>One doesn’t not need to specify the data types.</a:t>
+            </a:r>
+          </a:p>
+          <a:p>
+            <a:pPr marL="342900" indent="-342900">
+              <a:buAutoNum type="arabicPeriod"/>
+            </a:pPr>
+            <a:endParaRPr lang="en-US" dirty="0"/>
+          </a:p>
+        </p:txBody>
+      </p:sp>
+    </p:spTree>
+  </p:cSld>
+  <p:clrMapOvr>
+    <a:masterClrMapping/>
+  </p:clrMapOvr>
+</p:sld>
+</file>
+
+<file path=ppt/slides/slide9.xml><?xml version="1.0" encoding="utf-8"?>
+<p:sld xmlns:a="http://schemas.openxmlformats.org/drawingml/2006/main" xmlns:r="http://schemas.openxmlformats.org/officeDocument/2006/relationships" xmlns:p="http://schemas.openxmlformats.org/presentationml/2006/main">
+  <p:cSld>
+    <p:spTree>
+      <p:nvGrpSpPr>
+        <p:cNvPr id="1" name=""/>
+        <p:cNvGrpSpPr/>
+        <p:nvPr/>
+      </p:nvGrpSpPr>
+      <p:grpSpPr>
+        <a:xfrm>
+          <a:off x="0" y="0"/>
+          <a:ext cx="0" cy="0"/>
+          <a:chOff x="0" y="0"/>
+          <a:chExt cx="0" cy="0"/>
+        </a:xfrm>
+      </p:grpSpPr>
+      <p:pic>
+        <p:nvPicPr>
+          <p:cNvPr id="28674" name="Picture 2"/>
+          <p:cNvPicPr>
+            <a:picLocks noChangeAspect="1" noChangeArrowheads="1"/>
+          </p:cNvPicPr>
+          <p:nvPr/>
+        </p:nvPicPr>
+        <p:blipFill>
+          <a:blip r:embed="rId2"/>
+          <a:srcRect/>
+          <a:stretch>
+            <a:fillRect/>
+          </a:stretch>
+        </p:blipFill>
+        <p:spPr bwMode="auto">
+          <a:xfrm>
+            <a:off x="798513" y="1150938"/>
+            <a:ext cx="7545387" cy="4562475"/>
+          </a:xfrm>
+          <a:prstGeom prst="rect">
+            <a:avLst/>
+          </a:prstGeom>
+          <a:noFill/>
+          <a:ln w="9525">
+            <a:noFill/>
+            <a:miter lim="800000"/>
+            <a:headEnd/>
+            <a:tailEnd/>
+          </a:ln>
+          <a:effectLst/>
+        </p:spPr>
+      </p:pic>
     </p:spTree>
   </p:cSld>
   <p:clrMapOvr>
